--- a/Tayo Application.pptx
+++ b/Tayo Application.pptx
@@ -2,7 +2,7 @@
 <file path=ppt/presentation.xml><?xml version="1.0" encoding="utf-8"?>
 <p:presentation xmlns:a="http://schemas.openxmlformats.org/drawingml/2006/main" xmlns:r="http://schemas.openxmlformats.org/officeDocument/2006/relationships" xmlns:p="http://schemas.openxmlformats.org/presentationml/2006/main" xmlns:p14="http://schemas.microsoft.com/office/powerpoint/2010/main" showSpecialPlsOnTitleSld="0" saveSubsetFonts="1">
   <p:sldMasterIdLst>
-    <p:sldMasterId id="2147483862" r:id="rId5"/>
+    <p:sldMasterId id="2147483864" r:id="rId5"/>
   </p:sldMasterIdLst>
   <p:notesMasterIdLst>
     <p:notesMasterId r:id="rId9"/>
@@ -119,12 +119,12 @@
   <p:extLst>
     <p:ext uri="{EFAFB233-063F-42B5-8137-9DF3F51BA10A}">
       <p15:sldGuideLst xmlns:p15="http://schemas.microsoft.com/office/powerpoint/2012/main">
-        <p15:guide id="2" pos="2875" userDrawn="0">
+        <p15:guide id="2" pos="2874" userDrawn="0">
           <p15:clr>
             <a:srgbClr val="A4A3A4"/>
           </p15:clr>
         </p15:guide>
-        <p15:guide id="3" orient="horz" pos="1615" userDrawn="0">
+        <p15:guide id="3" orient="horz" pos="1614" userDrawn="0">
           <p15:clr>
             <a:srgbClr val="A4A3A4"/>
           </p15:clr>
@@ -217,7 +217,7 @@
           <a:p>
             <a:fld id="{A98D5AA6-AEE7-4171-851F-414A36A38A7A}" type="datetimeFigureOut">
               <a:rPr lang="ko-KR" altLang="en-US" smtClean="0"/>
-              <a:t>2017-03-22</a:t>
+              <a:t>2017-09-04</a:t>
             </a:fld>
             <a:endParaRPr lang="ko-KR" altLang="en-US"/>
           </a:p>
@@ -383,7 +383,7 @@
           <a:p>
             <a:fld id="{903EA3F8-BADD-4D38-8729-4C3ABA8D9A5E}" type="datetimeFigureOut">
               <a:rPr lang="ko-KR" altLang="en-US" smtClean="0"/>
-              <a:t>2017-03-22</a:t>
+              <a:t>2017-09-04</a:t>
             </a:fld>
             <a:endParaRPr lang="ko-KR" altLang="en-US"/>
           </a:p>
@@ -856,7 +856,7 @@
                 <a:latin typeface="Arial" charset="0"/>
                 <a:ea typeface="Arial" charset="0"/>
               </a:rPr>
-              <a:t>3/22/2017</a:t>
+              <a:t>9/4/2017</a:t>
             </a:fld>
             <a:endParaRPr lang="ko-KR" altLang="en-US" sz="1000" dirty="0" smtClean="0">
               <a:solidFill>
@@ -1291,7 +1291,7 @@
                 <a:latin typeface="Arial" charset="0"/>
                 <a:ea typeface="Arial" charset="0"/>
               </a:rPr>
-              <a:t>3/22/2017</a:t>
+              <a:t>9/4/2017</a:t>
             </a:fld>
             <a:endParaRPr lang="ko-KR" altLang="en-US" sz="1000" dirty="0" smtClean="0">
               <a:solidFill>
@@ -1686,7 +1686,7 @@
                 <a:latin typeface="Arial" charset="0"/>
                 <a:ea typeface="Arial" charset="0"/>
               </a:rPr>
-              <a:t>3/22/2017</a:t>
+              <a:t>9/4/2017</a:t>
             </a:fld>
             <a:endParaRPr lang="ko-KR" altLang="en-US" sz="1000" dirty="0" smtClean="0">
               <a:solidFill>
@@ -1980,7 +1980,7 @@
                 <a:latin typeface="Times New Roman" charset="0"/>
                 <a:ea typeface="Times New Roman" charset="0"/>
               </a:rPr>
-              <a:t>2017-03-22</a:t>
+              <a:t>2017-09-04</a:t>
             </a:fld>
             <a:endParaRPr lang="ko-KR" altLang="en-US" sz="1800" dirty="0" smtClean="0">
               <a:solidFill>
@@ -2371,7 +2371,7 @@
 </file>
 
 <file path=ppt/slides/slide1.xml><?xml version="1.0" encoding="utf-8"?>
-<p:sld xmlns:a="http://schemas.openxmlformats.org/drawingml/2006/main" xmlns:r="http://schemas.openxmlformats.org/officeDocument/2006/relationships" xmlns:p="http://schemas.openxmlformats.org/presentationml/2006/main" xmlns:p14="http://schemas.microsoft.com/office/powerpoint/2010/main">
+<p:sld xmlns:a="http://schemas.openxmlformats.org/drawingml/2006/main" xmlns:r="http://schemas.openxmlformats.org/officeDocument/2006/relationships" xmlns:p="http://schemas.openxmlformats.org/presentationml/2006/main">
   <p:cSld>
     <p:spTree>
       <p:nvGrpSpPr>
@@ -2396,11 +2396,11 @@
           <p:nvPr/>
         </p:nvPicPr>
         <p:blipFill rotWithShape="1">
-          <a:blip r:embed="rId1">
+          <a:blip r:embed="rId2">
             <a:extLst>
               <a:ext uri="{BEBA8EAE-BF5A-486C-A8C5-ECC9F3942E4B}">
                 <a14:imgProps xmlns:a14="http://schemas.microsoft.com/office/drawing/2010/main">
-                  <a14:imgLayer r:embed="rId2">
+                  <a14:imgLayer r:embed="rId3">
                     <a14:imgEffect>
                       <a14:artisticBlur/>
                     </a14:imgEffect>
@@ -2417,11 +2417,13 @@
           </a:stretch>
         </p:blipFill>
         <p:spPr>
-          <a:xfrm rot="0">
+          <a:xfrm>
             <a:off x="0" y="0"/>
             <a:ext cx="9194800" cy="5162550"/>
           </a:xfrm>
-          <a:prstGeom prst="rect"/>
+          <a:prstGeom prst="rect">
+            <a:avLst/>
+          </a:prstGeom>
           <a:noFill/>
         </p:spPr>
       </p:pic>
@@ -2434,11 +2436,13 @@
           <p:nvPr/>
         </p:nvSpPr>
         <p:spPr>
-          <a:xfrm rot="0">
+          <a:xfrm>
             <a:off x="6527800" y="3202305"/>
             <a:ext cx="2615565" cy="1929765"/>
           </a:xfrm>
-          <a:prstGeom prst="rect"/>
+          <a:prstGeom prst="rect">
+            <a:avLst/>
+          </a:prstGeom>
           <a:solidFill>
             <a:srgbClr val="4F81BD">
               <a:alpha val="80070"/>
@@ -2466,12 +2470,12 @@
           </a:fontRef>
         </p:style>
         <p:txBody>
-          <a:bodyPr wrap="square" lIns="91440" tIns="45720" rIns="91440" bIns="45720" vert="horz" anchor="ctr">
+          <a:bodyPr vert="horz" wrap="square" lIns="91440" tIns="45720" rIns="91440" bIns="45720" anchor="ctr">
             <a:noAutofit/>
           </a:bodyPr>
           <a:lstStyle/>
           <a:p>
-            <a:pPr marL="0" indent="0" algn="ctr" fontAlgn="auto" defTabSz="508000">
+            <a:pPr marL="0" indent="0" algn="ctr" defTabSz="508000" fontAlgn="auto">
               <a:lnSpc>
                 <a:spcPct val="100000"/>
               </a:lnSpc>
@@ -2484,7 +2488,7 @@
               <a:buFontTx/>
               <a:buNone/>
             </a:pPr>
-            <a:endParaRPr lang="ko-KR" altLang="en-US" sz="1800" cap="none" dirty="0" smtClean="0" b="0">
+            <a:endParaRPr lang="ko-KR" altLang="en-US" sz="1800" b="0" cap="none" dirty="0" smtClean="0">
               <a:latin typeface="맑은 고딕" charset="0"/>
               <a:ea typeface="맑은 고딕" charset="0"/>
             </a:endParaRPr>
@@ -2510,12 +2514,12 @@
           <a:noFill/>
         </p:spPr>
         <p:txBody>
-          <a:bodyPr wrap="square" lIns="91440" tIns="45720" rIns="91440" bIns="45720" numCol="1" vert="horz" anchor="t">
+          <a:bodyPr vert="horz" wrap="square" lIns="91440" tIns="45720" rIns="91440" bIns="45720" numCol="1" anchor="t">
             <a:noAutofit/>
           </a:bodyPr>
           <a:lstStyle/>
           <a:p>
-            <a:pPr marL="0" indent="0" algn="l" fontAlgn="auto" defTabSz="914400" eaLnBrk="0">
+            <a:pPr marL="0" indent="0" algn="l" defTabSz="914400" eaLnBrk="0" fontAlgn="auto">
               <a:lnSpc>
                 <a:spcPct val="100000"/>
               </a:lnSpc>
@@ -2529,12 +2533,12 @@
               <a:buNone/>
             </a:pPr>
             <a:r>
-              <a:rPr lang="en-US" altLang="ko-KR" sz="4800" cap="none" dirty="0" smtClean="0" b="1">
+              <a:rPr lang="en-US" altLang="ko-KR" sz="4800" b="1" cap="none" dirty="0" smtClean="0">
                 <a:solidFill>
                   <a:schemeClr val="bg1"/>
                 </a:solidFill>
                 <a:effectLst>
-                  <a:outerShdw sx="100000" sy="100000" blurRad="50800" dist="38100" dir="2700000" rotWithShape="0" algn="tl">
+                  <a:outerShdw blurRad="50800" dist="38100" dir="2700000" algn="tl" rotWithShape="0">
                     <a:srgbClr val="000000">
                       <a:alpha val="40000"/>
                     </a:srgbClr>
@@ -2545,7 +2549,7 @@
               </a:rPr>
               <a:t>Tayo Application</a:t>
             </a:r>
-            <a:endParaRPr lang="ko-KR" altLang="en-US" sz="4800" cap="none" dirty="0" smtClean="0" b="1">
+            <a:endParaRPr lang="ko-KR" altLang="en-US" sz="4800" b="1" cap="none" dirty="0" smtClean="0">
               <a:solidFill>
                 <a:schemeClr val="bg1"/>
               </a:solidFill>
@@ -2554,7 +2558,7 @@
             </a:endParaRPr>
           </a:p>
           <a:p>
-            <a:pPr marL="0" indent="0" algn="l" fontAlgn="auto" defTabSz="914400" eaLnBrk="0">
+            <a:pPr marL="0" indent="0" algn="l" defTabSz="914400" eaLnBrk="0" fontAlgn="auto">
               <a:lnSpc>
                 <a:spcPct val="100000"/>
               </a:lnSpc>
@@ -2568,12 +2572,12 @@
               <a:buNone/>
             </a:pPr>
             <a:r>
-              <a:rPr lang="en-US" altLang="ko-KR" sz="4800" cap="none" dirty="0" smtClean="0" b="1">
+              <a:rPr lang="en-US" altLang="ko-KR" sz="4800" b="1" cap="none" dirty="0" smtClean="0">
                 <a:solidFill>
                   <a:schemeClr val="bg1"/>
                 </a:solidFill>
                 <a:effectLst>
-                  <a:outerShdw sx="100000" sy="100000" blurRad="50800" dist="38100" dir="2700000" rotWithShape="0" algn="tl">
+                  <a:outerShdw blurRad="50800" dist="38100" dir="2700000" algn="tl" rotWithShape="0">
                     <a:srgbClr val="000000">
                       <a:alpha val="40000"/>
                     </a:srgbClr>
@@ -2584,7 +2588,7 @@
               </a:rPr>
               <a:t>Presentation</a:t>
             </a:r>
-            <a:endParaRPr lang="ko-KR" altLang="en-US" sz="4800" cap="none" dirty="0" smtClean="0" b="1">
+            <a:endParaRPr lang="ko-KR" altLang="en-US" sz="4800" b="1" cap="none" dirty="0" smtClean="0">
               <a:solidFill>
                 <a:schemeClr val="bg1"/>
               </a:solidFill>
@@ -2603,20 +2607,22 @@
           <p:nvPr/>
         </p:nvSpPr>
         <p:spPr>
-          <a:xfrm rot="0">
+          <a:xfrm>
             <a:off x="6506210" y="3756025"/>
             <a:ext cx="2665095" cy="706755"/>
           </a:xfrm>
-          <a:prstGeom prst="rect"/>
+          <a:prstGeom prst="rect">
+            <a:avLst/>
+          </a:prstGeom>
           <a:noFill/>
         </p:spPr>
         <p:txBody>
-          <a:bodyPr wrap="square" lIns="91440" tIns="45720" rIns="91440" bIns="45720" numCol="1" vert="horz" anchor="t">
+          <a:bodyPr vert="horz" wrap="square" lIns="91440" tIns="45720" rIns="91440" bIns="45720" numCol="1" anchor="t">
             <a:spAutoFit/>
           </a:bodyPr>
           <a:lstStyle/>
           <a:p>
-            <a:pPr marL="0" indent="0" algn="ctr" fontAlgn="auto" defTabSz="914400" eaLnBrk="0">
+            <a:pPr marL="0" indent="0" algn="ctr" defTabSz="914400" eaLnBrk="0" fontAlgn="auto">
               <a:lnSpc>
                 <a:spcPct val="100000"/>
               </a:lnSpc>
@@ -2630,14 +2636,14 @@
               <a:buNone/>
             </a:pPr>
             <a:r>
-              <a:rPr lang="en-US" altLang="ko-KR" sz="2000" cap="none" dirty="0" smtClean="0" b="0">
+              <a:rPr lang="en-US" altLang="ko-KR" sz="2000" b="0" cap="none" dirty="0" smtClean="0">
                 <a:solidFill>
                   <a:schemeClr val="bg1">
                     <a:lumMod val="65000"/>
                   </a:schemeClr>
                 </a:solidFill>
                 <a:effectLst>
-                  <a:outerShdw sx="100000" sy="100000" blurRad="50800" dist="38100" dir="2700000" rotWithShape="0" algn="tl">
+                  <a:outerShdw blurRad="50800" dist="38100" dir="2700000" algn="tl" rotWithShape="0">
                     <a:srgbClr val="000000">
                       <a:alpha val="40000"/>
                     </a:srgbClr>
@@ -2648,7 +2654,7 @@
               </a:rPr>
               <a:t>2017. 09. 01. Mon</a:t>
             </a:r>
-            <a:endParaRPr lang="ko-KR" altLang="en-US" sz="2000" cap="none" dirty="0" smtClean="0" b="0">
+            <a:endParaRPr lang="ko-KR" altLang="en-US" sz="2000" b="0" cap="none" dirty="0" smtClean="0">
               <a:solidFill>
                 <a:schemeClr val="bg1">
                   <a:lumMod val="65000"/>
@@ -2659,7 +2665,7 @@
             </a:endParaRPr>
           </a:p>
           <a:p>
-            <a:pPr marL="0" indent="0" algn="ctr" fontAlgn="auto" defTabSz="914400" eaLnBrk="0">
+            <a:pPr marL="0" indent="0" algn="ctr" defTabSz="914400" eaLnBrk="0" fontAlgn="auto">
               <a:lnSpc>
                 <a:spcPct val="100000"/>
               </a:lnSpc>
@@ -2673,12 +2679,12 @@
               <a:buNone/>
             </a:pPr>
             <a:r>
-              <a:rPr lang="en-US" altLang="ko-KR" sz="2000" cap="none" dirty="0" smtClean="0" b="1">
+              <a:rPr lang="en-US" altLang="ko-KR" sz="2000" b="1" cap="none" dirty="0" smtClean="0">
                 <a:solidFill>
                   <a:srgbClr val="FFF5B2"/>
                 </a:solidFill>
                 <a:effectLst>
-                  <a:outerShdw sx="100000" sy="100000" blurRad="50800" dist="38100" dir="2700000" rotWithShape="0" algn="tl">
+                  <a:outerShdw blurRad="50800" dist="38100" dir="2700000" algn="tl" rotWithShape="0">
                     <a:srgbClr val="000000">
                       <a:alpha val="40000"/>
                     </a:srgbClr>
@@ -2689,7 +2695,7 @@
               </a:rPr>
               <a:t>현우석 이중우 김수환</a:t>
             </a:r>
-            <a:endParaRPr lang="ko-KR" altLang="en-US" sz="2000" cap="none" dirty="0" smtClean="0" b="1">
+            <a:endParaRPr lang="ko-KR" altLang="en-US" sz="2000" b="1" cap="none" dirty="0" smtClean="0">
               <a:solidFill>
                 <a:srgbClr val="FFF5B2"/>
               </a:solidFill>
@@ -2708,11 +2714,13 @@
           <p:nvPr/>
         </p:nvSpPr>
         <p:spPr>
-          <a:xfrm rot="0">
+          <a:xfrm>
             <a:off x="6527800" y="6350"/>
             <a:ext cx="2615565" cy="3197225"/>
           </a:xfrm>
-          <a:prstGeom prst="rect"/>
+          <a:prstGeom prst="rect">
+            <a:avLst/>
+          </a:prstGeom>
           <a:solidFill>
             <a:srgbClr val="FCCC00">
               <a:alpha val="20017"/>
@@ -2740,12 +2748,12 @@
           </a:fontRef>
         </p:style>
         <p:txBody>
-          <a:bodyPr wrap="square" lIns="91440" tIns="45720" rIns="91440" bIns="45720" vert="horz" anchor="ctr">
+          <a:bodyPr vert="horz" wrap="square" lIns="91440" tIns="45720" rIns="91440" bIns="45720" anchor="ctr">
             <a:noAutofit/>
           </a:bodyPr>
           <a:lstStyle/>
           <a:p>
-            <a:pPr marL="0" indent="0" algn="ctr" fontAlgn="auto" defTabSz="508000">
+            <a:pPr marL="0" indent="0" algn="ctr" defTabSz="508000" fontAlgn="auto">
               <a:lnSpc>
                 <a:spcPct val="100000"/>
               </a:lnSpc>
@@ -2758,7 +2766,7 @@
               <a:buFontTx/>
               <a:buNone/>
             </a:pPr>
-            <a:endParaRPr lang="ko-KR" altLang="en-US" sz="1800" cap="none" dirty="0" smtClean="0" b="0">
+            <a:endParaRPr lang="ko-KR" altLang="en-US" sz="1800" b="0" cap="none" dirty="0" smtClean="0">
               <a:latin typeface="맑은 고딕" charset="0"/>
               <a:ea typeface="맑은 고딕" charset="0"/>
             </a:endParaRPr>
@@ -2774,20 +2782,22 @@
           <p:nvPr/>
         </p:nvSpPr>
         <p:spPr>
-          <a:xfrm rot="0">
+          <a:xfrm>
             <a:off x="73025" y="1450975"/>
             <a:ext cx="2747645" cy="322580"/>
           </a:xfrm>
-          <a:prstGeom prst="rect"/>
+          <a:prstGeom prst="rect">
+            <a:avLst/>
+          </a:prstGeom>
           <a:noFill/>
         </p:spPr>
         <p:txBody>
-          <a:bodyPr wrap="square" lIns="91440" tIns="45720" rIns="91440" bIns="45720" vert="horz" anchor="t">
+          <a:bodyPr vert="horz" wrap="square" lIns="91440" tIns="45720" rIns="91440" bIns="45720" anchor="t">
             <a:spAutoFit/>
           </a:bodyPr>
           <a:lstStyle/>
           <a:p>
-            <a:pPr marL="0" indent="0" algn="ctr" fontAlgn="auto" defTabSz="914400" eaLnBrk="0">
+            <a:pPr marL="0" indent="0" algn="ctr" defTabSz="914400" eaLnBrk="0" fontAlgn="auto">
               <a:lnSpc>
                 <a:spcPct val="100000"/>
               </a:lnSpc>
@@ -2801,12 +2811,12 @@
               <a:buNone/>
             </a:pPr>
             <a:r>
-              <a:rPr lang="en-US" altLang="ko-KR" sz="1500" cap="none" dirty="0" smtClean="0" b="1">
+              <a:rPr lang="en-US" altLang="ko-KR" sz="1500" b="1" cap="none" dirty="0" smtClean="0">
                 <a:solidFill>
                   <a:srgbClr val="FFF5B2"/>
                 </a:solidFill>
                 <a:effectLst>
-                  <a:outerShdw sx="100000" sy="100000" blurRad="50800" dist="38100" dir="2700000" rotWithShape="0" algn="tl">
+                  <a:outerShdw blurRad="50800" dist="38100" dir="2700000" algn="tl" rotWithShape="0">
                     <a:srgbClr val="000000">
                       <a:alpha val="40000"/>
                     </a:srgbClr>
@@ -2817,7 +2827,7 @@
               </a:rPr>
               <a:t>Bus Management System</a:t>
             </a:r>
-            <a:endParaRPr lang="ko-KR" altLang="en-US" sz="1500" cap="none" dirty="0" smtClean="0" b="1">
+            <a:endParaRPr lang="ko-KR" altLang="en-US" sz="1500" b="1" cap="none" dirty="0" smtClean="0">
               <a:solidFill>
                 <a:srgbClr val="FFF5B2"/>
               </a:solidFill>
@@ -2837,11 +2847,11 @@
   <p:clrMapOvr>
     <a:masterClrMapping/>
   </p:clrMapOvr>
-  <mc:AlternateContent xmlns:mc="http://schemas.openxmlformats.org/markup-compatibility/2006">
-    <mc:Choice xmlns:p14="http://schemas.microsoft.com/office/powerpoint/2010/main" Requires="p14">
+  <mc:AlternateContent xmlns:mc="http://schemas.openxmlformats.org/markup-compatibility/2006" xmlns:p14="http://schemas.microsoft.com/office/powerpoint/2010/main">
+    <mc:Choice Requires="p14">
       <p:transition spd="slow" p14:dur="2000"/>
     </mc:Choice>
-    <mc:Fallback>
+    <mc:Fallback xmlns="">
       <p:transition spd="slow"/>
     </mc:Fallback>
   </mc:AlternateContent>
@@ -2856,7 +2866,7 @@
 </file>
 
 <file path=ppt/slides/slide2.xml><?xml version="1.0" encoding="utf-8"?>
-<p:sld xmlns:a="http://schemas.openxmlformats.org/drawingml/2006/main" xmlns:r="http://schemas.openxmlformats.org/officeDocument/2006/relationships" xmlns:p="http://schemas.openxmlformats.org/presentationml/2006/main" xmlns:p14="http://schemas.microsoft.com/office/powerpoint/2010/main">
+<p:sld xmlns:a="http://schemas.openxmlformats.org/drawingml/2006/main" xmlns:r="http://schemas.openxmlformats.org/officeDocument/2006/relationships" xmlns:p="http://schemas.openxmlformats.org/presentationml/2006/main">
   <p:cSld>
     <p:spTree>
       <p:nvGrpSpPr>
@@ -2881,11 +2891,13 @@
           <p:nvPr/>
         </p:nvSpPr>
         <p:spPr>
-          <a:xfrm rot="0">
+          <a:xfrm>
             <a:off x="-6350" y="-6350"/>
             <a:ext cx="9163685" cy="5163185"/>
           </a:xfrm>
-          <a:prstGeom prst="rect"/>
+          <a:prstGeom prst="rect">
+            <a:avLst/>
+          </a:prstGeom>
           <a:solidFill>
             <a:srgbClr val="FFEEB2"/>
           </a:solidFill>
@@ -2911,12 +2923,12 @@
           </a:fontRef>
         </p:style>
         <p:txBody>
-          <a:bodyPr wrap="square" lIns="91440" tIns="45720" rIns="91440" bIns="45720" vert="horz" anchor="ctr">
+          <a:bodyPr vert="horz" wrap="square" lIns="91440" tIns="45720" rIns="91440" bIns="45720" anchor="ctr">
             <a:noAutofit/>
           </a:bodyPr>
           <a:lstStyle/>
           <a:p>
-            <a:pPr marL="0" indent="0" algn="ctr" fontAlgn="auto" defTabSz="508000">
+            <a:pPr marL="0" indent="0" algn="ctr" defTabSz="508000" fontAlgn="auto">
               <a:lnSpc>
                 <a:spcPct val="100000"/>
               </a:lnSpc>
@@ -2929,7 +2941,7 @@
               <a:buFontTx/>
               <a:buNone/>
             </a:pPr>
-            <a:endParaRPr lang="ko-KR" altLang="en-US" sz="1800" cap="none" dirty="0" smtClean="0" b="0">
+            <a:endParaRPr lang="ko-KR" altLang="en-US" sz="1800" b="0" cap="none" dirty="0" smtClean="0">
               <a:latin typeface="맑은 고딕" charset="0"/>
               <a:ea typeface="맑은 고딕" charset="0"/>
             </a:endParaRPr>
@@ -2940,27 +2952,29 @@
         <p:nvSpPr>
           <p:cNvPr id="5" name="Text Placeholder 5"/>
           <p:cNvSpPr txBox="1">
-            <a:spLocks/>
+            <a:spLocks noGrp="1"/>
           </p:cNvSpPr>
           <p:nvPr>
             <p:ph type="title"/>
           </p:nvPr>
         </p:nvSpPr>
         <p:spPr>
-          <a:xfrm rot="0">
+          <a:xfrm>
             <a:off x="457200" y="205740"/>
             <a:ext cx="5674995" cy="316865"/>
           </a:xfrm>
-          <a:prstGeom prst="rect"/>
+          <a:prstGeom prst="rect">
+            <a:avLst/>
+          </a:prstGeom>
           <a:noFill/>
         </p:spPr>
         <p:txBody>
-          <a:bodyPr wrap="square" lIns="91440" tIns="45720" rIns="91440" bIns="45720" numCol="1" vert="horz" anchor="ctr">
-            <a:normAutofit fontScale="90000" lnSpcReduction="0"/>
+          <a:bodyPr vert="horz" wrap="square" lIns="91440" tIns="45720" rIns="91440" bIns="45720" numCol="1" anchor="ctr">
+            <a:normAutofit fontScale="90000"/>
           </a:bodyPr>
           <a:lstStyle/>
           <a:p>
-            <a:pPr marL="0" indent="0" algn="l" fontAlgn="auto" defTabSz="914400">
+            <a:pPr marL="0" indent="0" algn="l" defTabSz="914400" fontAlgn="auto">
               <a:lnSpc>
                 <a:spcPct val="100000"/>
               </a:lnSpc>
@@ -2974,7 +2988,7 @@
               <a:buNone/>
             </a:pPr>
             <a:r>
-              <a:rPr lang="en-US" altLang="ko-KR" sz="2000" cap="none" dirty="0" smtClean="0" b="1">
+              <a:rPr lang="en-US" altLang="ko-KR" sz="2000" b="1" cap="none" dirty="0" smtClean="0">
                 <a:solidFill>
                   <a:schemeClr val="tx2">
                     <a:lumMod val="60000"/>
@@ -2986,7 +3000,7 @@
               </a:rPr>
               <a:t>Table of contents</a:t>
             </a:r>
-            <a:endParaRPr lang="ko-KR" altLang="en-US" sz="2000" cap="none" dirty="0" smtClean="0" b="1">
+            <a:endParaRPr lang="ko-KR" altLang="en-US" sz="2000" b="1" cap="none" dirty="0" smtClean="0">
               <a:solidFill>
                 <a:schemeClr val="tx2">
                   <a:lumMod val="60000"/>
@@ -3022,12 +3036,12 @@
           </a:ln>
         </p:spPr>
         <p:txBody>
-          <a:bodyPr wrap="none" lIns="91440" tIns="45720" rIns="91440" bIns="45720" numCol="1" vert="horz" anchor="ctr">
+          <a:bodyPr vert="horz" wrap="none" lIns="91440" tIns="45720" rIns="91440" bIns="45720" numCol="1" anchor="ctr">
             <a:noAutofit/>
           </a:bodyPr>
           <a:lstStyle/>
           <a:p>
-            <a:pPr marL="0" indent="0" algn="l" fontAlgn="auto" defTabSz="914400" eaLnBrk="0">
+            <a:pPr marL="0" indent="0" algn="l" defTabSz="914400" eaLnBrk="0" fontAlgn="auto">
               <a:lnSpc>
                 <a:spcPct val="100000"/>
               </a:lnSpc>
@@ -3041,7 +3055,7 @@
               <a:buNone/>
             </a:pPr>
             <a:r>
-              <a:rPr lang="en-US" altLang="ko-KR" sz="3200" cap="none" dirty="0" smtClean="0" b="1">
+              <a:rPr lang="en-US" altLang="ko-KR" sz="3200" b="1" cap="none" dirty="0" smtClean="0">
                 <a:solidFill>
                   <a:srgbClr val="4F81BD"/>
                 </a:solidFill>
@@ -3050,7 +3064,7 @@
               </a:rPr>
               <a:t>1.목적 및 기능</a:t>
             </a:r>
-            <a:endParaRPr lang="ko-KR" altLang="en-US" sz="3200" cap="none" dirty="0" smtClean="0" b="1">
+            <a:endParaRPr lang="ko-KR" altLang="en-US" sz="3200" b="1" cap="none" dirty="0" smtClean="0">
               <a:solidFill>
                 <a:srgbClr val="4F81BD"/>
               </a:solidFill>
@@ -3123,12 +3137,12 @@
           </a:ln>
         </p:spPr>
         <p:txBody>
-          <a:bodyPr wrap="none" lIns="91440" tIns="45720" rIns="91440" bIns="45720" numCol="1" vert="horz" anchor="ctr">
+          <a:bodyPr vert="horz" wrap="none" lIns="91440" tIns="45720" rIns="91440" bIns="45720" numCol="1" anchor="ctr">
             <a:noAutofit/>
           </a:bodyPr>
           <a:lstStyle/>
           <a:p>
-            <a:pPr marL="0" indent="0" algn="l" fontAlgn="auto" defTabSz="914400" eaLnBrk="0">
+            <a:pPr marL="0" indent="0" algn="l" defTabSz="914400" eaLnBrk="0" fontAlgn="auto">
               <a:lnSpc>
                 <a:spcPct val="100000"/>
               </a:lnSpc>
@@ -3142,7 +3156,7 @@
               <a:buNone/>
             </a:pPr>
             <a:r>
-              <a:rPr lang="en-US" altLang="ko-KR" sz="1100" cap="none" dirty="0" smtClean="0" b="0">
+              <a:rPr lang="en-US" altLang="ko-KR" sz="1100" b="0" cap="none" dirty="0" smtClean="0">
                 <a:solidFill>
                   <a:schemeClr val="tx1">
                     <a:lumMod val="50000"/>
@@ -3154,7 +3168,7 @@
               </a:rPr>
               <a:t>- DB를 기반으로 버스 노선관리 및 티켓관리 시스템 확립, 이용자 관리</a:t>
             </a:r>
-            <a:endParaRPr lang="ko-KR" altLang="en-US" sz="1100" cap="none" dirty="0" smtClean="0" b="0">
+            <a:endParaRPr lang="ko-KR" altLang="en-US" sz="1100" b="0" cap="none" dirty="0" smtClean="0">
               <a:solidFill>
                 <a:schemeClr val="tx1">
                   <a:lumMod val="50000"/>
@@ -3190,12 +3204,12 @@
           </a:ln>
         </p:spPr>
         <p:txBody>
-          <a:bodyPr wrap="none" lIns="91440" tIns="45720" rIns="91440" bIns="45720" numCol="1" vert="horz" anchor="ctr">
+          <a:bodyPr vert="horz" wrap="none" lIns="91440" tIns="45720" rIns="91440" bIns="45720" numCol="1" anchor="ctr">
             <a:noAutofit/>
           </a:bodyPr>
           <a:lstStyle/>
           <a:p>
-            <a:pPr marL="0" indent="0" algn="l" fontAlgn="auto" defTabSz="914400" eaLnBrk="0">
+            <a:pPr marL="0" indent="0" algn="l" defTabSz="914400" eaLnBrk="0" fontAlgn="auto">
               <a:lnSpc>
                 <a:spcPct val="100000"/>
               </a:lnSpc>
@@ -3209,7 +3223,7 @@
               <a:buNone/>
             </a:pPr>
             <a:r>
-              <a:rPr lang="en-US" altLang="ko-KR" sz="3200" cap="none" dirty="0" smtClean="0" b="1">
+              <a:rPr lang="en-US" altLang="ko-KR" sz="3200" b="1" cap="none" dirty="0" smtClean="0">
                 <a:solidFill>
                   <a:srgbClr val="4F81BD"/>
                 </a:solidFill>
@@ -3218,7 +3232,7 @@
               </a:rPr>
               <a:t>2.프로그램 구조</a:t>
             </a:r>
-            <a:endParaRPr lang="ko-KR" altLang="en-US" sz="3200" cap="none" dirty="0" smtClean="0" b="1">
+            <a:endParaRPr lang="ko-KR" altLang="en-US" sz="3200" b="1" cap="none" dirty="0" smtClean="0">
               <a:solidFill>
                 <a:srgbClr val="4F81BD"/>
               </a:solidFill>
@@ -3291,12 +3305,12 @@
           </a:ln>
         </p:spPr>
         <p:txBody>
-          <a:bodyPr wrap="none" lIns="91440" tIns="45720" rIns="91440" bIns="45720" numCol="1" vert="horz" anchor="ctr">
+          <a:bodyPr vert="horz" wrap="none" lIns="91440" tIns="45720" rIns="91440" bIns="45720" numCol="1" anchor="ctr">
             <a:noAutofit/>
           </a:bodyPr>
           <a:lstStyle/>
           <a:p>
-            <a:pPr marL="0" indent="0" algn="l" fontAlgn="auto" defTabSz="914400" eaLnBrk="0">
+            <a:pPr marL="0" indent="0" algn="l" defTabSz="914400" eaLnBrk="0" fontAlgn="auto">
               <a:lnSpc>
                 <a:spcPct val="100000"/>
               </a:lnSpc>
@@ -3310,7 +3324,7 @@
               <a:buNone/>
             </a:pPr>
             <a:r>
-              <a:rPr lang="en-US" altLang="ko-KR" sz="1100" cap="none" dirty="0" smtClean="0" b="0">
+              <a:rPr lang="en-US" altLang="ko-KR" sz="1100" b="0" cap="none" dirty="0" smtClean="0">
                 <a:solidFill>
                   <a:schemeClr val="tx1">
                     <a:lumMod val="50000"/>
@@ -3322,7 +3336,7 @@
               </a:rPr>
               <a:t>- View, Service, Database의 3구조</a:t>
             </a:r>
-            <a:endParaRPr lang="ko-KR" altLang="en-US" sz="1100" cap="none" dirty="0" smtClean="0" b="0">
+            <a:endParaRPr lang="ko-KR" altLang="en-US" sz="1100" b="0" cap="none" dirty="0" smtClean="0">
               <a:solidFill>
                 <a:schemeClr val="tx1">
                   <a:lumMod val="50000"/>
@@ -3358,12 +3372,12 @@
           </a:ln>
         </p:spPr>
         <p:txBody>
-          <a:bodyPr wrap="none" lIns="91440" tIns="45720" rIns="91440" bIns="45720" numCol="1" vert="horz" anchor="ctr">
+          <a:bodyPr vert="horz" wrap="none" lIns="91440" tIns="45720" rIns="91440" bIns="45720" numCol="1" anchor="ctr">
             <a:noAutofit/>
           </a:bodyPr>
           <a:lstStyle/>
           <a:p>
-            <a:pPr marL="0" indent="0" algn="l" fontAlgn="auto" defTabSz="914400" eaLnBrk="0">
+            <a:pPr marL="0" indent="0" algn="l" defTabSz="914400" eaLnBrk="0" fontAlgn="auto">
               <a:lnSpc>
                 <a:spcPct val="100000"/>
               </a:lnSpc>
@@ -3377,7 +3391,7 @@
               <a:buNone/>
             </a:pPr>
             <a:r>
-              <a:rPr lang="en-US" altLang="ko-KR" sz="3200" cap="none" dirty="0" smtClean="0" b="1">
+              <a:rPr lang="en-US" altLang="ko-KR" sz="3200" b="1" cap="none" dirty="0" smtClean="0">
                 <a:solidFill>
                   <a:srgbClr val="4F81BD"/>
                 </a:solidFill>
@@ -3386,7 +3400,7 @@
               </a:rPr>
               <a:t>3.JAVA 구현</a:t>
             </a:r>
-            <a:endParaRPr lang="ko-KR" altLang="en-US" sz="3200" cap="none" dirty="0" smtClean="0" b="1">
+            <a:endParaRPr lang="ko-KR" altLang="en-US" sz="3200" b="1" cap="none" dirty="0" smtClean="0">
               <a:solidFill>
                 <a:srgbClr val="4F81BD"/>
               </a:solidFill>
@@ -3459,12 +3473,12 @@
           </a:ln>
         </p:spPr>
         <p:txBody>
-          <a:bodyPr wrap="none" lIns="91440" tIns="45720" rIns="91440" bIns="45720" numCol="1" vert="horz" anchor="ctr">
+          <a:bodyPr vert="horz" wrap="none" lIns="91440" tIns="45720" rIns="91440" bIns="45720" numCol="1" anchor="ctr">
             <a:noAutofit/>
           </a:bodyPr>
           <a:lstStyle/>
           <a:p>
-            <a:pPr marL="0" indent="0" algn="l" fontAlgn="auto" defTabSz="914400" eaLnBrk="0">
+            <a:pPr marL="0" indent="0" algn="l" defTabSz="914400" eaLnBrk="0" fontAlgn="auto">
               <a:lnSpc>
                 <a:spcPct val="100000"/>
               </a:lnSpc>
@@ -3478,7 +3492,7 @@
               <a:buNone/>
             </a:pPr>
             <a:r>
-              <a:rPr lang="en-US" altLang="ko-KR" sz="1100" cap="none" dirty="0" smtClean="0" b="0">
+              <a:rPr lang="en-US" altLang="ko-KR" sz="1100" b="0" cap="none" dirty="0" smtClean="0">
                 <a:solidFill>
                   <a:schemeClr val="tx1">
                     <a:lumMod val="50000"/>
@@ -3490,7 +3504,7 @@
               </a:rPr>
               <a:t>- 플로우차트 및 프로그램 시연</a:t>
             </a:r>
-            <a:endParaRPr lang="ko-KR" altLang="en-US" sz="1100" cap="none" dirty="0" smtClean="0" b="0">
+            <a:endParaRPr lang="ko-KR" altLang="en-US" sz="1100" b="0" cap="none" dirty="0" smtClean="0">
               <a:solidFill>
                 <a:schemeClr val="tx1">
                   <a:lumMod val="50000"/>
@@ -3513,13 +3527,13 @@
   <p:clrMapOvr>
     <a:masterClrMapping/>
   </p:clrMapOvr>
-  <mc:AlternateContent xmlns:mc="http://schemas.openxmlformats.org/markup-compatibility/2006">
-    <mc:Choice xmlns:p14="http://schemas.microsoft.com/office/powerpoint/2010/main" Requires="p14">
-      <p:transition spd="slow" p14:dur="700">
+  <mc:AlternateContent xmlns:mc="http://schemas.openxmlformats.org/markup-compatibility/2006" xmlns:p14="http://schemas.microsoft.com/office/powerpoint/2010/main">
+    <mc:Choice Requires="p14">
+      <p:transition spd="med" p14:dur="700">
         <p:fade/>
       </p:transition>
     </mc:Choice>
-    <mc:Fallback>
+    <mc:Fallback xmlns="">
       <p:transition spd="slow">
         <p:fade/>
       </p:transition>
@@ -3561,11 +3575,13 @@
           <p:nvPr/>
         </p:nvSpPr>
         <p:spPr>
-          <a:xfrm rot="0">
+          <a:xfrm>
             <a:off x="-6350" y="-6350"/>
             <a:ext cx="9163685" cy="5163185"/>
           </a:xfrm>
-          <a:prstGeom prst="rect"/>
+          <a:prstGeom prst="rect">
+            <a:avLst/>
+          </a:prstGeom>
           <a:solidFill>
             <a:srgbClr val="FFEEB2"/>
           </a:solidFill>
@@ -3591,12 +3607,12 @@
           </a:fontRef>
         </p:style>
         <p:txBody>
-          <a:bodyPr wrap="square" lIns="91440" tIns="45720" rIns="91440" bIns="45720" vert="horz" anchor="ctr">
+          <a:bodyPr vert="horz" wrap="square" lIns="91440" tIns="45720" rIns="91440" bIns="45720" anchor="ctr">
             <a:noAutofit/>
           </a:bodyPr>
           <a:lstStyle/>
           <a:p>
-            <a:pPr marL="0" indent="0" algn="ctr" fontAlgn="auto" defTabSz="508000">
+            <a:pPr marL="0" indent="0" algn="ctr" defTabSz="508000" fontAlgn="auto">
               <a:lnSpc>
                 <a:spcPct val="100000"/>
               </a:lnSpc>
@@ -3609,7 +3625,7 @@
               <a:buFontTx/>
               <a:buNone/>
             </a:pPr>
-            <a:endParaRPr lang="ko-KR" altLang="en-US" sz="1800" cap="none" dirty="0" smtClean="0" b="0">
+            <a:endParaRPr lang="ko-KR" altLang="en-US" sz="1800" b="0" cap="none" dirty="0" smtClean="0">
               <a:latin typeface="맑은 고딕" charset="0"/>
               <a:ea typeface="맑은 고딕" charset="0"/>
             </a:endParaRPr>
@@ -3618,18 +3634,18 @@
       </p:sp>
       <p:pic>
         <p:nvPicPr>
-          <p:cNvPr id="35" name="그림 34" descr="C:/Users/Administrator/AppData/Roaming/PolarisOffice/ETemp/18712_7958728/fImage4614614138467.jpeg"/>
+          <p:cNvPr id="35" name="그림 34" descr="C:/Users/PC18/AppData/Roaming/PolarisOffice/ETemp/7628_8905752/fImage1941507641.jpeg"/>
           <p:cNvPicPr>
             <a:picLocks noChangeAspect="1"/>
           </p:cNvPicPr>
           <p:nvPr/>
         </p:nvPicPr>
         <p:blipFill rotWithShape="1">
-          <a:blip r:embed="rId1">
+          <a:blip r:embed="rId4" cstate="hqprint">
             <a:extLst>
               <a:ext uri="{BEBA8EAE-BF5A-486C-A8C5-ECC9F3942E4B}">
                 <a14:imgProps xmlns:a14="http://schemas.microsoft.com/office/drawing/2010/main">
-                  <a14:imgLayer r:embed="rId2">
+                  <a14:imgLayer r:embed="rId5">
                     <a14:imgEffect>
                       <a14:artisticPhotocopy trans="30" detail="3"/>
                     </a14:imgEffect>
@@ -3641,6 +3657,7 @@
               </a:ext>
             </a:extLst>
           </a:blip>
+          <a:srcRect/>
           <a:stretch>
             <a:fillRect/>
           </a:stretch>
@@ -3648,7 +3665,7 @@
         <p:spPr>
           <a:xfrm rot="0">
             <a:off x="0" y="0"/>
-            <a:ext cx="9144635" cy="5143500"/>
+            <a:ext cx="9145270" cy="5144135"/>
           </a:xfrm>
           <a:prstGeom prst="rect"/>
           <a:noFill/>
@@ -3878,12 +3895,12 @@
           </a:xfrm>
         </p:spPr>
         <p:txBody>
-          <a:bodyPr wrap="square" lIns="91440" tIns="45720" rIns="91440" bIns="45720" numCol="1" vert="horz" anchor="ctr">
-            <a:normAutofit fontScale="90000" lnSpcReduction="0"/>
+          <a:bodyPr vert="horz" wrap="square" lIns="91440" tIns="45720" rIns="91440" bIns="45720" numCol="1" anchor="ctr">
+            <a:normAutofit fontScale="90000"/>
           </a:bodyPr>
           <a:lstStyle/>
           <a:p>
-            <a:pPr marL="0" indent="0" algn="l" fontAlgn="auto" defTabSz="914400">
+            <a:pPr marL="0" indent="0" algn="l" defTabSz="914400" fontAlgn="auto">
               <a:lnSpc>
                 <a:spcPct val="100000"/>
               </a:lnSpc>
@@ -3897,7 +3914,7 @@
               <a:buNone/>
             </a:pPr>
             <a:r>
-              <a:rPr lang="en-US" altLang="ko-KR" sz="2000" cap="none" dirty="0" smtClean="0" b="1">
+              <a:rPr lang="en-US" altLang="ko-KR" sz="2000" b="1" cap="none" dirty="0" smtClean="0">
                 <a:solidFill>
                   <a:schemeClr val="tx2">
                     <a:lumMod val="60000"/>
@@ -3909,7 +3926,7 @@
               </a:rPr>
               <a:t>1.목적 및 기능</a:t>
             </a:r>
-            <a:endParaRPr lang="ko-KR" altLang="en-US" sz="2000" cap="none" dirty="0" smtClean="0" b="1">
+            <a:endParaRPr lang="ko-KR" altLang="en-US" sz="2000" b="1" cap="none" dirty="0" smtClean="0">
               <a:solidFill>
                 <a:schemeClr val="tx2">
                   <a:lumMod val="60000"/>
@@ -3939,12 +3956,12 @@
           <a:noFill/>
         </p:spPr>
         <p:txBody>
-          <a:bodyPr wrap="square" lIns="91440" tIns="45720" rIns="91440" bIns="45720" numCol="1" vert="horz" anchor="t">
+          <a:bodyPr vert="horz" wrap="square" lIns="91440" tIns="45720" rIns="91440" bIns="45720" numCol="1" anchor="t">
             <a:spAutoFit/>
           </a:bodyPr>
           <a:lstStyle/>
           <a:p>
-            <a:pPr marL="0" indent="0" algn="l" fontAlgn="auto" defTabSz="914400" eaLnBrk="0">
+            <a:pPr marL="0" indent="0" algn="l" defTabSz="914400" eaLnBrk="0" fontAlgn="auto">
               <a:lnSpc>
                 <a:spcPct val="100000"/>
               </a:lnSpc>
@@ -3958,7 +3975,7 @@
               <a:buNone/>
             </a:pPr>
             <a:r>
-              <a:rPr lang="en-US" altLang="ko-KR" sz="1100" cap="none" dirty="0" smtClean="0" b="0">
+              <a:rPr lang="en-US" altLang="ko-KR" sz="1100" b="0" cap="none" dirty="0" smtClean="0">
                 <a:solidFill>
                   <a:schemeClr val="bg1">
                     <a:lumMod val="75000"/>
@@ -3969,7 +3986,7 @@
               </a:rPr>
               <a:t>버스노선 관리</a:t>
             </a:r>
-            <a:endParaRPr lang="ko-KR" altLang="en-US" sz="1100" cap="none" dirty="0" smtClean="0" b="0">
+            <a:endParaRPr lang="ko-KR" altLang="en-US" sz="1100" b="0" cap="none" dirty="0" smtClean="0">
               <a:solidFill>
                 <a:schemeClr val="bg1">
                   <a:lumMod val="75000"/>
@@ -3991,7 +4008,7 @@
         </p:nvSpPr>
         <p:spPr bwMode="auto">
           <a:xfrm>
-            <a:off x="448310" y="1275715"/>
+            <a:off x="1475740" y="1073150"/>
             <a:ext cx="5465445" cy="258445"/>
           </a:xfrm>
           <a:prstGeom prst="rect">
@@ -4007,12 +4024,12 @@
           <a:effectLst/>
         </p:spPr>
         <p:txBody>
-          <a:bodyPr wrap="none" lIns="91440" tIns="45720" rIns="91440" bIns="45720" numCol="1" vert="horz" anchor="ctr">
+          <a:bodyPr vert="horz" wrap="none" lIns="91440" tIns="45720" rIns="91440" bIns="45720" numCol="1" anchor="ctr">
             <a:noAutofit/>
           </a:bodyPr>
           <a:lstStyle/>
           <a:p>
-            <a:pPr marL="0" indent="0" algn="l" fontAlgn="auto" defTabSz="914400" eaLnBrk="0">
+            <a:pPr marL="0" indent="0" algn="l" defTabSz="914400" eaLnBrk="0" fontAlgn="auto">
               <a:lnSpc>
                 <a:spcPct val="100000"/>
               </a:lnSpc>
@@ -4026,7 +4043,7 @@
               <a:buNone/>
             </a:pPr>
             <a:r>
-              <a:rPr lang="en-US" altLang="ko-KR" sz="1100" cap="none" dirty="0" smtClean="0" b="1">
+              <a:rPr lang="en-US" altLang="ko-KR" sz="1100" b="1" cap="none" dirty="0" smtClean="0">
                 <a:solidFill>
                   <a:schemeClr val="tx1">
                     <a:lumMod val="50000"/>
@@ -4034,7 +4051,7 @@
                   </a:schemeClr>
                 </a:solidFill>
                 <a:effectLst>
-                  <a:outerShdw sx="100000" sy="100000" blurRad="50800" dist="38100" dir="2700000" rotWithShape="0" algn="tl">
+                  <a:outerShdw blurRad="50800" dist="38100" dir="2700000" algn="tl" rotWithShape="0">
                     <a:schemeClr val="bg1"/>
                   </a:outerShdw>
                 </a:effectLst>
@@ -4043,7 +4060,7 @@
               </a:rPr>
               <a:t>- 관리 시스템의 디지털화로 유지관리비용 감소효과 기대</a:t>
             </a:r>
-            <a:endParaRPr lang="ko-KR" altLang="en-US" sz="1100" cap="none" dirty="0" smtClean="0" b="1">
+            <a:endParaRPr lang="ko-KR" altLang="en-US" sz="1100" b="1" cap="none" dirty="0" smtClean="0">
               <a:solidFill>
                 <a:schemeClr val="tx1">
                   <a:lumMod val="50000"/>
@@ -4073,12 +4090,12 @@
           <a:noFill/>
         </p:spPr>
         <p:txBody>
-          <a:bodyPr wrap="square" lIns="91440" tIns="45720" rIns="91440" bIns="45720" numCol="1" vert="horz" anchor="t">
+          <a:bodyPr vert="horz" wrap="square" lIns="91440" tIns="45720" rIns="91440" bIns="45720" numCol="1" anchor="t">
             <a:spAutoFit/>
           </a:bodyPr>
           <a:lstStyle/>
           <a:p>
-            <a:pPr marL="0" indent="0" algn="l" fontAlgn="auto" defTabSz="914400" eaLnBrk="0">
+            <a:pPr marL="0" indent="0" algn="l" defTabSz="914400" eaLnBrk="0" fontAlgn="auto">
               <a:lnSpc>
                 <a:spcPct val="100000"/>
               </a:lnSpc>
@@ -4092,7 +4109,7 @@
               <a:buNone/>
             </a:pPr>
             <a:r>
-              <a:rPr lang="en-US" altLang="ko-KR" sz="1100" cap="none" dirty="0" smtClean="0" b="0">
+              <a:rPr lang="en-US" altLang="ko-KR" sz="1100" b="0" cap="none" dirty="0" smtClean="0">
                 <a:solidFill>
                   <a:schemeClr val="bg1">
                     <a:lumMod val="75000"/>
@@ -4103,7 +4120,7 @@
               </a:rPr>
               <a:t>티켓발행 관리</a:t>
             </a:r>
-            <a:endParaRPr lang="ko-KR" altLang="en-US" sz="1100" cap="none" dirty="0" smtClean="0" b="0">
+            <a:endParaRPr lang="ko-KR" altLang="en-US" sz="1100" b="0" cap="none" dirty="0" smtClean="0">
               <a:solidFill>
                 <a:schemeClr val="bg1">
                   <a:lumMod val="75000"/>
@@ -4132,12 +4149,12 @@
           <a:noFill/>
         </p:spPr>
         <p:txBody>
-          <a:bodyPr wrap="square" lIns="91440" tIns="45720" rIns="91440" bIns="45720" numCol="1" vert="horz" anchor="t">
+          <a:bodyPr vert="horz" wrap="square" lIns="91440" tIns="45720" rIns="91440" bIns="45720" numCol="1" anchor="t">
             <a:spAutoFit/>
           </a:bodyPr>
           <a:lstStyle/>
           <a:p>
-            <a:pPr marL="0" indent="0" algn="l" fontAlgn="auto" defTabSz="914400" eaLnBrk="0">
+            <a:pPr marL="0" indent="0" algn="l" defTabSz="914400" eaLnBrk="0" fontAlgn="auto">
               <a:lnSpc>
                 <a:spcPct val="100000"/>
               </a:lnSpc>
@@ -4151,7 +4168,7 @@
               <a:buNone/>
             </a:pPr>
             <a:r>
-              <a:rPr lang="en-US" altLang="ko-KR" sz="1100" cap="none" dirty="0" smtClean="0" b="0">
+              <a:rPr lang="en-US" altLang="ko-KR" sz="1100" b="0" cap="none" dirty="0" smtClean="0">
                 <a:solidFill>
                   <a:schemeClr val="bg1">
                     <a:lumMod val="75000"/>
@@ -4162,7 +4179,7 @@
               </a:rPr>
               <a:t>이용자 관리</a:t>
             </a:r>
-            <a:endParaRPr lang="ko-KR" altLang="en-US" sz="1100" cap="none" dirty="0" smtClean="0" b="0">
+            <a:endParaRPr lang="ko-KR" altLang="en-US" sz="1100" b="0" cap="none" dirty="0" smtClean="0">
               <a:solidFill>
                 <a:schemeClr val="bg1">
                   <a:lumMod val="75000"/>
@@ -4184,7 +4201,7 @@
         </p:nvSpPr>
         <p:spPr bwMode="auto">
           <a:xfrm>
-            <a:off x="448310" y="627380"/>
+            <a:off x="375285" y="1149350"/>
             <a:ext cx="8228965" cy="774065"/>
           </a:xfrm>
           <a:prstGeom prst="rect">
@@ -4200,12 +4217,12 @@
           <a:effectLst/>
         </p:spPr>
         <p:txBody>
-          <a:bodyPr wrap="none" lIns="91440" tIns="45720" rIns="91440" bIns="45720" numCol="1" vert="horz" anchor="ctr">
+          <a:bodyPr vert="horz" wrap="none" lIns="91440" tIns="45720" rIns="91440" bIns="45720" numCol="1" anchor="ctr">
             <a:noAutofit/>
           </a:bodyPr>
           <a:lstStyle/>
           <a:p>
-            <a:pPr marL="0" indent="0" algn="l" fontAlgn="auto" defTabSz="914400" eaLnBrk="0">
+            <a:pPr marL="0" indent="0" algn="l" defTabSz="914400" eaLnBrk="0" fontAlgn="auto">
               <a:lnSpc>
                 <a:spcPct val="100000"/>
               </a:lnSpc>
@@ -4219,21 +4236,51 @@
               <a:buNone/>
             </a:pPr>
             <a:r>
-              <a:rPr lang="en-US" altLang="ko-KR" sz="2800" cap="none" dirty="0" smtClean="0" b="1">
+              <a:rPr lang="en-US" altLang="ko-KR" sz="2800" b="1" cap="none" dirty="0" err="1" smtClean="0">
                 <a:solidFill>
                   <a:srgbClr val="404042"/>
                 </a:solidFill>
                 <a:effectLst>
-                  <a:outerShdw sx="100000" sy="100000" blurRad="50800" dist="38100" dir="2700000" rotWithShape="0" algn="tl">
+                  <a:outerShdw blurRad="50800" dist="38100" dir="2700000" algn="tl" rotWithShape="0">
                     <a:schemeClr val="bg1"/>
                   </a:outerShdw>
                 </a:effectLst>
                 <a:latin typeface="맑은 고딕" charset="0"/>
                 <a:ea typeface="맑은 고딕" charset="0"/>
               </a:rPr>
-              <a:t>DATABASE를 통한 터미널운영의 신속, 정확성 확보</a:t>
+              <a:t>DATABASE</a:t>
             </a:r>
-            <a:endParaRPr lang="ko-KR" altLang="en-US" sz="2800" cap="none" dirty="0" smtClean="0" b="1">
+            <a:r>
+              <a:rPr lang="en-US" altLang="ko-KR" sz="2800" b="1" cap="none" dirty="0" err="1" smtClean="0">
+                <a:solidFill>
+                  <a:srgbClr val="404042"/>
+                </a:solidFill>
+                <a:effectLst>
+                  <a:outerShdw blurRad="50800" dist="38100" dir="2700000" algn="tl" rotWithShape="0">
+                    <a:schemeClr val="bg1"/>
+                  </a:outerShdw>
+                </a:effectLst>
+                <a:latin typeface="맑은 고딕" charset="0"/>
+                <a:ea typeface="맑은 고딕" charset="0"/>
+              </a:rPr>
+              <a:t>를</a:t>
+            </a:r>
+            <a:r>
+              <a:rPr lang="en-US" altLang="ko-KR" sz="2800" b="1" cap="none" dirty="0" smtClean="0">
+                <a:solidFill>
+                  <a:srgbClr val="404042"/>
+                </a:solidFill>
+                <a:effectLst>
+                  <a:outerShdw blurRad="50800" dist="38100" dir="2700000" algn="tl" rotWithShape="0">
+                    <a:schemeClr val="bg1"/>
+                  </a:outerShdw>
+                </a:effectLst>
+                <a:latin typeface="맑은 고딕" charset="0"/>
+                <a:ea typeface="맑은 고딕" charset="0"/>
+              </a:rPr>
+              <a:t> 통한 터미널운영의 신속, 정확성 확보</a:t>
+            </a:r>
+            <a:endParaRPr lang="ko-KR" altLang="en-US" sz="2800" b="1" cap="none" dirty="0" smtClean="0">
               <a:solidFill>
                 <a:srgbClr val="404042"/>
               </a:solidFill>
@@ -4252,20 +4299,22 @@
           <p:nvPr/>
         </p:nvSpPr>
         <p:spPr>
-          <a:xfrm rot="0">
+          <a:xfrm>
             <a:off x="3318510" y="4347845"/>
             <a:ext cx="2533015" cy="260985"/>
           </a:xfrm>
-          <a:prstGeom prst="rect"/>
+          <a:prstGeom prst="rect">
+            <a:avLst/>
+          </a:prstGeom>
           <a:noFill/>
         </p:spPr>
         <p:txBody>
-          <a:bodyPr wrap="square" lIns="91440" tIns="45720" rIns="91440" bIns="45720" vert="horz" anchor="t">
+          <a:bodyPr vert="horz" wrap="square" lIns="91440" tIns="45720" rIns="91440" bIns="45720" anchor="t">
             <a:spAutoFit/>
           </a:bodyPr>
           <a:lstStyle/>
           <a:p>
-            <a:pPr marL="0" indent="0" algn="r" fontAlgn="auto" defTabSz="914400" eaLnBrk="0">
+            <a:pPr marL="0" indent="0" algn="r" defTabSz="914400" eaLnBrk="0" fontAlgn="auto">
               <a:lnSpc>
                 <a:spcPct val="100000"/>
               </a:lnSpc>
@@ -4279,7 +4328,7 @@
               <a:buNone/>
             </a:pPr>
             <a:r>
-              <a:rPr lang="en-US" altLang="ko-KR" sz="1100" cap="none" dirty="0" smtClean="0" b="0">
+              <a:rPr lang="en-US" altLang="ko-KR" sz="1100" b="0" cap="none" dirty="0" smtClean="0">
                 <a:solidFill>
                   <a:srgbClr val="BFBFBF"/>
                 </a:solidFill>
@@ -4288,7 +4337,7 @@
               </a:rPr>
               <a:t>정산기능으로 재정관리</a:t>
             </a:r>
-            <a:endParaRPr lang="ko-KR" altLang="en-US" sz="1100" cap="none" dirty="0" smtClean="0" b="0">
+            <a:endParaRPr lang="ko-KR" altLang="en-US" sz="1100" b="0" cap="none" dirty="0" smtClean="0">
               <a:solidFill>
                 <a:srgbClr val="BFBFBF"/>
               </a:solidFill>
@@ -4307,20 +4356,22 @@
           <p:nvPr/>
         </p:nvSpPr>
         <p:spPr>
-          <a:xfrm rot="0">
+          <a:xfrm>
             <a:off x="447040" y="4347845"/>
             <a:ext cx="2533015" cy="260985"/>
           </a:xfrm>
-          <a:prstGeom prst="rect"/>
+          <a:prstGeom prst="rect">
+            <a:avLst/>
+          </a:prstGeom>
           <a:noFill/>
         </p:spPr>
         <p:txBody>
-          <a:bodyPr wrap="square" lIns="91440" tIns="45720" rIns="91440" bIns="45720" vert="horz" anchor="t">
+          <a:bodyPr vert="horz" wrap="square" lIns="91440" tIns="45720" rIns="91440" bIns="45720" anchor="t">
             <a:spAutoFit/>
           </a:bodyPr>
           <a:lstStyle/>
           <a:p>
-            <a:pPr marL="0" indent="0" algn="r" fontAlgn="auto" defTabSz="914400" eaLnBrk="0">
+            <a:pPr marL="0" indent="0" algn="r" defTabSz="914400" eaLnBrk="0" fontAlgn="auto">
               <a:lnSpc>
                 <a:spcPct val="100000"/>
               </a:lnSpc>
@@ -4334,7 +4385,7 @@
               <a:buNone/>
             </a:pPr>
             <a:r>
-              <a:rPr lang="en-US" altLang="ko-KR" sz="1100" cap="none" dirty="0" smtClean="0" b="0">
+              <a:rPr lang="en-US" altLang="ko-KR" sz="1100" b="0" cap="none" dirty="0" smtClean="0">
                 <a:solidFill>
                   <a:srgbClr val="BFBFBF"/>
                 </a:solidFill>
@@ -4343,7 +4394,7 @@
               </a:rPr>
               <a:t>노선실황 파악 및 변경용이</a:t>
             </a:r>
-            <a:endParaRPr lang="ko-KR" altLang="en-US" sz="1100" cap="none" dirty="0" smtClean="0" b="0">
+            <a:endParaRPr lang="ko-KR" altLang="en-US" sz="1100" b="0" cap="none" dirty="0" smtClean="0">
               <a:solidFill>
                 <a:srgbClr val="BFBFBF"/>
               </a:solidFill>
@@ -4362,20 +4413,22 @@
           <p:nvPr/>
         </p:nvSpPr>
         <p:spPr>
-          <a:xfrm rot="0">
+          <a:xfrm>
             <a:off x="6196965" y="4353560"/>
             <a:ext cx="2533015" cy="260985"/>
           </a:xfrm>
-          <a:prstGeom prst="rect"/>
+          <a:prstGeom prst="rect">
+            <a:avLst/>
+          </a:prstGeom>
           <a:noFill/>
         </p:spPr>
         <p:txBody>
-          <a:bodyPr wrap="square" lIns="91440" tIns="45720" rIns="91440" bIns="45720" vert="horz" anchor="t">
+          <a:bodyPr vert="horz" wrap="square" lIns="91440" tIns="45720" rIns="91440" bIns="45720" anchor="t">
             <a:spAutoFit/>
           </a:bodyPr>
           <a:lstStyle/>
           <a:p>
-            <a:pPr marL="0" indent="0" algn="r" fontAlgn="auto" defTabSz="914400" eaLnBrk="0">
+            <a:pPr marL="0" indent="0" algn="r" defTabSz="914400" eaLnBrk="0" fontAlgn="auto">
               <a:lnSpc>
                 <a:spcPct val="100000"/>
               </a:lnSpc>
@@ -4389,7 +4442,7 @@
               <a:buNone/>
             </a:pPr>
             <a:r>
-              <a:rPr lang="en-US" altLang="ko-KR" sz="1100" cap="none" dirty="0" smtClean="0" b="0">
+              <a:rPr lang="en-US" altLang="ko-KR" sz="1100" b="0" cap="none" dirty="0" smtClean="0">
                 <a:solidFill>
                   <a:srgbClr val="BFBFBF"/>
                 </a:solidFill>
@@ -4398,7 +4451,7 @@
               </a:rPr>
               <a:t>어플리케이션을 통한 가입</a:t>
             </a:r>
-            <a:endParaRPr lang="ko-KR" altLang="en-US" sz="1100" cap="none" dirty="0" smtClean="0" b="0">
+            <a:endParaRPr lang="ko-KR" altLang="en-US" sz="1100" b="0" cap="none" dirty="0" smtClean="0">
               <a:solidFill>
                 <a:srgbClr val="BFBFBF"/>
               </a:solidFill>
@@ -4459,18 +4512,18 @@
       </p:grpSpPr>
       <p:pic>
         <p:nvPicPr>
-          <p:cNvPr id="25" name="그림 24" descr="C:/Users/Administrator/AppData/Roaming/PolarisOffice/ETemp/18712_7958728/fImage4614613246334.jpeg"/>
+          <p:cNvPr id="25" name="그림 24" descr="C:/Users/PC18/AppData/Roaming/PolarisOffice/ETemp/7628_8905752/fImage194150988467.jpeg"/>
           <p:cNvPicPr>
             <a:picLocks noChangeAspect="1"/>
           </p:cNvPicPr>
           <p:nvPr/>
         </p:nvPicPr>
         <p:blipFill rotWithShape="1">
-          <a:blip r:embed="rId1">
+          <a:blip r:embed="rId4" cstate="hqprint">
             <a:extLst>
               <a:ext uri="{BEBA8EAE-BF5A-486C-A8C5-ECC9F3942E4B}">
                 <a14:imgProps xmlns:a14="http://schemas.microsoft.com/office/drawing/2010/main">
-                  <a14:imgLayer r:embed="rId2">
+                  <a14:imgLayer r:embed="rId5">
                     <a14:imgEffect>
                       <a14:artisticPhotocopy trans="30" detail="3"/>
                     </a14:imgEffect>
@@ -4482,6 +4535,7 @@
               </a:ext>
             </a:extLst>
           </a:blip>
+          <a:srcRect/>
           <a:stretch>
             <a:fillRect/>
           </a:stretch>
@@ -4489,7 +4543,7 @@
         <p:spPr>
           <a:xfrm rot="0">
             <a:off x="0" y="0"/>
-            <a:ext cx="9144635" cy="5143500"/>
+            <a:ext cx="9145270" cy="5144135"/>
           </a:xfrm>
           <a:prstGeom prst="rect"/>
           <a:noFill/>
@@ -4498,18 +4552,29 @@
       <p:sp>
         <p:nvSpPr>
           <p:cNvPr id="2" name="제목 1"/>
-          <p:cNvSpPr>
-            <a:spLocks noGrp="1"/>
+          <p:cNvSpPr txBox="1">
+            <a:spLocks/>
           </p:cNvSpPr>
           <p:nvPr>
             <p:ph type="title"/>
           </p:nvPr>
         </p:nvSpPr>
         <p:spPr>
-          <a:xfrm>
+          <a:xfrm rot="0">
             <a:off x="457200" y="205740"/>
-            <a:ext cx="5674995" cy="316865"/>
-          </a:xfrm>
+            <a:ext cx="5675630" cy="317500"/>
+          </a:xfrm>
+          <a:prstGeom prst="rect"/>
+          <a:noFill/>
+          <a:ln w="9525" cap="flat" cmpd="sng">
+            <a:solidFill>
+              <a:srgbClr val="000000">
+                <a:alpha val="100000"/>
+              </a:srgbClr>
+            </a:solidFill>
+            <a:prstDash val="solid"/>
+            <a:round/>
+          </a:ln>
         </p:spPr>
         <p:txBody>
           <a:bodyPr wrap="square" lIns="91440" tIns="45720" rIns="91440" bIns="45720" numCol="1" vert="horz" anchor="ctr">
@@ -4565,11 +4630,13 @@
           <p:nvPr/>
         </p:nvSpPr>
         <p:spPr>
-          <a:xfrm rot="0">
+          <a:xfrm>
             <a:off x="251460" y="991235"/>
             <a:ext cx="3456940" cy="3456940"/>
           </a:xfrm>
-          <a:prstGeom prst="ellipse"/>
+          <a:prstGeom prst="ellipse">
+            <a:avLst/>
+          </a:prstGeom>
           <a:solidFill>
             <a:srgbClr val="A2D1FF">
               <a:alpha val="80070"/>
@@ -4597,12 +4664,12 @@
           </a:fontRef>
         </p:style>
         <p:txBody>
-          <a:bodyPr wrap="square" lIns="91440" tIns="45720" rIns="91440" bIns="45720" numCol="1" vert="horz" anchor="ctr">
+          <a:bodyPr vert="horz" wrap="square" lIns="91440" tIns="45720" rIns="91440" bIns="45720" numCol="1" anchor="ctr">
             <a:noAutofit/>
           </a:bodyPr>
           <a:lstStyle/>
           <a:p>
-            <a:pPr marL="0" indent="0" algn="ctr" fontAlgn="auto" defTabSz="914400" eaLnBrk="0">
+            <a:pPr marL="0" indent="0" algn="ctr" defTabSz="914400" eaLnBrk="0" fontAlgn="auto">
               <a:lnSpc>
                 <a:spcPct val="100000"/>
               </a:lnSpc>
@@ -4616,7 +4683,7 @@
               <a:buNone/>
             </a:pPr>
             <a:r>
-              <a:rPr lang="en-US" altLang="ko-KR" sz="1800" cap="none" dirty="0" smtClean="0" b="0">
+              <a:rPr lang="en-US" altLang="ko-KR" sz="1800" b="0" cap="none" dirty="0" smtClean="0">
                 <a:solidFill>
                   <a:schemeClr val="bg1"/>
                 </a:solidFill>
@@ -4625,7 +4692,7 @@
               </a:rPr>
               <a:t>View</a:t>
             </a:r>
-            <a:endParaRPr lang="ko-KR" altLang="en-US" sz="1800" cap="none" dirty="0" smtClean="0" b="0">
+            <a:endParaRPr lang="ko-KR" altLang="en-US" sz="1800" b="0" cap="none" dirty="0" smtClean="0">
               <a:solidFill>
                 <a:schemeClr val="bg1"/>
               </a:solidFill>
@@ -4644,11 +4711,13 @@
           <p:nvPr/>
         </p:nvSpPr>
         <p:spPr>
-          <a:xfrm rot="0">
+          <a:xfrm>
             <a:off x="2861310" y="991235"/>
             <a:ext cx="3456940" cy="3456940"/>
           </a:xfrm>
-          <a:prstGeom prst="ellipse"/>
+          <a:prstGeom prst="ellipse">
+            <a:avLst/>
+          </a:prstGeom>
           <a:solidFill>
             <a:srgbClr val="9BBB59">
               <a:alpha val="80070"/>
@@ -4676,12 +4745,12 @@
           </a:fontRef>
         </p:style>
         <p:txBody>
-          <a:bodyPr wrap="square" lIns="91440" tIns="45720" rIns="91440" bIns="45720" numCol="1" vert="horz" anchor="ctr">
+          <a:bodyPr vert="horz" wrap="square" lIns="91440" tIns="45720" rIns="91440" bIns="45720" numCol="1" anchor="ctr">
             <a:noAutofit/>
           </a:bodyPr>
           <a:lstStyle/>
           <a:p>
-            <a:pPr marL="0" indent="0" algn="ctr" fontAlgn="auto" defTabSz="914400" eaLnBrk="0">
+            <a:pPr marL="0" indent="0" algn="ctr" defTabSz="914400" eaLnBrk="0" fontAlgn="auto">
               <a:lnSpc>
                 <a:spcPct val="100000"/>
               </a:lnSpc>
@@ -4695,7 +4764,7 @@
               <a:buNone/>
             </a:pPr>
             <a:r>
-              <a:rPr lang="en-US" altLang="ko-KR" sz="1800" cap="none" dirty="0" smtClean="0" b="0">
+              <a:rPr lang="en-US" altLang="ko-KR" sz="1800" b="0" cap="none" dirty="0" smtClean="0">
                 <a:solidFill>
                   <a:schemeClr val="bg1"/>
                 </a:solidFill>
@@ -4704,7 +4773,7 @@
               </a:rPr>
               <a:t>Service</a:t>
             </a:r>
-            <a:endParaRPr lang="ko-KR" altLang="en-US" sz="1800" cap="none" dirty="0" smtClean="0" b="0">
+            <a:endParaRPr lang="ko-KR" altLang="en-US" sz="1800" b="0" cap="none" dirty="0" smtClean="0">
               <a:solidFill>
                 <a:schemeClr val="bg1"/>
               </a:solidFill>
@@ -4723,11 +4792,13 @@
           <p:nvPr/>
         </p:nvSpPr>
         <p:spPr>
-          <a:xfrm rot="0">
+          <a:xfrm>
             <a:off x="5436235" y="991235"/>
             <a:ext cx="3456940" cy="3456940"/>
           </a:xfrm>
-          <a:prstGeom prst="ellipse"/>
+          <a:prstGeom prst="ellipse">
+            <a:avLst/>
+          </a:prstGeom>
           <a:solidFill>
             <a:srgbClr val="EE6B58">
               <a:alpha val="80070"/>
@@ -4755,12 +4826,12 @@
           </a:fontRef>
         </p:style>
         <p:txBody>
-          <a:bodyPr wrap="square" lIns="91440" tIns="45720" rIns="91440" bIns="45720" numCol="1" vert="horz" anchor="ctr">
+          <a:bodyPr vert="horz" wrap="square" lIns="91440" tIns="45720" rIns="91440" bIns="45720" numCol="1" anchor="ctr">
             <a:noAutofit/>
           </a:bodyPr>
           <a:lstStyle/>
           <a:p>
-            <a:pPr marL="0" indent="0" algn="ctr" fontAlgn="auto" defTabSz="914400" eaLnBrk="0">
+            <a:pPr marL="0" indent="0" algn="ctr" defTabSz="914400" eaLnBrk="0" fontAlgn="auto">
               <a:lnSpc>
                 <a:spcPct val="100000"/>
               </a:lnSpc>
@@ -4774,7 +4845,7 @@
               <a:buNone/>
             </a:pPr>
             <a:r>
-              <a:rPr lang="en-US" altLang="ko-KR" sz="1800" cap="none" dirty="0" smtClean="0" b="0">
+              <a:rPr lang="en-US" altLang="ko-KR" sz="1800" b="0" cap="none" dirty="0" smtClean="0">
                 <a:solidFill>
                   <a:schemeClr val="bg1"/>
                 </a:solidFill>
@@ -4783,7 +4854,7 @@
               </a:rPr>
               <a:t>Database</a:t>
             </a:r>
-            <a:endParaRPr lang="ko-KR" altLang="en-US" sz="1800" cap="none" dirty="0" smtClean="0" b="0">
+            <a:endParaRPr lang="ko-KR" altLang="en-US" sz="1800" b="0" cap="none" dirty="0" smtClean="0">
               <a:solidFill>
                 <a:schemeClr val="bg1"/>
               </a:solidFill>
@@ -4792,7 +4863,7 @@
             </a:endParaRPr>
           </a:p>
           <a:p>
-            <a:pPr marL="0" indent="0" algn="ctr" fontAlgn="auto" defTabSz="914400" eaLnBrk="0">
+            <a:pPr marL="0" indent="0" algn="ctr" defTabSz="914400" eaLnBrk="0" fontAlgn="auto">
               <a:lnSpc>
                 <a:spcPct val="100000"/>
               </a:lnSpc>
@@ -4806,7 +4877,7 @@
               <a:buNone/>
             </a:pPr>
             <a:r>
-              <a:rPr lang="en-US" altLang="ko-KR" sz="1800" cap="none" dirty="0" smtClean="0" b="0">
+              <a:rPr lang="en-US" altLang="ko-KR" sz="1800" b="0" cap="none" dirty="0" smtClean="0">
                 <a:solidFill>
                   <a:schemeClr val="bg1"/>
                 </a:solidFill>
@@ -4815,7 +4886,7 @@
               </a:rPr>
               <a:t>Value Object</a:t>
             </a:r>
-            <a:endParaRPr lang="ko-KR" altLang="en-US" sz="1800" cap="none" dirty="0" smtClean="0" b="0">
+            <a:endParaRPr lang="ko-KR" altLang="en-US" sz="1800" b="0" cap="none" dirty="0" smtClean="0">
               <a:solidFill>
                 <a:schemeClr val="bg1"/>
               </a:solidFill>
@@ -4834,20 +4905,22 @@
           <p:nvPr/>
         </p:nvSpPr>
         <p:spPr>
-          <a:xfrm rot="0">
+          <a:xfrm>
             <a:off x="1925320" y="2555240"/>
             <a:ext cx="2747645" cy="322580"/>
           </a:xfrm>
-          <a:prstGeom prst="rect"/>
+          <a:prstGeom prst="rect">
+            <a:avLst/>
+          </a:prstGeom>
           <a:noFill/>
         </p:spPr>
         <p:txBody>
-          <a:bodyPr wrap="square" lIns="91440" tIns="45720" rIns="91440" bIns="45720" vert="horz" anchor="t">
+          <a:bodyPr vert="horz" wrap="square" lIns="91440" tIns="45720" rIns="91440" bIns="45720" anchor="t">
             <a:spAutoFit/>
           </a:bodyPr>
           <a:lstStyle/>
           <a:p>
-            <a:pPr marL="0" indent="0" algn="ctr" fontAlgn="auto" defTabSz="914400" eaLnBrk="0">
+            <a:pPr marL="0" indent="0" algn="ctr" defTabSz="914400" eaLnBrk="0" fontAlgn="auto">
               <a:lnSpc>
                 <a:spcPct val="100000"/>
               </a:lnSpc>
@@ -4861,7 +4934,7 @@
               <a:buNone/>
             </a:pPr>
             <a:r>
-              <a:rPr lang="en-US" altLang="ko-KR" sz="1500" cap="none" dirty="0" smtClean="0" b="0">
+              <a:rPr lang="en-US" altLang="ko-KR" sz="1500" b="0" cap="none" dirty="0" smtClean="0">
                 <a:solidFill>
                   <a:schemeClr val="bg1"/>
                 </a:solidFill>
@@ -4870,7 +4943,7 @@
               </a:rPr>
               <a:t>controller</a:t>
             </a:r>
-            <a:endParaRPr lang="ko-KR" altLang="en-US" sz="1500" cap="none" dirty="0" smtClean="0" b="0">
+            <a:endParaRPr lang="ko-KR" altLang="en-US" sz="1500" b="0" cap="none" dirty="0" smtClean="0">
               <a:solidFill>
                 <a:schemeClr val="bg1"/>
               </a:solidFill>
@@ -4889,20 +4962,22 @@
           <p:nvPr/>
         </p:nvSpPr>
         <p:spPr>
-          <a:xfrm rot="0">
+          <a:xfrm>
             <a:off x="-229235" y="449580"/>
             <a:ext cx="9655175" cy="1476375"/>
           </a:xfrm>
-          <a:prstGeom prst="rect"/>
+          <a:prstGeom prst="rect">
+            <a:avLst/>
+          </a:prstGeom>
           <a:noFill/>
         </p:spPr>
         <p:txBody>
-          <a:bodyPr wrap="square" lIns="91440" tIns="45720" rIns="91440" bIns="45720" vert="horz" anchor="t">
+          <a:bodyPr vert="horz" wrap="square" lIns="91440" tIns="45720" rIns="91440" bIns="45720" anchor="t">
             <a:spAutoFit/>
           </a:bodyPr>
           <a:lstStyle/>
           <a:p>
-            <a:pPr marL="0" indent="0" algn="ctr" fontAlgn="auto" defTabSz="914400" eaLnBrk="0">
+            <a:pPr marL="0" indent="0" algn="ctr" defTabSz="914400" eaLnBrk="0" fontAlgn="auto">
               <a:lnSpc>
                 <a:spcPct val="100000"/>
               </a:lnSpc>
@@ -4919,7 +4994,7 @@
               </a:tabLst>
             </a:pPr>
             <a:r>
-              <a:rPr lang="en-US" altLang="ko-KR" sz="9000" cap="none" dirty="0" smtClean="0" b="1">
+              <a:rPr lang="en-US" altLang="ko-KR" sz="9000" b="1" cap="none" dirty="0" smtClean="0">
                 <a:solidFill>
                   <a:schemeClr val="tx1">
                     <a:lumMod val="50000"/>
@@ -4932,7 +5007,7 @@
               </a:rPr>
               <a:t>JAVA Language</a:t>
             </a:r>
-            <a:endParaRPr lang="ko-KR" altLang="en-US" sz="9000" cap="none" dirty="0" smtClean="0" b="1">
+            <a:endParaRPr lang="ko-KR" altLang="en-US" sz="9000" b="1" cap="none" dirty="0" smtClean="0">
               <a:solidFill>
                 <a:schemeClr val="tx1">
                   <a:lumMod val="50000"/>
@@ -5004,11 +5079,13 @@
           <p:nvPr/>
         </p:nvSpPr>
         <p:spPr>
-          <a:xfrm rot="0">
+          <a:xfrm>
             <a:off x="-6350" y="0"/>
             <a:ext cx="9163685" cy="5163185"/>
           </a:xfrm>
-          <a:prstGeom prst="rect"/>
+          <a:prstGeom prst="rect">
+            <a:avLst/>
+          </a:prstGeom>
           <a:solidFill>
             <a:srgbClr val="F9F9F9"/>
           </a:solidFill>
@@ -5034,12 +5111,12 @@
           </a:fontRef>
         </p:style>
         <p:txBody>
-          <a:bodyPr wrap="square" lIns="91440" tIns="45720" rIns="91440" bIns="45720" vert="horz" anchor="ctr">
+          <a:bodyPr vert="horz" wrap="square" lIns="91440" tIns="45720" rIns="91440" bIns="45720" anchor="ctr">
             <a:noAutofit/>
           </a:bodyPr>
           <a:lstStyle/>
           <a:p>
-            <a:pPr marL="0" indent="0" algn="ctr" fontAlgn="auto" defTabSz="508000">
+            <a:pPr marL="0" indent="0" algn="ctr" defTabSz="508000" fontAlgn="auto">
               <a:lnSpc>
                 <a:spcPct val="100000"/>
               </a:lnSpc>
@@ -5052,7 +5129,7 @@
               <a:buFontTx/>
               <a:buNone/>
             </a:pPr>
-            <a:endParaRPr lang="ko-KR" altLang="en-US" sz="1800" cap="none" dirty="0" smtClean="0" b="0">
+            <a:endParaRPr lang="ko-KR" altLang="en-US" sz="1800" b="0" cap="none" dirty="0" smtClean="0">
               <a:latin typeface="맑은 고딕" charset="0"/>
               <a:ea typeface="맑은 고딕" charset="0"/>
             </a:endParaRPr>
@@ -5063,27 +5140,29 @@
         <p:nvSpPr>
           <p:cNvPr id="2" name="텍스트 개체 틀 1"/>
           <p:cNvSpPr txBox="1">
-            <a:spLocks/>
+            <a:spLocks noGrp="1"/>
           </p:cNvSpPr>
           <p:nvPr>
             <p:ph type="title"/>
           </p:nvPr>
         </p:nvSpPr>
         <p:spPr>
-          <a:xfrm rot="0">
+          <a:xfrm>
             <a:off x="457200" y="205740"/>
             <a:ext cx="5674995" cy="316865"/>
           </a:xfrm>
-          <a:prstGeom prst="rect"/>
+          <a:prstGeom prst="rect">
+            <a:avLst/>
+          </a:prstGeom>
           <a:noFill/>
         </p:spPr>
         <p:txBody>
-          <a:bodyPr wrap="square" lIns="91440" tIns="45720" rIns="91440" bIns="45720" vert="horz" anchor="ctr">
-            <a:normAutofit fontScale="90000" lnSpcReduction="0"/>
+          <a:bodyPr vert="horz" wrap="square" lIns="91440" tIns="45720" rIns="91440" bIns="45720" anchor="ctr">
+            <a:normAutofit fontScale="90000"/>
           </a:bodyPr>
           <a:lstStyle/>
           <a:p>
-            <a:pPr marL="0" indent="0" algn="l" fontAlgn="auto" defTabSz="508000">
+            <a:pPr marL="0" indent="0" algn="l" defTabSz="508000" fontAlgn="auto">
               <a:lnSpc>
                 <a:spcPct val="100000"/>
               </a:lnSpc>
@@ -5097,7 +5176,7 @@
               <a:buNone/>
             </a:pPr>
             <a:r>
-              <a:rPr lang="en-US" altLang="ko-KR" sz="2000" cap="none" dirty="0" smtClean="0" b="1">
+              <a:rPr lang="en-US" altLang="ko-KR" sz="2000" b="1" cap="none" dirty="0" smtClean="0">
                 <a:solidFill>
                   <a:srgbClr val="568ED4"/>
                 </a:solidFill>
@@ -5106,7 +5185,7 @@
               </a:rPr>
               <a:t>3.JAVA구현</a:t>
             </a:r>
-            <a:endParaRPr lang="ko-KR" altLang="en-US" sz="2000" cap="none" dirty="0" smtClean="0" b="1">
+            <a:endParaRPr lang="ko-KR" altLang="en-US" sz="2000" b="1" cap="none" dirty="0" smtClean="0">
               <a:solidFill>
                 <a:srgbClr val="568ED4"/>
               </a:solidFill>
@@ -5123,11 +5202,13 @@
           <p:nvPr/>
         </p:nvCxnSpPr>
         <p:spPr>
-          <a:xfrm rot="0" flipH="1">
+          <a:xfrm flipH="1">
             <a:off x="5092065" y="2644775"/>
             <a:ext cx="3810" cy="1478915"/>
           </a:xfrm>
-          <a:prstGeom prst="straightConnector1"/>
+          <a:prstGeom prst="straightConnector1">
+            <a:avLst/>
+          </a:prstGeom>
           <a:ln w="9525" cap="flat" cmpd="sng">
             <a:prstDash/>
             <a:tailEnd type="arrow" w="med" len="med"/>
@@ -5155,11 +5236,13 @@
           <p:nvPr/>
         </p:nvCxnSpPr>
         <p:spPr>
-          <a:xfrm rot="0">
+          <a:xfrm>
             <a:off x="3333115" y="2678430"/>
             <a:ext cx="5080" cy="1887855"/>
           </a:xfrm>
-          <a:prstGeom prst="straightConnector1"/>
+          <a:prstGeom prst="straightConnector1">
+            <a:avLst/>
+          </a:prstGeom>
           <a:ln w="9525" cap="flat" cmpd="sng">
             <a:prstDash/>
             <a:tailEnd type="arrow" w="med" len="med"/>
@@ -5187,11 +5270,13 @@
           <p:nvPr/>
         </p:nvCxnSpPr>
         <p:spPr>
-          <a:xfrm rot="0">
+          <a:xfrm>
             <a:off x="2108835" y="1780540"/>
             <a:ext cx="6350" cy="2778125"/>
           </a:xfrm>
-          <a:prstGeom prst="straightConnector1"/>
+          <a:prstGeom prst="straightConnector1">
+            <a:avLst/>
+          </a:prstGeom>
           <a:ln w="9525" cap="flat" cmpd="sng">
             <a:prstDash/>
             <a:tailEnd type="arrow" w="med" len="med"/>
@@ -5219,11 +5304,13 @@
           <p:nvPr/>
         </p:nvCxnSpPr>
         <p:spPr>
-          <a:xfrm rot="0">
+          <a:xfrm>
             <a:off x="845820" y="2635250"/>
             <a:ext cx="1270" cy="1942465"/>
           </a:xfrm>
-          <a:prstGeom prst="straightConnector1"/>
+          <a:prstGeom prst="straightConnector1">
+            <a:avLst/>
+          </a:prstGeom>
           <a:ln w="9525" cap="flat" cmpd="sng">
             <a:prstDash/>
             <a:tailEnd type="arrow" w="med" len="med"/>
@@ -5251,11 +5338,13 @@
           <p:nvPr/>
         </p:nvCxnSpPr>
         <p:spPr>
-          <a:xfrm rot="0">
+          <a:xfrm>
             <a:off x="6789420" y="1780540"/>
             <a:ext cx="1905" cy="1898650"/>
           </a:xfrm>
-          <a:prstGeom prst="straightConnector1"/>
+          <a:prstGeom prst="straightConnector1">
+            <a:avLst/>
+          </a:prstGeom>
           <a:ln w="9525" cap="flat" cmpd="sng">
             <a:prstDash/>
             <a:tailEnd type="arrow" w="med" len="med"/>
@@ -5283,11 +5372,13 @@
           <p:nvPr/>
         </p:nvCxnSpPr>
         <p:spPr>
-          <a:xfrm rot="0">
+          <a:xfrm>
             <a:off x="8398510" y="2660650"/>
             <a:ext cx="13970" cy="590550"/>
           </a:xfrm>
-          <a:prstGeom prst="straightConnector1"/>
+          <a:prstGeom prst="straightConnector1">
+            <a:avLst/>
+          </a:prstGeom>
           <a:ln w="9525" cap="flat" cmpd="sng">
             <a:prstDash/>
             <a:tailEnd type="arrow" w="med" len="med"/>
@@ -5317,11 +5408,13 @@
           <p:nvPr/>
         </p:nvSpPr>
         <p:spPr>
-          <a:xfrm rot="0">
+          <a:xfrm>
             <a:off x="4105910" y="713105"/>
             <a:ext cx="1075055" cy="342900"/>
           </a:xfrm>
-          <a:prstGeom prst="roundRect"/>
+          <a:prstGeom prst="roundRect">
+            <a:avLst/>
+          </a:prstGeom>
         </p:spPr>
         <p:style>
           <a:lnRef idx="2">
@@ -5338,12 +5431,12 @@
           </a:fontRef>
         </p:style>
         <p:txBody>
-          <a:bodyPr wrap="square" lIns="91440" tIns="45720" rIns="91440" bIns="45720" vert="horz" anchor="ctr">
+          <a:bodyPr vert="horz" wrap="square" lIns="91440" tIns="45720" rIns="91440" bIns="45720" anchor="ctr">
             <a:noAutofit/>
           </a:bodyPr>
           <a:lstStyle/>
           <a:p>
-            <a:pPr marL="0" indent="0" algn="ctr" fontAlgn="auto" defTabSz="914400" eaLnBrk="0">
+            <a:pPr marL="0" indent="0" algn="ctr" defTabSz="914400" eaLnBrk="0" fontAlgn="auto">
               <a:lnSpc>
                 <a:spcPct val="100000"/>
               </a:lnSpc>
@@ -5357,7 +5450,7 @@
               <a:buNone/>
             </a:pPr>
             <a:r>
-              <a:rPr lang="en-US" altLang="ko-KR" sz="1000" cap="none" dirty="0" smtClean="0" b="0">
+              <a:rPr lang="en-US" altLang="ko-KR" sz="1000" b="0" cap="none" dirty="0" smtClean="0">
                 <a:solidFill>
                   <a:srgbClr val="000000"/>
                 </a:solidFill>
@@ -5366,7 +5459,7 @@
               </a:rPr>
               <a:t>로그인</a:t>
             </a:r>
-            <a:endParaRPr lang="ko-KR" altLang="en-US" sz="1000" cap="none" dirty="0" smtClean="0" b="0">
+            <a:endParaRPr lang="ko-KR" altLang="en-US" sz="1000" b="0" cap="none" dirty="0" smtClean="0">
               <a:solidFill>
                 <a:srgbClr val="000000"/>
               </a:solidFill>
@@ -5385,11 +5478,13 @@
           <p:nvPr/>
         </p:nvSpPr>
         <p:spPr>
-          <a:xfrm rot="0">
+          <a:xfrm>
             <a:off x="1571625" y="1438275"/>
             <a:ext cx="1075055" cy="342900"/>
           </a:xfrm>
-          <a:prstGeom prst="roundRect"/>
+          <a:prstGeom prst="roundRect">
+            <a:avLst/>
+          </a:prstGeom>
         </p:spPr>
         <p:style>
           <a:lnRef idx="2">
@@ -5406,12 +5501,12 @@
           </a:fontRef>
         </p:style>
         <p:txBody>
-          <a:bodyPr wrap="square" lIns="91440" tIns="45720" rIns="91440" bIns="45720" vert="horz" anchor="ctr">
+          <a:bodyPr vert="horz" wrap="square" lIns="91440" tIns="45720" rIns="91440" bIns="45720" anchor="ctr">
             <a:noAutofit/>
           </a:bodyPr>
           <a:lstStyle/>
           <a:p>
-            <a:pPr marL="0" indent="0" algn="ctr" fontAlgn="auto" defTabSz="914400" eaLnBrk="0">
+            <a:pPr marL="0" indent="0" algn="ctr" defTabSz="914400" eaLnBrk="0" fontAlgn="auto">
               <a:lnSpc>
                 <a:spcPct val="100000"/>
               </a:lnSpc>
@@ -5425,7 +5520,7 @@
               <a:buNone/>
             </a:pPr>
             <a:r>
-              <a:rPr lang="en-US" altLang="ko-KR" sz="1000" cap="none" dirty="0" smtClean="0" b="0">
+              <a:rPr lang="en-US" altLang="ko-KR" sz="1000" b="0" cap="none" dirty="0" smtClean="0">
                 <a:solidFill>
                   <a:srgbClr val="000000"/>
                 </a:solidFill>
@@ -5434,7 +5529,7 @@
               </a:rPr>
               <a:t>회원</a:t>
             </a:r>
-            <a:endParaRPr lang="ko-KR" altLang="en-US" sz="1000" cap="none" dirty="0" smtClean="0" b="0">
+            <a:endParaRPr lang="ko-KR" altLang="en-US" sz="1000" b="0" cap="none" dirty="0" smtClean="0">
               <a:solidFill>
                 <a:srgbClr val="000000"/>
               </a:solidFill>
@@ -5453,11 +5548,13 @@
           <p:nvPr/>
         </p:nvSpPr>
         <p:spPr>
-          <a:xfrm rot="0">
+          <a:xfrm>
             <a:off x="347345" y="2302510"/>
             <a:ext cx="1075055" cy="342900"/>
           </a:xfrm>
-          <a:prstGeom prst="roundRect"/>
+          <a:prstGeom prst="roundRect">
+            <a:avLst/>
+          </a:prstGeom>
         </p:spPr>
         <p:style>
           <a:lnRef idx="2">
@@ -5474,12 +5571,12 @@
           </a:fontRef>
         </p:style>
         <p:txBody>
-          <a:bodyPr wrap="square" lIns="91440" tIns="45720" rIns="91440" bIns="45720" vert="horz" anchor="ctr">
+          <a:bodyPr vert="horz" wrap="square" lIns="91440" tIns="45720" rIns="91440" bIns="45720" anchor="ctr">
             <a:noAutofit/>
           </a:bodyPr>
           <a:lstStyle/>
           <a:p>
-            <a:pPr marL="0" indent="0" algn="ctr" fontAlgn="auto" defTabSz="914400" eaLnBrk="0">
+            <a:pPr marL="0" indent="0" algn="ctr" defTabSz="914400" eaLnBrk="0" fontAlgn="auto">
               <a:lnSpc>
                 <a:spcPct val="100000"/>
               </a:lnSpc>
@@ -5493,7 +5590,7 @@
               <a:buNone/>
             </a:pPr>
             <a:r>
-              <a:rPr lang="en-US" altLang="ko-KR" sz="1000" cap="none" dirty="0" smtClean="0" b="0">
+              <a:rPr lang="en-US" altLang="ko-KR" sz="1000" b="0" cap="none" dirty="0" smtClean="0">
                 <a:solidFill>
                   <a:srgbClr val="000000"/>
                 </a:solidFill>
@@ -5502,7 +5599,7 @@
               </a:rPr>
               <a:t>버스예매</a:t>
             </a:r>
-            <a:endParaRPr lang="ko-KR" altLang="en-US" sz="1000" cap="none" dirty="0" smtClean="0" b="0">
+            <a:endParaRPr lang="ko-KR" altLang="en-US" sz="1000" b="0" cap="none" dirty="0" smtClean="0">
               <a:solidFill>
                 <a:srgbClr val="000000"/>
               </a:solidFill>
@@ -5521,11 +5618,13 @@
           <p:nvPr/>
         </p:nvSpPr>
         <p:spPr>
-          <a:xfrm rot="0">
+          <a:xfrm>
             <a:off x="2795905" y="2302510"/>
             <a:ext cx="1075055" cy="376555"/>
           </a:xfrm>
-          <a:prstGeom prst="roundRect"/>
+          <a:prstGeom prst="roundRect">
+            <a:avLst/>
+          </a:prstGeom>
         </p:spPr>
         <p:style>
           <a:lnRef idx="2">
@@ -5542,12 +5641,12 @@
           </a:fontRef>
         </p:style>
         <p:txBody>
-          <a:bodyPr wrap="square" lIns="91440" tIns="45720" rIns="91440" bIns="45720" vert="horz" anchor="ctr">
+          <a:bodyPr vert="horz" wrap="square" lIns="91440" tIns="45720" rIns="91440" bIns="45720" anchor="ctr">
             <a:noAutofit/>
           </a:bodyPr>
           <a:lstStyle/>
           <a:p>
-            <a:pPr marL="0" indent="0" algn="ctr" fontAlgn="auto" defTabSz="914400" eaLnBrk="0">
+            <a:pPr marL="0" indent="0" algn="ctr" defTabSz="914400" eaLnBrk="0" fontAlgn="auto">
               <a:lnSpc>
                 <a:spcPct val="100000"/>
               </a:lnSpc>
@@ -5561,7 +5660,7 @@
               <a:buNone/>
             </a:pPr>
             <a:r>
-              <a:rPr lang="en-US" altLang="ko-KR" sz="1000" cap="none" dirty="0" smtClean="0" b="0">
+              <a:rPr lang="en-US" altLang="ko-KR" sz="1000" b="0" cap="none" dirty="0" smtClean="0">
                 <a:solidFill>
                   <a:srgbClr val="000000"/>
                 </a:solidFill>
@@ -5570,7 +5669,7 @@
               </a:rPr>
               <a:t>충전/잔고</a:t>
             </a:r>
-            <a:endParaRPr lang="ko-KR" altLang="en-US" sz="1000" cap="none" dirty="0" smtClean="0" b="0">
+            <a:endParaRPr lang="ko-KR" altLang="en-US" sz="1000" b="0" cap="none" dirty="0" smtClean="0">
               <a:solidFill>
                 <a:srgbClr val="000000"/>
               </a:solidFill>
@@ -5589,11 +5688,13 @@
           <p:nvPr/>
         </p:nvSpPr>
         <p:spPr>
-          <a:xfrm rot="0">
+          <a:xfrm>
             <a:off x="4558030" y="2302510"/>
             <a:ext cx="1075055" cy="342900"/>
           </a:xfrm>
-          <a:prstGeom prst="roundRect"/>
+          <a:prstGeom prst="roundRect">
+            <a:avLst/>
+          </a:prstGeom>
         </p:spPr>
         <p:style>
           <a:lnRef idx="2">
@@ -5610,12 +5711,12 @@
           </a:fontRef>
         </p:style>
         <p:txBody>
-          <a:bodyPr wrap="square" lIns="91440" tIns="45720" rIns="91440" bIns="45720" vert="horz" anchor="ctr">
+          <a:bodyPr vert="horz" wrap="square" lIns="91440" tIns="45720" rIns="91440" bIns="45720" anchor="ctr">
             <a:noAutofit/>
           </a:bodyPr>
           <a:lstStyle/>
           <a:p>
-            <a:pPr marL="0" indent="0" algn="ctr" fontAlgn="auto" defTabSz="914400" eaLnBrk="0">
+            <a:pPr marL="0" indent="0" algn="ctr" defTabSz="914400" eaLnBrk="0" fontAlgn="auto">
               <a:lnSpc>
                 <a:spcPct val="100000"/>
               </a:lnSpc>
@@ -5629,7 +5730,7 @@
               <a:buNone/>
             </a:pPr>
             <a:r>
-              <a:rPr lang="en-US" altLang="ko-KR" sz="1000" cap="none" dirty="0" smtClean="0" b="0">
+              <a:rPr lang="en-US" altLang="ko-KR" sz="1000" b="0" cap="none" dirty="0" smtClean="0">
                 <a:solidFill>
                   <a:srgbClr val="000000"/>
                 </a:solidFill>
@@ -5638,7 +5739,7 @@
               </a:rPr>
               <a:t>회원관리</a:t>
             </a:r>
-            <a:endParaRPr lang="ko-KR" altLang="en-US" sz="1000" cap="none" dirty="0" smtClean="0" b="0">
+            <a:endParaRPr lang="ko-KR" altLang="en-US" sz="1000" b="0" cap="none" dirty="0" smtClean="0">
               <a:solidFill>
                 <a:srgbClr val="000000"/>
               </a:solidFill>
@@ -5657,11 +5758,13 @@
           <p:nvPr/>
         </p:nvSpPr>
         <p:spPr>
-          <a:xfrm rot="0">
+          <a:xfrm>
             <a:off x="7209790" y="3684905"/>
             <a:ext cx="605790" cy="342900"/>
           </a:xfrm>
-          <a:prstGeom prst="roundRect"/>
+          <a:prstGeom prst="roundRect">
+            <a:avLst/>
+          </a:prstGeom>
         </p:spPr>
         <p:style>
           <a:lnRef idx="2">
@@ -5678,12 +5781,12 @@
           </a:fontRef>
         </p:style>
         <p:txBody>
-          <a:bodyPr wrap="square" lIns="91440" tIns="45720" rIns="91440" bIns="45720" vert="horz" anchor="ctr">
+          <a:bodyPr vert="horz" wrap="square" lIns="91440" tIns="45720" rIns="91440" bIns="45720" anchor="ctr">
             <a:noAutofit/>
           </a:bodyPr>
           <a:lstStyle/>
           <a:p>
-            <a:pPr marL="0" indent="0" algn="ctr" fontAlgn="auto" defTabSz="914400" eaLnBrk="0">
+            <a:pPr marL="0" indent="0" algn="ctr" defTabSz="914400" eaLnBrk="0" fontAlgn="auto">
               <a:lnSpc>
                 <a:spcPct val="100000"/>
               </a:lnSpc>
@@ -5697,7 +5800,7 @@
               <a:buNone/>
             </a:pPr>
             <a:r>
-              <a:rPr lang="en-US" altLang="ko-KR" sz="700" cap="none" dirty="0" smtClean="0" b="0">
+              <a:rPr lang="en-US" altLang="ko-KR" sz="700" b="0" cap="none" dirty="0" smtClean="0">
                 <a:solidFill>
                   <a:srgbClr val="000000"/>
                 </a:solidFill>
@@ -5706,7 +5809,7 @@
               </a:rPr>
               <a:t>노선삭제</a:t>
             </a:r>
-            <a:endParaRPr lang="ko-KR" altLang="en-US" sz="700" cap="none" dirty="0" smtClean="0" b="0">
+            <a:endParaRPr lang="ko-KR" altLang="en-US" sz="700" b="0" cap="none" dirty="0" smtClean="0">
               <a:solidFill>
                 <a:srgbClr val="000000"/>
               </a:solidFill>
@@ -5725,11 +5828,13 @@
           <p:nvPr/>
         </p:nvSpPr>
         <p:spPr>
-          <a:xfrm rot="0">
+          <a:xfrm>
             <a:off x="1571625" y="732155"/>
             <a:ext cx="1075055" cy="342900"/>
           </a:xfrm>
-          <a:prstGeom prst="roundRect"/>
+          <a:prstGeom prst="roundRect">
+            <a:avLst/>
+          </a:prstGeom>
         </p:spPr>
         <p:style>
           <a:lnRef idx="2">
@@ -5746,12 +5851,12 @@
           </a:fontRef>
         </p:style>
         <p:txBody>
-          <a:bodyPr wrap="square" lIns="91440" tIns="45720" rIns="91440" bIns="45720" vert="horz" anchor="ctr">
+          <a:bodyPr vert="horz" wrap="square" lIns="91440" tIns="45720" rIns="91440" bIns="45720" anchor="ctr">
             <a:noAutofit/>
           </a:bodyPr>
           <a:lstStyle/>
           <a:p>
-            <a:pPr marL="0" indent="0" algn="ctr" fontAlgn="auto" defTabSz="914400" eaLnBrk="0">
+            <a:pPr marL="0" indent="0" algn="ctr" defTabSz="914400" eaLnBrk="0" fontAlgn="auto">
               <a:lnSpc>
                 <a:spcPct val="100000"/>
               </a:lnSpc>
@@ -5765,7 +5870,7 @@
               <a:buNone/>
             </a:pPr>
             <a:r>
-              <a:rPr lang="en-US" altLang="ko-KR" sz="1000" cap="none" dirty="0" smtClean="0" b="1">
+              <a:rPr lang="en-US" altLang="ko-KR" sz="1000" b="1" cap="none" dirty="0" smtClean="0">
                 <a:solidFill>
                   <a:srgbClr val="9BBB59"/>
                 </a:solidFill>
@@ -5774,7 +5879,7 @@
               </a:rPr>
               <a:t>@회원정보</a:t>
             </a:r>
-            <a:endParaRPr lang="ko-KR" altLang="en-US" sz="1000" cap="none" dirty="0" smtClean="0" b="1">
+            <a:endParaRPr lang="ko-KR" altLang="en-US" sz="1000" b="1" cap="none" dirty="0" smtClean="0">
               <a:solidFill>
                 <a:srgbClr val="9BBB59"/>
               </a:solidFill>
@@ -5793,11 +5898,13 @@
           <p:nvPr/>
         </p:nvSpPr>
         <p:spPr>
-          <a:xfrm rot="0">
+          <a:xfrm>
             <a:off x="6252210" y="1438275"/>
             <a:ext cx="1075055" cy="342900"/>
           </a:xfrm>
-          <a:prstGeom prst="roundRect"/>
+          <a:prstGeom prst="roundRect">
+            <a:avLst/>
+          </a:prstGeom>
         </p:spPr>
         <p:style>
           <a:lnRef idx="2">
@@ -5814,12 +5921,12 @@
           </a:fontRef>
         </p:style>
         <p:txBody>
-          <a:bodyPr wrap="square" lIns="91440" tIns="45720" rIns="91440" bIns="45720" vert="horz" anchor="ctr">
+          <a:bodyPr vert="horz" wrap="square" lIns="91440" tIns="45720" rIns="91440" bIns="45720" anchor="ctr">
             <a:noAutofit/>
           </a:bodyPr>
           <a:lstStyle/>
           <a:p>
-            <a:pPr marL="0" indent="0" algn="ctr" fontAlgn="auto" defTabSz="914400" eaLnBrk="0">
+            <a:pPr marL="0" indent="0" algn="ctr" defTabSz="914400" eaLnBrk="0" fontAlgn="auto">
               <a:lnSpc>
                 <a:spcPct val="100000"/>
               </a:lnSpc>
@@ -5833,7 +5940,7 @@
               <a:buNone/>
             </a:pPr>
             <a:r>
-              <a:rPr lang="en-US" altLang="ko-KR" sz="1000" cap="none" dirty="0" smtClean="0" b="0">
+              <a:rPr lang="en-US" altLang="ko-KR" sz="1000" b="0" cap="none" dirty="0" smtClean="0">
                 <a:solidFill>
                   <a:srgbClr val="000000"/>
                 </a:solidFill>
@@ -5842,7 +5949,7 @@
               </a:rPr>
               <a:t>관리자</a:t>
             </a:r>
-            <a:endParaRPr lang="ko-KR" altLang="en-US" sz="1000" cap="none" dirty="0" smtClean="0" b="0">
+            <a:endParaRPr lang="ko-KR" altLang="en-US" sz="1000" b="0" cap="none" dirty="0" smtClean="0">
               <a:solidFill>
                 <a:srgbClr val="000000"/>
               </a:solidFill>
@@ -5933,11 +6040,13 @@
           <p:nvPr/>
         </p:nvSpPr>
         <p:spPr>
-          <a:xfrm rot="0">
+          <a:xfrm>
             <a:off x="1571625" y="2302510"/>
             <a:ext cx="1075055" cy="342900"/>
           </a:xfrm>
-          <a:prstGeom prst="roundRect"/>
+          <a:prstGeom prst="roundRect">
+            <a:avLst/>
+          </a:prstGeom>
         </p:spPr>
         <p:style>
           <a:lnRef idx="2">
@@ -5954,12 +6063,12 @@
           </a:fontRef>
         </p:style>
         <p:txBody>
-          <a:bodyPr wrap="square" lIns="91440" tIns="45720" rIns="91440" bIns="45720" vert="horz" anchor="ctr">
+          <a:bodyPr vert="horz" wrap="square" lIns="91440" tIns="45720" rIns="91440" bIns="45720" anchor="ctr">
             <a:noAutofit/>
           </a:bodyPr>
           <a:lstStyle/>
           <a:p>
-            <a:pPr marL="0" indent="0" algn="ctr" fontAlgn="auto" defTabSz="914400" eaLnBrk="0">
+            <a:pPr marL="0" indent="0" algn="ctr" defTabSz="914400" eaLnBrk="0" fontAlgn="auto">
               <a:lnSpc>
                 <a:spcPct val="100000"/>
               </a:lnSpc>
@@ -5973,7 +6082,7 @@
               <a:buNone/>
             </a:pPr>
             <a:r>
-              <a:rPr lang="en-US" altLang="ko-KR" sz="1000" cap="none" dirty="0" smtClean="0" b="0">
+              <a:rPr lang="en-US" altLang="ko-KR" sz="1000" b="0" cap="none" dirty="0" smtClean="0">
                 <a:solidFill>
                   <a:srgbClr val="000000"/>
                 </a:solidFill>
@@ -5982,7 +6091,7 @@
               </a:rPr>
               <a:t>예매 조회</a:t>
             </a:r>
-            <a:endParaRPr lang="ko-KR" altLang="en-US" sz="1000" cap="none" dirty="0" smtClean="0" b="0">
+            <a:endParaRPr lang="ko-KR" altLang="en-US" sz="1000" b="0" cap="none" dirty="0" smtClean="0">
               <a:solidFill>
                 <a:srgbClr val="000000"/>
               </a:solidFill>
@@ -5991,7 +6100,7 @@
             </a:endParaRPr>
           </a:p>
           <a:p>
-            <a:pPr marL="0" indent="0" algn="ctr" fontAlgn="auto" defTabSz="914400" eaLnBrk="0">
+            <a:pPr marL="0" indent="0" algn="ctr" defTabSz="914400" eaLnBrk="0" fontAlgn="auto">
               <a:lnSpc>
                 <a:spcPct val="100000"/>
               </a:lnSpc>
@@ -6005,7 +6114,7 @@
               <a:buNone/>
             </a:pPr>
             <a:r>
-              <a:rPr lang="en-US" altLang="ko-KR" sz="1000" cap="none" dirty="0" smtClean="0" b="0">
+              <a:rPr lang="en-US" altLang="ko-KR" sz="1000" b="0" cap="none" dirty="0" smtClean="0">
                 <a:solidFill>
                   <a:srgbClr val="000000"/>
                 </a:solidFill>
@@ -6014,7 +6123,7 @@
               </a:rPr>
               <a:t>및 취소</a:t>
             </a:r>
-            <a:endParaRPr lang="ko-KR" altLang="en-US" sz="1000" cap="none" dirty="0" smtClean="0" b="0">
+            <a:endParaRPr lang="ko-KR" altLang="en-US" sz="1000" b="0" cap="none" dirty="0" smtClean="0">
               <a:solidFill>
                 <a:srgbClr val="000000"/>
               </a:solidFill>
@@ -6033,11 +6142,13 @@
           <p:nvPr/>
         </p:nvSpPr>
         <p:spPr>
-          <a:xfrm rot="0">
+          <a:xfrm>
             <a:off x="2795905" y="2774950"/>
             <a:ext cx="1075055" cy="342900"/>
           </a:xfrm>
-          <a:prstGeom prst="roundRect"/>
+          <a:prstGeom prst="roundRect">
+            <a:avLst/>
+          </a:prstGeom>
         </p:spPr>
         <p:style>
           <a:lnRef idx="2">
@@ -6054,12 +6165,12 @@
           </a:fontRef>
         </p:style>
         <p:txBody>
-          <a:bodyPr wrap="square" lIns="91440" tIns="45720" rIns="91440" bIns="45720" vert="horz" anchor="ctr">
+          <a:bodyPr vert="horz" wrap="square" lIns="91440" tIns="45720" rIns="91440" bIns="45720" anchor="ctr">
             <a:noAutofit/>
           </a:bodyPr>
           <a:lstStyle/>
           <a:p>
-            <a:pPr marL="0" indent="0" algn="ctr" fontAlgn="auto" defTabSz="914400" eaLnBrk="0">
+            <a:pPr marL="0" indent="0" algn="ctr" defTabSz="914400" eaLnBrk="0" fontAlgn="auto">
               <a:lnSpc>
                 <a:spcPct val="100000"/>
               </a:lnSpc>
@@ -6073,7 +6184,7 @@
               <a:buNone/>
             </a:pPr>
             <a:r>
-              <a:rPr lang="en-US" altLang="ko-KR" sz="1000" cap="none" dirty="0" smtClean="0" b="1">
+              <a:rPr lang="en-US" altLang="ko-KR" sz="1000" b="1" cap="none" dirty="0" smtClean="0">
                 <a:solidFill>
                   <a:srgbClr val="EE6B58"/>
                 </a:solidFill>
@@ -6082,7 +6193,7 @@
               </a:rPr>
               <a:t>잔액확인()</a:t>
             </a:r>
-            <a:endParaRPr lang="ko-KR" altLang="en-US" sz="1000" cap="none" dirty="0" smtClean="0" b="1">
+            <a:endParaRPr lang="ko-KR" altLang="en-US" sz="1000" b="1" cap="none" dirty="0" smtClean="0">
               <a:solidFill>
                 <a:srgbClr val="EE6B58"/>
               </a:solidFill>
@@ -6101,11 +6212,13 @@
           <p:nvPr/>
         </p:nvSpPr>
         <p:spPr>
-          <a:xfrm rot="0">
+          <a:xfrm>
             <a:off x="4558665" y="2778760"/>
             <a:ext cx="1075055" cy="342900"/>
           </a:xfrm>
-          <a:prstGeom prst="roundRect"/>
+          <a:prstGeom prst="roundRect">
+            <a:avLst/>
+          </a:prstGeom>
         </p:spPr>
         <p:style>
           <a:lnRef idx="2">
@@ -6122,12 +6235,12 @@
           </a:fontRef>
         </p:style>
         <p:txBody>
-          <a:bodyPr wrap="square" lIns="91440" tIns="45720" rIns="91440" bIns="45720" vert="horz" anchor="ctr">
+          <a:bodyPr vert="horz" wrap="square" lIns="91440" tIns="45720" rIns="91440" bIns="45720" anchor="ctr">
             <a:noAutofit/>
           </a:bodyPr>
           <a:lstStyle/>
           <a:p>
-            <a:pPr marL="0" indent="0" algn="ctr" fontAlgn="auto" defTabSz="914400" eaLnBrk="0">
+            <a:pPr marL="0" indent="0" algn="ctr" defTabSz="914400" eaLnBrk="0" fontAlgn="auto">
               <a:lnSpc>
                 <a:spcPct val="100000"/>
               </a:lnSpc>
@@ -6141,7 +6254,7 @@
               <a:buNone/>
             </a:pPr>
             <a:r>
-              <a:rPr lang="en-US" altLang="ko-KR" sz="1000" cap="none" dirty="0" smtClean="0" b="1">
+              <a:rPr lang="en-US" altLang="ko-KR" sz="1000" b="1" cap="none" dirty="0" smtClean="0">
                 <a:solidFill>
                   <a:srgbClr val="EE6B58"/>
                 </a:solidFill>
@@ -6150,7 +6263,7 @@
               </a:rPr>
               <a:t>회원리스트()</a:t>
             </a:r>
-            <a:endParaRPr lang="ko-KR" altLang="en-US" sz="1000" cap="none" dirty="0" smtClean="0" b="1">
+            <a:endParaRPr lang="ko-KR" altLang="en-US" sz="1000" b="1" cap="none" dirty="0" smtClean="0">
               <a:solidFill>
                 <a:srgbClr val="EE6B58"/>
               </a:solidFill>
@@ -6169,11 +6282,13 @@
           <p:nvPr/>
         </p:nvSpPr>
         <p:spPr>
-          <a:xfrm rot="0">
+          <a:xfrm>
             <a:off x="5756910" y="3678555"/>
             <a:ext cx="605790" cy="342900"/>
           </a:xfrm>
-          <a:prstGeom prst="roundRect"/>
+          <a:prstGeom prst="roundRect">
+            <a:avLst/>
+          </a:prstGeom>
         </p:spPr>
         <p:style>
           <a:lnRef idx="2">
@@ -6190,12 +6305,12 @@
           </a:fontRef>
         </p:style>
         <p:txBody>
-          <a:bodyPr wrap="square" lIns="91440" tIns="45720" rIns="91440" bIns="45720" vert="horz" anchor="ctr">
+          <a:bodyPr vert="horz" wrap="square" lIns="91440" tIns="45720" rIns="91440" bIns="45720" anchor="ctr">
             <a:noAutofit/>
           </a:bodyPr>
           <a:lstStyle/>
           <a:p>
-            <a:pPr marL="0" indent="0" algn="ctr" fontAlgn="auto" defTabSz="914400" eaLnBrk="0">
+            <a:pPr marL="0" indent="0" algn="ctr" defTabSz="914400" eaLnBrk="0" fontAlgn="auto">
               <a:lnSpc>
                 <a:spcPct val="100000"/>
               </a:lnSpc>
@@ -6209,7 +6324,7 @@
               <a:buNone/>
             </a:pPr>
             <a:r>
-              <a:rPr lang="en-US" altLang="ko-KR" sz="700" cap="none" dirty="0" smtClean="0" b="0">
+              <a:rPr lang="en-US" altLang="ko-KR" sz="700" b="0" cap="none" dirty="0" smtClean="0">
                 <a:solidFill>
                   <a:srgbClr val="000000"/>
                 </a:solidFill>
@@ -6218,7 +6333,7 @@
               </a:rPr>
               <a:t>노선추가</a:t>
             </a:r>
-            <a:endParaRPr lang="ko-KR" altLang="en-US" sz="700" cap="none" dirty="0" smtClean="0" b="0">
+            <a:endParaRPr lang="ko-KR" altLang="en-US" sz="700" b="0" cap="none" dirty="0" smtClean="0">
               <a:solidFill>
                 <a:srgbClr val="000000"/>
               </a:solidFill>
@@ -6237,11 +6352,13 @@
           <p:nvPr/>
         </p:nvSpPr>
         <p:spPr>
-          <a:xfrm rot="0">
+          <a:xfrm>
             <a:off x="6261100" y="2302510"/>
             <a:ext cx="1075055" cy="342900"/>
           </a:xfrm>
-          <a:prstGeom prst="roundRect"/>
+          <a:prstGeom prst="roundRect">
+            <a:avLst/>
+          </a:prstGeom>
         </p:spPr>
         <p:style>
           <a:lnRef idx="2">
@@ -6258,12 +6375,12 @@
           </a:fontRef>
         </p:style>
         <p:txBody>
-          <a:bodyPr wrap="square" lIns="91440" tIns="45720" rIns="91440" bIns="45720" vert="horz" anchor="ctr">
+          <a:bodyPr vert="horz" wrap="square" lIns="91440" tIns="45720" rIns="91440" bIns="45720" anchor="ctr">
             <a:noAutofit/>
           </a:bodyPr>
           <a:lstStyle/>
           <a:p>
-            <a:pPr marL="0" indent="0" algn="ctr" fontAlgn="auto" defTabSz="914400" eaLnBrk="0">
+            <a:pPr marL="0" indent="0" algn="ctr" defTabSz="914400" eaLnBrk="0" fontAlgn="auto">
               <a:lnSpc>
                 <a:spcPct val="100000"/>
               </a:lnSpc>
@@ -6277,7 +6394,7 @@
               <a:buNone/>
             </a:pPr>
             <a:r>
-              <a:rPr lang="en-US" altLang="ko-KR" sz="1000" cap="none" dirty="0" smtClean="0" b="0">
+              <a:rPr lang="en-US" altLang="ko-KR" sz="1000" b="0" cap="none" dirty="0" smtClean="0">
                 <a:solidFill>
                   <a:srgbClr val="000000"/>
                 </a:solidFill>
@@ -6286,7 +6403,7 @@
               </a:rPr>
               <a:t>노선관리</a:t>
             </a:r>
-            <a:endParaRPr lang="ko-KR" altLang="en-US" sz="1000" cap="none" dirty="0" smtClean="0" b="0">
+            <a:endParaRPr lang="ko-KR" altLang="en-US" sz="1000" b="0" cap="none" dirty="0" smtClean="0">
               <a:solidFill>
                 <a:srgbClr val="000000"/>
               </a:solidFill>
@@ -6305,11 +6422,13 @@
           <p:nvPr/>
         </p:nvSpPr>
         <p:spPr>
-          <a:xfrm rot="0">
+          <a:xfrm>
             <a:off x="6487795" y="3678555"/>
             <a:ext cx="605790" cy="342900"/>
           </a:xfrm>
-          <a:prstGeom prst="roundRect"/>
+          <a:prstGeom prst="roundRect">
+            <a:avLst/>
+          </a:prstGeom>
         </p:spPr>
         <p:style>
           <a:lnRef idx="2">
@@ -6326,12 +6445,12 @@
           </a:fontRef>
         </p:style>
         <p:txBody>
-          <a:bodyPr wrap="square" lIns="91440" tIns="45720" rIns="91440" bIns="45720" vert="horz" anchor="ctr">
+          <a:bodyPr vert="horz" wrap="square" lIns="91440" tIns="45720" rIns="91440" bIns="45720" anchor="ctr">
             <a:noAutofit/>
           </a:bodyPr>
           <a:lstStyle/>
           <a:p>
-            <a:pPr marL="0" indent="0" algn="ctr" fontAlgn="auto" defTabSz="914400" eaLnBrk="0">
+            <a:pPr marL="0" indent="0" algn="ctr" defTabSz="914400" eaLnBrk="0" fontAlgn="auto">
               <a:lnSpc>
                 <a:spcPct val="100000"/>
               </a:lnSpc>
@@ -6345,7 +6464,7 @@
               <a:buNone/>
             </a:pPr>
             <a:r>
-              <a:rPr lang="en-US" altLang="ko-KR" sz="700" cap="none" dirty="0" smtClean="0" b="0">
+              <a:rPr lang="en-US" altLang="ko-KR" sz="700" b="0" cap="none" dirty="0" smtClean="0">
                 <a:solidFill>
                   <a:srgbClr val="000000"/>
                 </a:solidFill>
@@ -6354,7 +6473,7 @@
               </a:rPr>
               <a:t>노선변경</a:t>
             </a:r>
-            <a:endParaRPr lang="ko-KR" altLang="en-US" sz="700" cap="none" dirty="0" smtClean="0" b="0">
+            <a:endParaRPr lang="ko-KR" altLang="en-US" sz="700" b="0" cap="none" dirty="0" smtClean="0">
               <a:solidFill>
                 <a:srgbClr val="000000"/>
               </a:solidFill>
@@ -6517,11 +6636,13 @@
           <p:nvPr/>
         </p:nvSpPr>
         <p:spPr>
-          <a:xfrm rot="0">
+          <a:xfrm>
             <a:off x="1571625" y="2774315"/>
             <a:ext cx="1075055" cy="342900"/>
           </a:xfrm>
-          <a:prstGeom prst="roundRect"/>
+          <a:prstGeom prst="roundRect">
+            <a:avLst/>
+          </a:prstGeom>
         </p:spPr>
         <p:style>
           <a:lnRef idx="2">
@@ -6538,12 +6659,12 @@
           </a:fontRef>
         </p:style>
         <p:txBody>
-          <a:bodyPr wrap="square" lIns="91440" tIns="45720" rIns="91440" bIns="45720" vert="horz" anchor="ctr">
+          <a:bodyPr vert="horz" wrap="square" lIns="91440" tIns="45720" rIns="91440" bIns="45720" anchor="ctr">
             <a:noAutofit/>
           </a:bodyPr>
           <a:lstStyle/>
           <a:p>
-            <a:pPr marL="0" indent="0" algn="ctr" fontAlgn="auto" defTabSz="914400" eaLnBrk="0">
+            <a:pPr marL="0" indent="0" algn="ctr" defTabSz="914400" eaLnBrk="0" fontAlgn="auto">
               <a:lnSpc>
                 <a:spcPct val="100000"/>
               </a:lnSpc>
@@ -6557,7 +6678,7 @@
               <a:buNone/>
             </a:pPr>
             <a:r>
-              <a:rPr lang="en-US" altLang="ko-KR" sz="1000" cap="none" dirty="0" smtClean="0" b="1">
+              <a:rPr lang="en-US" altLang="ko-KR" sz="1000" b="1" cap="none" dirty="0" smtClean="0">
                 <a:solidFill>
                   <a:srgbClr val="EE6B58"/>
                 </a:solidFill>
@@ -6566,7 +6687,7 @@
               </a:rPr>
               <a:t>티켓리스트()</a:t>
             </a:r>
-            <a:endParaRPr lang="ko-KR" altLang="en-US" sz="1000" cap="none" dirty="0" smtClean="0" b="1">
+            <a:endParaRPr lang="ko-KR" altLang="en-US" sz="1000" b="1" cap="none" dirty="0" smtClean="0">
               <a:solidFill>
                 <a:srgbClr val="EE6B58"/>
               </a:solidFill>
@@ -6585,11 +6706,13 @@
           <p:nvPr/>
         </p:nvSpPr>
         <p:spPr>
-          <a:xfrm rot="0">
+          <a:xfrm>
             <a:off x="347345" y="2773045"/>
             <a:ext cx="1075055" cy="342900"/>
           </a:xfrm>
-          <a:prstGeom prst="roundRect"/>
+          <a:prstGeom prst="roundRect">
+            <a:avLst/>
+          </a:prstGeom>
         </p:spPr>
         <p:style>
           <a:lnRef idx="2">
@@ -6606,12 +6729,12 @@
           </a:fontRef>
         </p:style>
         <p:txBody>
-          <a:bodyPr wrap="square" lIns="91440" tIns="45720" rIns="91440" bIns="45720" vert="horz" anchor="ctr">
+          <a:bodyPr vert="horz" wrap="square" lIns="91440" tIns="45720" rIns="91440" bIns="45720" anchor="ctr">
             <a:noAutofit/>
           </a:bodyPr>
           <a:lstStyle/>
           <a:p>
-            <a:pPr marL="0" indent="0" algn="ctr" fontAlgn="auto" defTabSz="914400" eaLnBrk="0">
+            <a:pPr marL="0" indent="0" algn="ctr" defTabSz="914400" eaLnBrk="0" fontAlgn="auto">
               <a:lnSpc>
                 <a:spcPct val="100000"/>
               </a:lnSpc>
@@ -6625,7 +6748,7 @@
               <a:buNone/>
             </a:pPr>
             <a:r>
-              <a:rPr lang="en-US" altLang="ko-KR" sz="1000" cap="none" dirty="0" smtClean="0" b="1">
+              <a:rPr lang="en-US" altLang="ko-KR" sz="1000" b="1" cap="none" dirty="0" smtClean="0">
                 <a:solidFill>
                   <a:srgbClr val="EE6B58"/>
                 </a:solidFill>
@@ -6634,7 +6757,7 @@
               </a:rPr>
               <a:t>버스리스트()</a:t>
             </a:r>
-            <a:endParaRPr lang="ko-KR" altLang="en-US" sz="1000" cap="none" dirty="0" smtClean="0" b="1">
+            <a:endParaRPr lang="ko-KR" altLang="en-US" sz="1000" b="1" cap="none" dirty="0" smtClean="0">
               <a:solidFill>
                 <a:srgbClr val="EE6B58"/>
               </a:solidFill>
@@ -6653,11 +6776,13 @@
           <p:nvPr/>
         </p:nvSpPr>
         <p:spPr>
-          <a:xfrm rot="0">
+          <a:xfrm>
             <a:off x="6259830" y="2779395"/>
             <a:ext cx="1075055" cy="342900"/>
           </a:xfrm>
-          <a:prstGeom prst="roundRect"/>
+          <a:prstGeom prst="roundRect">
+            <a:avLst/>
+          </a:prstGeom>
         </p:spPr>
         <p:style>
           <a:lnRef idx="2">
@@ -6674,12 +6799,12 @@
           </a:fontRef>
         </p:style>
         <p:txBody>
-          <a:bodyPr wrap="square" lIns="91440" tIns="45720" rIns="91440" bIns="45720" vert="horz" anchor="ctr">
+          <a:bodyPr vert="horz" wrap="square" lIns="91440" tIns="45720" rIns="91440" bIns="45720" anchor="ctr">
             <a:noAutofit/>
           </a:bodyPr>
           <a:lstStyle/>
           <a:p>
-            <a:pPr marL="0" indent="0" algn="ctr" fontAlgn="auto" defTabSz="914400" eaLnBrk="0">
+            <a:pPr marL="0" indent="0" algn="ctr" defTabSz="914400" eaLnBrk="0" fontAlgn="auto">
               <a:lnSpc>
                 <a:spcPct val="100000"/>
               </a:lnSpc>
@@ -6693,7 +6818,7 @@
               <a:buNone/>
             </a:pPr>
             <a:r>
-              <a:rPr lang="en-US" altLang="ko-KR" sz="1000" cap="none" dirty="0" smtClean="0" b="1">
+              <a:rPr lang="en-US" altLang="ko-KR" sz="1000" b="1" cap="none" dirty="0" smtClean="0">
                 <a:solidFill>
                   <a:srgbClr val="EE6B58"/>
                 </a:solidFill>
@@ -6702,7 +6827,7 @@
               </a:rPr>
               <a:t>버스리스트()</a:t>
             </a:r>
-            <a:endParaRPr lang="ko-KR" altLang="en-US" sz="1000" cap="none" dirty="0" smtClean="0" b="1">
+            <a:endParaRPr lang="ko-KR" altLang="en-US" sz="1000" b="1" cap="none" dirty="0" smtClean="0">
               <a:solidFill>
                 <a:srgbClr val="EE6B58"/>
               </a:solidFill>
@@ -6793,11 +6918,13 @@
           <p:nvPr/>
         </p:nvSpPr>
         <p:spPr>
-          <a:xfrm rot="0">
+          <a:xfrm>
             <a:off x="7899400" y="2327910"/>
             <a:ext cx="1075055" cy="342900"/>
           </a:xfrm>
-          <a:prstGeom prst="roundRect"/>
+          <a:prstGeom prst="roundRect">
+            <a:avLst/>
+          </a:prstGeom>
         </p:spPr>
         <p:style>
           <a:lnRef idx="2">
@@ -6814,12 +6941,12 @@
           </a:fontRef>
         </p:style>
         <p:txBody>
-          <a:bodyPr wrap="square" lIns="91440" tIns="45720" rIns="91440" bIns="45720" vert="horz" anchor="ctr">
+          <a:bodyPr vert="horz" wrap="square" lIns="91440" tIns="45720" rIns="91440" bIns="45720" anchor="ctr">
             <a:noAutofit/>
           </a:bodyPr>
           <a:lstStyle/>
           <a:p>
-            <a:pPr marL="0" indent="0" algn="ctr" fontAlgn="auto" defTabSz="914400" eaLnBrk="0">
+            <a:pPr marL="0" indent="0" algn="ctr" defTabSz="914400" eaLnBrk="0" fontAlgn="auto">
               <a:lnSpc>
                 <a:spcPct val="100000"/>
               </a:lnSpc>
@@ -6833,7 +6960,7 @@
               <a:buNone/>
             </a:pPr>
             <a:r>
-              <a:rPr lang="en-US" altLang="ko-KR" sz="1000" cap="none" dirty="0" smtClean="0" b="0">
+              <a:rPr lang="en-US" altLang="ko-KR" sz="1000" b="0" cap="none" dirty="0" smtClean="0">
                 <a:solidFill>
                   <a:srgbClr val="000000"/>
                 </a:solidFill>
@@ -6842,7 +6969,7 @@
               </a:rPr>
               <a:t>정산</a:t>
             </a:r>
-            <a:endParaRPr lang="ko-KR" altLang="en-US" sz="1000" cap="none" dirty="0" smtClean="0" b="0">
+            <a:endParaRPr lang="ko-KR" altLang="en-US" sz="1000" b="0" cap="none" dirty="0" smtClean="0">
               <a:solidFill>
                 <a:srgbClr val="000000"/>
               </a:solidFill>
@@ -6861,11 +6988,13 @@
           <p:nvPr/>
         </p:nvSpPr>
         <p:spPr>
-          <a:xfrm rot="0">
+          <a:xfrm>
             <a:off x="7903845" y="3263265"/>
             <a:ext cx="1075055" cy="342900"/>
           </a:xfrm>
-          <a:prstGeom prst="roundRect"/>
+          <a:prstGeom prst="roundRect">
+            <a:avLst/>
+          </a:prstGeom>
         </p:spPr>
         <p:style>
           <a:lnRef idx="2">
@@ -6882,12 +7011,12 @@
           </a:fontRef>
         </p:style>
         <p:txBody>
-          <a:bodyPr wrap="square" lIns="91440" tIns="45720" rIns="91440" bIns="45720" vert="horz" anchor="ctr">
+          <a:bodyPr vert="horz" wrap="square" lIns="91440" tIns="45720" rIns="91440" bIns="45720" anchor="ctr">
             <a:noAutofit/>
           </a:bodyPr>
           <a:lstStyle/>
           <a:p>
-            <a:pPr marL="0" indent="0" algn="ctr" fontAlgn="auto" defTabSz="914400" eaLnBrk="0">
+            <a:pPr marL="0" indent="0" algn="ctr" defTabSz="914400" eaLnBrk="0" fontAlgn="auto">
               <a:lnSpc>
                 <a:spcPct val="100000"/>
               </a:lnSpc>
@@ -6901,7 +7030,7 @@
               <a:buNone/>
             </a:pPr>
             <a:r>
-              <a:rPr lang="en-US" altLang="ko-KR" sz="1000" cap="none" dirty="0" smtClean="0" b="1">
+              <a:rPr lang="en-US" altLang="ko-KR" sz="1000" b="1" cap="none" dirty="0" smtClean="0">
                 <a:solidFill>
                   <a:srgbClr val="EE6B58"/>
                 </a:solidFill>
@@ -6910,7 +7039,7 @@
               </a:rPr>
               <a:t>매출조회()</a:t>
             </a:r>
-            <a:endParaRPr lang="ko-KR" altLang="en-US" sz="1000" cap="none" dirty="0" smtClean="0" b="1">
+            <a:endParaRPr lang="ko-KR" altLang="en-US" sz="1000" b="1" cap="none" dirty="0" smtClean="0">
               <a:solidFill>
                 <a:srgbClr val="EE6B58"/>
               </a:solidFill>
@@ -6929,11 +7058,13 @@
           <p:nvPr/>
         </p:nvSpPr>
         <p:spPr>
-          <a:xfrm rot="0">
+          <a:xfrm>
             <a:off x="350520" y="3671569"/>
             <a:ext cx="1075055" cy="342900"/>
           </a:xfrm>
-          <a:prstGeom prst="roundRect"/>
+          <a:prstGeom prst="roundRect">
+            <a:avLst/>
+          </a:prstGeom>
         </p:spPr>
         <p:style>
           <a:lnRef idx="2">
@@ -6950,17 +7081,17 @@
           </a:fontRef>
         </p:style>
         <p:txBody>
-          <a:bodyPr wrap="square" lIns="91440" tIns="45720" rIns="91440" bIns="45720" vert="horz" anchor="ctr">
+          <a:bodyPr vert="horz" wrap="square" lIns="91440" tIns="45720" rIns="91440" bIns="45720" anchor="ctr">
             <a:noAutofit/>
           </a:bodyPr>
           <a:lstStyle/>
           <a:p>
-            <a:pPr>
+            <a:pPr algn="ctr">
               <a:buFontTx/>
               <a:buNone/>
             </a:pPr>
             <a:r>
-              <a:rPr lang="en-US" altLang="ko-KR" sz="1000" cap="none" dirty="0" smtClean="0" b="1">
+              <a:rPr lang="en-US" altLang="ko-KR" sz="1000" b="1" cap="none" dirty="0" smtClean="0">
                 <a:solidFill>
                   <a:srgbClr val="9BBB59"/>
                 </a:solidFill>
@@ -6981,11 +7112,13 @@
           <p:nvPr/>
         </p:nvSpPr>
         <p:spPr>
-          <a:xfrm rot="0">
+          <a:xfrm>
             <a:off x="350520" y="3218180"/>
             <a:ext cx="1075055" cy="342900"/>
           </a:xfrm>
-          <a:prstGeom prst="roundRect"/>
+          <a:prstGeom prst="roundRect">
+            <a:avLst/>
+          </a:prstGeom>
         </p:spPr>
         <p:style>
           <a:lnRef idx="2">
@@ -7002,12 +7135,12 @@
           </a:fontRef>
         </p:style>
         <p:txBody>
-          <a:bodyPr wrap="square" lIns="91440" tIns="45720" rIns="91440" bIns="45720" vert="horz" anchor="ctr">
+          <a:bodyPr vert="horz" wrap="square" lIns="91440" tIns="45720" rIns="91440" bIns="45720" anchor="ctr">
             <a:noAutofit/>
           </a:bodyPr>
           <a:lstStyle/>
           <a:p>
-            <a:pPr marL="0" indent="0" algn="ctr" fontAlgn="auto" defTabSz="914400" eaLnBrk="0">
+            <a:pPr marL="0" indent="0" algn="ctr" defTabSz="914400" eaLnBrk="0" fontAlgn="auto">
               <a:lnSpc>
                 <a:spcPct val="100000"/>
               </a:lnSpc>
@@ -7021,7 +7154,7 @@
               <a:buNone/>
             </a:pPr>
             <a:r>
-              <a:rPr lang="en-US" altLang="ko-KR" sz="1000" cap="none" dirty="0" smtClean="0" b="0">
+              <a:rPr lang="en-US" altLang="ko-KR" sz="1000" b="0" cap="none" dirty="0" smtClean="0">
                 <a:solidFill>
                   <a:srgbClr val="000000"/>
                 </a:solidFill>
@@ -7030,7 +7163,7 @@
               </a:rPr>
               <a:t>입력</a:t>
             </a:r>
-            <a:endParaRPr lang="ko-KR" altLang="en-US" sz="1000" cap="none" dirty="0" smtClean="0" b="0">
+            <a:endParaRPr lang="ko-KR" altLang="en-US" sz="1000" b="0" cap="none" dirty="0" smtClean="0">
               <a:solidFill>
                 <a:srgbClr val="000000"/>
               </a:solidFill>
@@ -7049,11 +7182,13 @@
           <p:nvPr/>
         </p:nvSpPr>
         <p:spPr>
-          <a:xfrm rot="0">
+          <a:xfrm>
             <a:off x="337820" y="4116070"/>
             <a:ext cx="1075055" cy="342900"/>
           </a:xfrm>
-          <a:prstGeom prst="roundRect"/>
+          <a:prstGeom prst="roundRect">
+            <a:avLst/>
+          </a:prstGeom>
         </p:spPr>
         <p:style>
           <a:lnRef idx="2">
@@ -7070,12 +7205,12 @@
           </a:fontRef>
         </p:style>
         <p:txBody>
-          <a:bodyPr wrap="square" lIns="91440" tIns="45720" rIns="91440" bIns="45720" vert="horz" anchor="ctr">
+          <a:bodyPr vert="horz" wrap="square" lIns="91440" tIns="45720" rIns="91440" bIns="45720" anchor="ctr">
             <a:noAutofit/>
           </a:bodyPr>
           <a:lstStyle/>
           <a:p>
-            <a:pPr marL="0" indent="0" algn="ctr" fontAlgn="auto" defTabSz="914400" eaLnBrk="0">
+            <a:pPr marL="0" indent="0" algn="ctr" defTabSz="914400" eaLnBrk="0" fontAlgn="auto">
               <a:lnSpc>
                 <a:spcPct val="100000"/>
               </a:lnSpc>
@@ -7089,7 +7224,7 @@
               <a:buNone/>
             </a:pPr>
             <a:r>
-              <a:rPr lang="en-US" altLang="ko-KR" sz="1000" cap="none" dirty="0" smtClean="0" b="1">
+              <a:rPr lang="en-US" altLang="ko-KR" sz="1000" b="1" cap="none" dirty="0" smtClean="0">
                 <a:solidFill>
                   <a:srgbClr val="EE6B58"/>
                 </a:solidFill>
@@ -7098,7 +7233,7 @@
               </a:rPr>
               <a:t>전송()</a:t>
             </a:r>
-            <a:endParaRPr lang="ko-KR" altLang="en-US" sz="1000" cap="none" dirty="0" smtClean="0" b="1">
+            <a:endParaRPr lang="ko-KR" altLang="en-US" sz="1000" b="1" cap="none" dirty="0" smtClean="0">
               <a:solidFill>
                 <a:srgbClr val="EE6B58"/>
               </a:solidFill>
@@ -7117,11 +7252,13 @@
           <p:nvPr/>
         </p:nvSpPr>
         <p:spPr>
-          <a:xfrm rot="0">
+          <a:xfrm>
             <a:off x="337820" y="4563110"/>
             <a:ext cx="1075055" cy="342900"/>
           </a:xfrm>
-          <a:prstGeom prst="roundRect"/>
+          <a:prstGeom prst="roundRect">
+            <a:avLst/>
+          </a:prstGeom>
         </p:spPr>
         <p:style>
           <a:lnRef idx="2">
@@ -7138,12 +7275,12 @@
           </a:fontRef>
         </p:style>
         <p:txBody>
-          <a:bodyPr wrap="square" lIns="91440" tIns="45720" rIns="91440" bIns="45720" vert="horz" anchor="ctr">
+          <a:bodyPr vert="horz" wrap="square" lIns="91440" tIns="45720" rIns="91440" bIns="45720" anchor="ctr">
             <a:noAutofit/>
           </a:bodyPr>
           <a:lstStyle/>
           <a:p>
-            <a:pPr marL="0" indent="0" algn="ctr" fontAlgn="auto" defTabSz="914400" eaLnBrk="0">
+            <a:pPr marL="0" indent="0" algn="ctr" defTabSz="914400" eaLnBrk="0" fontAlgn="auto">
               <a:lnSpc>
                 <a:spcPct val="100000"/>
               </a:lnSpc>
@@ -7157,7 +7294,7 @@
               <a:buNone/>
             </a:pPr>
             <a:r>
-              <a:rPr lang="en-US" altLang="ko-KR" sz="1000" cap="none" dirty="0" smtClean="0" b="0">
+              <a:rPr lang="en-US" altLang="ko-KR" sz="1000" b="0" cap="none" dirty="0" smtClean="0">
                 <a:solidFill>
                   <a:srgbClr val="000000"/>
                 </a:solidFill>
@@ -7166,7 +7303,7 @@
               </a:rPr>
               <a:t>결과출력</a:t>
             </a:r>
-            <a:endParaRPr lang="ko-KR" altLang="en-US" sz="1000" cap="none" dirty="0" smtClean="0" b="0">
+            <a:endParaRPr lang="ko-KR" altLang="en-US" sz="1000" b="0" cap="none" dirty="0" smtClean="0">
               <a:solidFill>
                 <a:srgbClr val="000000"/>
               </a:solidFill>
@@ -7185,11 +7322,13 @@
           <p:nvPr/>
         </p:nvSpPr>
         <p:spPr>
-          <a:xfrm rot="0">
+          <a:xfrm>
             <a:off x="1574800" y="3665220"/>
             <a:ext cx="1075055" cy="342900"/>
           </a:xfrm>
-          <a:prstGeom prst="roundRect"/>
+          <a:prstGeom prst="roundRect">
+            <a:avLst/>
+          </a:prstGeom>
         </p:spPr>
         <p:style>
           <a:lnRef idx="2">
@@ -7206,12 +7345,12 @@
           </a:fontRef>
         </p:style>
         <p:txBody>
-          <a:bodyPr wrap="square" lIns="91440" tIns="45720" rIns="91440" bIns="45720" vert="horz" anchor="ctr">
+          <a:bodyPr vert="horz" wrap="square" lIns="91440" tIns="45720" rIns="91440" bIns="45720" anchor="ctr">
             <a:noAutofit/>
           </a:bodyPr>
           <a:lstStyle/>
           <a:p>
-            <a:pPr marL="0" indent="0" algn="ctr" fontAlgn="auto" defTabSz="914400" eaLnBrk="0">
+            <a:pPr marL="0" indent="0" algn="ctr" defTabSz="914400" eaLnBrk="0" fontAlgn="auto">
               <a:lnSpc>
                 <a:spcPct val="100000"/>
               </a:lnSpc>
@@ -7225,7 +7364,7 @@
               <a:buNone/>
             </a:pPr>
             <a:r>
-              <a:rPr lang="en-US" altLang="ko-KR" sz="1000" cap="none" dirty="0" smtClean="0" b="1">
+              <a:rPr lang="en-US" altLang="ko-KR" sz="1000" b="1" cap="none" dirty="0" smtClean="0">
                 <a:solidFill>
                   <a:srgbClr val="9BBB59"/>
                 </a:solidFill>
@@ -7234,7 +7373,7 @@
               </a:rPr>
               <a:t>@티켓</a:t>
             </a:r>
-            <a:endParaRPr lang="ko-KR" altLang="en-US" sz="1000" cap="none" dirty="0" smtClean="0" b="1">
+            <a:endParaRPr lang="ko-KR" altLang="en-US" sz="1000" b="1" cap="none" dirty="0" smtClean="0">
               <a:solidFill>
                 <a:srgbClr val="9BBB59"/>
               </a:solidFill>
@@ -7253,11 +7392,13 @@
           <p:nvPr/>
         </p:nvSpPr>
         <p:spPr>
-          <a:xfrm rot="0">
+          <a:xfrm>
             <a:off x="7899400" y="2773045"/>
             <a:ext cx="1075055" cy="342900"/>
           </a:xfrm>
-          <a:prstGeom prst="roundRect"/>
+          <a:prstGeom prst="roundRect">
+            <a:avLst/>
+          </a:prstGeom>
         </p:spPr>
         <p:style>
           <a:lnRef idx="2">
@@ -7274,12 +7415,12 @@
           </a:fontRef>
         </p:style>
         <p:txBody>
-          <a:bodyPr wrap="square" lIns="91440" tIns="45720" rIns="91440" bIns="45720" vert="horz" anchor="ctr">
+          <a:bodyPr vert="horz" wrap="square" lIns="91440" tIns="45720" rIns="91440" bIns="45720" anchor="ctr">
             <a:noAutofit/>
           </a:bodyPr>
           <a:lstStyle/>
           <a:p>
-            <a:pPr marL="0" indent="0" algn="ctr" fontAlgn="auto" defTabSz="914400" eaLnBrk="0">
+            <a:pPr marL="0" indent="0" algn="ctr" defTabSz="914400" eaLnBrk="0" fontAlgn="auto">
               <a:lnSpc>
                 <a:spcPct val="100000"/>
               </a:lnSpc>
@@ -7293,7 +7434,7 @@
               <a:buNone/>
             </a:pPr>
             <a:r>
-              <a:rPr lang="en-US" altLang="ko-KR" sz="1000" cap="none" dirty="0" smtClean="0" b="1">
+              <a:rPr lang="en-US" altLang="ko-KR" sz="1000" b="1" cap="none" dirty="0" smtClean="0">
                 <a:solidFill>
                   <a:srgbClr val="EE6B58"/>
                 </a:solidFill>
@@ -7302,7 +7443,7 @@
               </a:rPr>
               <a:t>티켓리스트()</a:t>
             </a:r>
-            <a:endParaRPr lang="ko-KR" altLang="en-US" sz="1000" cap="none" dirty="0" smtClean="0" b="1">
+            <a:endParaRPr lang="ko-KR" altLang="en-US" sz="1000" b="1" cap="none" dirty="0" smtClean="0">
               <a:solidFill>
                 <a:srgbClr val="EE6B58"/>
               </a:solidFill>
@@ -7321,11 +7462,13 @@
           <p:nvPr/>
         </p:nvSpPr>
         <p:spPr>
-          <a:xfrm rot="0">
+          <a:xfrm>
             <a:off x="4555490" y="3667125"/>
             <a:ext cx="1075055" cy="342900"/>
           </a:xfrm>
-          <a:prstGeom prst="roundRect"/>
+          <a:prstGeom prst="roundRect">
+            <a:avLst/>
+          </a:prstGeom>
         </p:spPr>
         <p:style>
           <a:lnRef idx="2">
@@ -7342,12 +7485,12 @@
           </a:fontRef>
         </p:style>
         <p:txBody>
-          <a:bodyPr wrap="square" lIns="91440" tIns="45720" rIns="91440" bIns="45720" vert="horz" anchor="ctr">
+          <a:bodyPr vert="horz" wrap="square" lIns="91440" tIns="45720" rIns="91440" bIns="45720" anchor="ctr">
             <a:noAutofit/>
           </a:bodyPr>
           <a:lstStyle/>
           <a:p>
-            <a:pPr marL="0" indent="0" algn="ctr" fontAlgn="auto" defTabSz="914400" eaLnBrk="0">
+            <a:pPr marL="0" indent="0" algn="ctr" defTabSz="914400" eaLnBrk="0" fontAlgn="auto">
               <a:lnSpc>
                 <a:spcPct val="100000"/>
               </a:lnSpc>
@@ -7361,7 +7504,7 @@
               <a:buNone/>
             </a:pPr>
             <a:r>
-              <a:rPr lang="en-US" altLang="ko-KR" sz="1000" cap="none" dirty="0" smtClean="0" b="0">
+              <a:rPr lang="en-US" altLang="ko-KR" sz="1000" b="0" cap="none" dirty="0" smtClean="0">
                 <a:solidFill>
                   <a:srgbClr val="000000"/>
                 </a:solidFill>
@@ -7370,7 +7513,7 @@
               </a:rPr>
               <a:t>회원삭제</a:t>
             </a:r>
-            <a:endParaRPr lang="ko-KR" altLang="en-US" sz="1000" cap="none" dirty="0" smtClean="0" b="0">
+            <a:endParaRPr lang="ko-KR" altLang="en-US" sz="1000" b="0" cap="none" dirty="0" smtClean="0">
               <a:solidFill>
                 <a:srgbClr val="000000"/>
               </a:solidFill>
@@ -7389,11 +7532,13 @@
           <p:nvPr/>
         </p:nvSpPr>
         <p:spPr>
-          <a:xfrm rot="0">
+          <a:xfrm>
             <a:off x="1577340" y="3224530"/>
             <a:ext cx="1075055" cy="342900"/>
           </a:xfrm>
-          <a:prstGeom prst="roundRect"/>
+          <a:prstGeom prst="roundRect">
+            <a:avLst/>
+          </a:prstGeom>
         </p:spPr>
         <p:style>
           <a:lnRef idx="2">
@@ -7410,12 +7555,12 @@
           </a:fontRef>
         </p:style>
         <p:txBody>
-          <a:bodyPr wrap="square" lIns="91440" tIns="45720" rIns="91440" bIns="45720" vert="horz" anchor="ctr">
+          <a:bodyPr vert="horz" wrap="square" lIns="91440" tIns="45720" rIns="91440" bIns="45720" anchor="ctr">
             <a:noAutofit/>
           </a:bodyPr>
           <a:lstStyle/>
           <a:p>
-            <a:pPr marL="0" indent="0" algn="ctr" fontAlgn="auto" defTabSz="914400" eaLnBrk="0">
+            <a:pPr marL="0" indent="0" algn="ctr" defTabSz="914400" eaLnBrk="0" fontAlgn="auto">
               <a:lnSpc>
                 <a:spcPct val="100000"/>
               </a:lnSpc>
@@ -7429,7 +7574,7 @@
               <a:buNone/>
             </a:pPr>
             <a:r>
-              <a:rPr lang="en-US" altLang="ko-KR" sz="1000" cap="none" dirty="0" smtClean="0" b="0">
+              <a:rPr lang="en-US" altLang="ko-KR" sz="1000" b="0" cap="none" dirty="0" smtClean="0">
                 <a:solidFill>
                   <a:srgbClr val="000000"/>
                 </a:solidFill>
@@ -7438,7 +7583,7 @@
               </a:rPr>
               <a:t>입력</a:t>
             </a:r>
-            <a:endParaRPr lang="ko-KR" altLang="en-US" sz="1000" cap="none" dirty="0" smtClean="0" b="0">
+            <a:endParaRPr lang="ko-KR" altLang="en-US" sz="1000" b="0" cap="none" dirty="0" smtClean="0">
               <a:solidFill>
                 <a:srgbClr val="000000"/>
               </a:solidFill>
@@ -7457,11 +7602,13 @@
           <p:nvPr/>
         </p:nvSpPr>
         <p:spPr>
-          <a:xfrm rot="0">
+          <a:xfrm>
             <a:off x="2799080" y="3669665"/>
             <a:ext cx="1075055" cy="342900"/>
           </a:xfrm>
-          <a:prstGeom prst="roundRect"/>
+          <a:prstGeom prst="roundRect">
+            <a:avLst/>
+          </a:prstGeom>
         </p:spPr>
         <p:style>
           <a:lnRef idx="2">
@@ -7478,12 +7625,12 @@
           </a:fontRef>
         </p:style>
         <p:txBody>
-          <a:bodyPr wrap="square" lIns="91440" tIns="45720" rIns="91440" bIns="45720" vert="horz" anchor="ctr">
+          <a:bodyPr vert="horz" wrap="square" lIns="91440" tIns="45720" rIns="91440" bIns="45720" anchor="ctr">
             <a:noAutofit/>
           </a:bodyPr>
           <a:lstStyle/>
           <a:p>
-            <a:pPr marL="0" indent="0" algn="ctr" fontAlgn="auto" defTabSz="914400" eaLnBrk="0">
+            <a:pPr marL="0" indent="0" algn="ctr" defTabSz="914400" eaLnBrk="0" fontAlgn="auto">
               <a:lnSpc>
                 <a:spcPct val="100000"/>
               </a:lnSpc>
@@ -7497,7 +7644,7 @@
               <a:buNone/>
             </a:pPr>
             <a:r>
-              <a:rPr lang="en-US" altLang="ko-KR" sz="1000" cap="none" dirty="0" smtClean="0" b="1">
+              <a:rPr lang="en-US" altLang="ko-KR" sz="1000" b="1" cap="none" dirty="0" smtClean="0">
                 <a:solidFill>
                   <a:srgbClr val="9BBB59"/>
                 </a:solidFill>
@@ -7506,7 +7653,7 @@
               </a:rPr>
               <a:t>@금액</a:t>
             </a:r>
-            <a:endParaRPr lang="ko-KR" altLang="en-US" sz="1000" cap="none" dirty="0" smtClean="0" b="1">
+            <a:endParaRPr lang="ko-KR" altLang="en-US" sz="1000" b="1" cap="none" dirty="0" smtClean="0">
               <a:solidFill>
                 <a:srgbClr val="9BBB59"/>
               </a:solidFill>
@@ -7525,11 +7672,13 @@
           <p:nvPr/>
         </p:nvSpPr>
         <p:spPr>
-          <a:xfrm rot="0">
+          <a:xfrm>
             <a:off x="2799080" y="4119880"/>
             <a:ext cx="1075055" cy="342900"/>
           </a:xfrm>
-          <a:prstGeom prst="roundRect"/>
+          <a:prstGeom prst="roundRect">
+            <a:avLst/>
+          </a:prstGeom>
         </p:spPr>
         <p:style>
           <a:lnRef idx="2">
@@ -7546,12 +7695,12 @@
           </a:fontRef>
         </p:style>
         <p:txBody>
-          <a:bodyPr wrap="square" lIns="91440" tIns="45720" rIns="91440" bIns="45720" vert="horz" anchor="ctr">
+          <a:bodyPr vert="horz" wrap="square" lIns="91440" tIns="45720" rIns="91440" bIns="45720" anchor="ctr">
             <a:noAutofit/>
           </a:bodyPr>
           <a:lstStyle/>
           <a:p>
-            <a:pPr marL="0" indent="0" algn="ctr" fontAlgn="auto" defTabSz="914400" eaLnBrk="0">
+            <a:pPr marL="0" indent="0" algn="ctr" defTabSz="914400" eaLnBrk="0" fontAlgn="auto">
               <a:lnSpc>
                 <a:spcPct val="100000"/>
               </a:lnSpc>
@@ -7565,7 +7714,7 @@
               <a:buNone/>
             </a:pPr>
             <a:r>
-              <a:rPr lang="en-US" altLang="ko-KR" sz="1000" cap="none" dirty="0" smtClean="0" b="1">
+              <a:rPr lang="en-US" altLang="ko-KR" sz="1000" b="1" cap="none" dirty="0" smtClean="0">
                 <a:solidFill>
                   <a:srgbClr val="EE6B58"/>
                 </a:solidFill>
@@ -7574,7 +7723,7 @@
               </a:rPr>
               <a:t>충전()</a:t>
             </a:r>
-            <a:endParaRPr lang="ko-KR" altLang="en-US" sz="1000" cap="none" dirty="0" smtClean="0" b="1">
+            <a:endParaRPr lang="ko-KR" altLang="en-US" sz="1000" b="1" cap="none" dirty="0" smtClean="0">
               <a:solidFill>
                 <a:srgbClr val="EE6B58"/>
               </a:solidFill>
@@ -7593,11 +7742,13 @@
           <p:nvPr/>
         </p:nvSpPr>
         <p:spPr>
-          <a:xfrm rot="0">
+          <a:xfrm>
             <a:off x="4554855" y="4123055"/>
             <a:ext cx="1075055" cy="342900"/>
           </a:xfrm>
-          <a:prstGeom prst="roundRect"/>
+          <a:prstGeom prst="roundRect">
+            <a:avLst/>
+          </a:prstGeom>
         </p:spPr>
         <p:style>
           <a:lnRef idx="2">
@@ -7614,12 +7765,12 @@
           </a:fontRef>
         </p:style>
         <p:txBody>
-          <a:bodyPr wrap="square" lIns="91440" tIns="45720" rIns="91440" bIns="45720" vert="horz" anchor="ctr">
+          <a:bodyPr vert="horz" wrap="square" lIns="91440" tIns="45720" rIns="91440" bIns="45720" anchor="ctr">
             <a:noAutofit/>
           </a:bodyPr>
           <a:lstStyle/>
           <a:p>
-            <a:pPr marL="0" indent="0" algn="ctr" fontAlgn="auto" defTabSz="914400" eaLnBrk="0">
+            <a:pPr marL="0" indent="0" algn="ctr" defTabSz="914400" eaLnBrk="0" fontAlgn="auto">
               <a:lnSpc>
                 <a:spcPct val="100000"/>
               </a:lnSpc>
@@ -7633,7 +7784,7 @@
               <a:buNone/>
             </a:pPr>
             <a:r>
-              <a:rPr lang="en-US" altLang="ko-KR" sz="1000" cap="none" dirty="0" smtClean="0" b="1">
+              <a:rPr lang="en-US" altLang="ko-KR" sz="1000" b="1" cap="none" dirty="0" smtClean="0">
                 <a:solidFill>
                   <a:srgbClr val="EE6B58"/>
                 </a:solidFill>
@@ -7642,7 +7793,7 @@
               </a:rPr>
               <a:t>회원삭제()</a:t>
             </a:r>
-            <a:endParaRPr lang="ko-KR" altLang="en-US" sz="1000" cap="none" dirty="0" smtClean="0" b="1">
+            <a:endParaRPr lang="ko-KR" altLang="en-US" sz="1000" b="1" cap="none" dirty="0" smtClean="0">
               <a:solidFill>
                 <a:srgbClr val="EE6B58"/>
               </a:solidFill>
@@ -7661,11 +7812,13 @@
           <p:nvPr/>
         </p:nvSpPr>
         <p:spPr>
-          <a:xfrm rot="0">
+          <a:xfrm>
             <a:off x="5756910" y="4129405"/>
             <a:ext cx="605790" cy="342900"/>
           </a:xfrm>
-          <a:prstGeom prst="roundRect"/>
+          <a:prstGeom prst="roundRect">
+            <a:avLst/>
+          </a:prstGeom>
         </p:spPr>
         <p:style>
           <a:lnRef idx="2">
@@ -7682,12 +7835,12 @@
           </a:fontRef>
         </p:style>
         <p:txBody>
-          <a:bodyPr wrap="square" lIns="91440" tIns="45720" rIns="91440" bIns="45720" vert="horz" anchor="ctr">
+          <a:bodyPr vert="horz" wrap="square" lIns="91440" tIns="45720" rIns="91440" bIns="45720" anchor="ctr">
             <a:noAutofit/>
           </a:bodyPr>
           <a:lstStyle/>
           <a:p>
-            <a:pPr marL="0" indent="0" algn="ctr" fontAlgn="auto" defTabSz="914400" eaLnBrk="0">
+            <a:pPr marL="0" indent="0" algn="ctr" defTabSz="914400" eaLnBrk="0" fontAlgn="auto">
               <a:lnSpc>
                 <a:spcPct val="100000"/>
               </a:lnSpc>
@@ -7701,7 +7854,7 @@
               <a:buNone/>
             </a:pPr>
             <a:r>
-              <a:rPr lang="en-US" altLang="ko-KR" sz="700" cap="none" dirty="0" smtClean="0" b="1">
+              <a:rPr lang="en-US" altLang="ko-KR" sz="700" b="1" cap="none" dirty="0" smtClean="0">
                 <a:solidFill>
                   <a:srgbClr val="EE6B58"/>
                 </a:solidFill>
@@ -7710,7 +7863,7 @@
               </a:rPr>
               <a:t>노선추가()</a:t>
             </a:r>
-            <a:endParaRPr lang="ko-KR" altLang="en-US" sz="700" cap="none" dirty="0" smtClean="0" b="1">
+            <a:endParaRPr lang="ko-KR" altLang="en-US" sz="700" b="1" cap="none" dirty="0" smtClean="0">
               <a:solidFill>
                 <a:srgbClr val="EE6B58"/>
               </a:solidFill>
@@ -7729,11 +7882,13 @@
           <p:nvPr/>
         </p:nvSpPr>
         <p:spPr>
-          <a:xfrm rot="0">
+          <a:xfrm>
             <a:off x="6487795" y="4128770"/>
             <a:ext cx="605790" cy="342900"/>
           </a:xfrm>
-          <a:prstGeom prst="roundRect"/>
+          <a:prstGeom prst="roundRect">
+            <a:avLst/>
+          </a:prstGeom>
         </p:spPr>
         <p:style>
           <a:lnRef idx="2">
@@ -7750,12 +7905,12 @@
           </a:fontRef>
         </p:style>
         <p:txBody>
-          <a:bodyPr wrap="square" lIns="91440" tIns="45720" rIns="91440" bIns="45720" vert="horz" anchor="ctr">
+          <a:bodyPr vert="horz" wrap="square" lIns="91440" tIns="45720" rIns="91440" bIns="45720" anchor="ctr">
             <a:noAutofit/>
           </a:bodyPr>
           <a:lstStyle/>
           <a:p>
-            <a:pPr marL="0" indent="0" algn="ctr" fontAlgn="auto" defTabSz="914400" eaLnBrk="0">
+            <a:pPr marL="0" indent="0" algn="ctr" defTabSz="914400" eaLnBrk="0" fontAlgn="auto">
               <a:lnSpc>
                 <a:spcPct val="100000"/>
               </a:lnSpc>
@@ -7769,7 +7924,7 @@
               <a:buNone/>
             </a:pPr>
             <a:r>
-              <a:rPr lang="en-US" altLang="ko-KR" sz="700" cap="none" dirty="0" smtClean="0" b="1">
+              <a:rPr lang="en-US" altLang="ko-KR" sz="700" b="1" cap="none" dirty="0" smtClean="0">
                 <a:solidFill>
                   <a:srgbClr val="EE6B58"/>
                 </a:solidFill>
@@ -7778,7 +7933,7 @@
               </a:rPr>
               <a:t>노선변경()</a:t>
             </a:r>
-            <a:endParaRPr lang="ko-KR" altLang="en-US" sz="700" cap="none" dirty="0" smtClean="0" b="1">
+            <a:endParaRPr lang="ko-KR" altLang="en-US" sz="700" b="1" cap="none" dirty="0" smtClean="0">
               <a:solidFill>
                 <a:srgbClr val="EE6B58"/>
               </a:solidFill>
@@ -7797,11 +7952,13 @@
           <p:nvPr/>
         </p:nvSpPr>
         <p:spPr>
-          <a:xfrm rot="0">
+          <a:xfrm>
             <a:off x="7207250" y="4129405"/>
             <a:ext cx="605790" cy="342900"/>
           </a:xfrm>
-          <a:prstGeom prst="roundRect"/>
+          <a:prstGeom prst="roundRect">
+            <a:avLst/>
+          </a:prstGeom>
         </p:spPr>
         <p:style>
           <a:lnRef idx="2">
@@ -7818,12 +7975,12 @@
           </a:fontRef>
         </p:style>
         <p:txBody>
-          <a:bodyPr wrap="square" lIns="91440" tIns="45720" rIns="91440" bIns="45720" vert="horz" anchor="ctr">
+          <a:bodyPr vert="horz" wrap="square" lIns="91440" tIns="45720" rIns="91440" bIns="45720" anchor="ctr">
             <a:noAutofit/>
           </a:bodyPr>
           <a:lstStyle/>
           <a:p>
-            <a:pPr marL="0" indent="0" algn="ctr" fontAlgn="auto" defTabSz="914400" eaLnBrk="0">
+            <a:pPr marL="0" indent="0" algn="ctr" defTabSz="914400" eaLnBrk="0" fontAlgn="auto">
               <a:lnSpc>
                 <a:spcPct val="100000"/>
               </a:lnSpc>
@@ -7837,7 +7994,7 @@
               <a:buNone/>
             </a:pPr>
             <a:r>
-              <a:rPr lang="en-US" altLang="ko-KR" sz="700" cap="none" dirty="0" smtClean="0" b="1">
+              <a:rPr lang="en-US" altLang="ko-KR" sz="700" b="1" cap="none" dirty="0" smtClean="0">
                 <a:solidFill>
                   <a:srgbClr val="EE6B58"/>
                 </a:solidFill>
@@ -7846,7 +8003,7 @@
               </a:rPr>
               <a:t>노선삭제()</a:t>
             </a:r>
-            <a:endParaRPr lang="ko-KR" altLang="en-US" sz="700" cap="none" dirty="0" smtClean="0" b="1">
+            <a:endParaRPr lang="ko-KR" altLang="en-US" sz="700" b="1" cap="none" dirty="0" smtClean="0">
               <a:solidFill>
                 <a:srgbClr val="EE6B58"/>
               </a:solidFill>
@@ -7865,11 +8022,13 @@
           <p:nvPr/>
         </p:nvSpPr>
         <p:spPr>
-          <a:xfrm rot="0">
+          <a:xfrm>
             <a:off x="1577340" y="4558030"/>
             <a:ext cx="1075055" cy="342900"/>
           </a:xfrm>
-          <a:prstGeom prst="roundRect"/>
+          <a:prstGeom prst="roundRect">
+            <a:avLst/>
+          </a:prstGeom>
         </p:spPr>
         <p:style>
           <a:lnRef idx="2">
@@ -7886,12 +8045,12 @@
           </a:fontRef>
         </p:style>
         <p:txBody>
-          <a:bodyPr wrap="square" lIns="91440" tIns="45720" rIns="91440" bIns="45720" vert="horz" anchor="ctr">
+          <a:bodyPr vert="horz" wrap="square" lIns="91440" tIns="45720" rIns="91440" bIns="45720" anchor="ctr">
             <a:noAutofit/>
           </a:bodyPr>
           <a:lstStyle/>
           <a:p>
-            <a:pPr marL="0" indent="0" algn="ctr" fontAlgn="auto" defTabSz="914400" eaLnBrk="0">
+            <a:pPr marL="0" indent="0" algn="ctr" defTabSz="914400" eaLnBrk="0" fontAlgn="auto">
               <a:lnSpc>
                 <a:spcPct val="100000"/>
               </a:lnSpc>
@@ -7905,7 +8064,7 @@
               <a:buNone/>
             </a:pPr>
             <a:r>
-              <a:rPr lang="en-US" altLang="ko-KR" sz="1000" cap="none" dirty="0" smtClean="0" b="0">
+              <a:rPr lang="en-US" altLang="ko-KR" sz="1000" b="0" cap="none" dirty="0" smtClean="0">
                 <a:solidFill>
                   <a:srgbClr val="000000"/>
                 </a:solidFill>
@@ -7914,7 +8073,7 @@
               </a:rPr>
               <a:t>결과출력</a:t>
             </a:r>
-            <a:endParaRPr lang="ko-KR" altLang="en-US" sz="1000" cap="none" dirty="0" smtClean="0" b="0">
+            <a:endParaRPr lang="ko-KR" altLang="en-US" sz="1000" b="0" cap="none" dirty="0" smtClean="0">
               <a:solidFill>
                 <a:srgbClr val="000000"/>
               </a:solidFill>
@@ -7933,11 +8092,13 @@
           <p:nvPr/>
         </p:nvSpPr>
         <p:spPr>
-          <a:xfrm rot="0">
+          <a:xfrm>
             <a:off x="349250" y="730250"/>
             <a:ext cx="1075055" cy="342900"/>
           </a:xfrm>
-          <a:prstGeom prst="roundRect"/>
+          <a:prstGeom prst="roundRect">
+            <a:avLst/>
+          </a:prstGeom>
         </p:spPr>
         <p:style>
           <a:lnRef idx="2">
@@ -7954,12 +8115,12 @@
           </a:fontRef>
         </p:style>
         <p:txBody>
-          <a:bodyPr wrap="square" lIns="91440" tIns="45720" rIns="91440" bIns="45720" vert="horz" anchor="ctr">
+          <a:bodyPr vert="horz" wrap="square" lIns="91440" tIns="45720" rIns="91440" bIns="45720" anchor="ctr">
             <a:noAutofit/>
           </a:bodyPr>
           <a:lstStyle/>
           <a:p>
-            <a:pPr marL="0" indent="0" algn="ctr" fontAlgn="auto" defTabSz="914400" eaLnBrk="0">
+            <a:pPr marL="0" indent="0" algn="ctr" defTabSz="914400" eaLnBrk="0" fontAlgn="auto">
               <a:lnSpc>
                 <a:spcPct val="100000"/>
               </a:lnSpc>
@@ -7973,7 +8134,7 @@
               <a:buNone/>
             </a:pPr>
             <a:r>
-              <a:rPr lang="en-US" altLang="ko-KR" sz="1000" cap="none" dirty="0" smtClean="0" b="0">
+              <a:rPr lang="en-US" altLang="ko-KR" sz="1000" b="0" cap="none" dirty="0" smtClean="0">
                 <a:solidFill>
                   <a:srgbClr val="000000"/>
                 </a:solidFill>
@@ -7982,7 +8143,7 @@
               </a:rPr>
               <a:t>회원가입</a:t>
             </a:r>
-            <a:endParaRPr lang="ko-KR" altLang="en-US" sz="1000" cap="none" dirty="0" smtClean="0" b="0">
+            <a:endParaRPr lang="ko-KR" altLang="en-US" sz="1000" b="0" cap="none" dirty="0" smtClean="0">
               <a:solidFill>
                 <a:srgbClr val="000000"/>
               </a:solidFill>
@@ -8001,11 +8162,13 @@
           <p:nvPr/>
         </p:nvSpPr>
         <p:spPr>
-          <a:xfrm rot="0">
+          <a:xfrm>
             <a:off x="4555490" y="3216275"/>
             <a:ext cx="1075055" cy="342900"/>
           </a:xfrm>
-          <a:prstGeom prst="roundRect"/>
+          <a:prstGeom prst="roundRect">
+            <a:avLst/>
+          </a:prstGeom>
         </p:spPr>
         <p:style>
           <a:lnRef idx="2">
@@ -8022,12 +8185,12 @@
           </a:fontRef>
         </p:style>
         <p:txBody>
-          <a:bodyPr wrap="square" lIns="91440" tIns="45720" rIns="91440" bIns="45720" vert="horz" anchor="ctr">
+          <a:bodyPr vert="horz" wrap="square" lIns="91440" tIns="45720" rIns="91440" bIns="45720" anchor="ctr">
             <a:noAutofit/>
           </a:bodyPr>
           <a:lstStyle/>
           <a:p>
-            <a:pPr marL="0" indent="0" algn="ctr" fontAlgn="auto" defTabSz="914400" eaLnBrk="0">
+            <a:pPr marL="0" indent="0" algn="ctr" defTabSz="914400" eaLnBrk="0" fontAlgn="auto">
               <a:lnSpc>
                 <a:spcPct val="100000"/>
               </a:lnSpc>
@@ -8041,7 +8204,7 @@
               <a:buNone/>
             </a:pPr>
             <a:r>
-              <a:rPr lang="en-US" altLang="ko-KR" sz="1000" cap="none" dirty="0" smtClean="0" b="1">
+              <a:rPr lang="en-US" altLang="ko-KR" sz="1000" b="1" cap="none" dirty="0" smtClean="0">
                 <a:solidFill>
                   <a:srgbClr val="9BBB59"/>
                 </a:solidFill>
@@ -8050,7 +8213,7 @@
               </a:rPr>
               <a:t>@회원</a:t>
             </a:r>
-            <a:endParaRPr lang="ko-KR" altLang="en-US" sz="1000" cap="none" dirty="0" smtClean="0" b="1">
+            <a:endParaRPr lang="ko-KR" altLang="en-US" sz="1000" b="1" cap="none" dirty="0" smtClean="0">
               <a:solidFill>
                 <a:srgbClr val="9BBB59"/>
               </a:solidFill>
@@ -8069,11 +8232,13 @@
           <p:nvPr/>
         </p:nvSpPr>
         <p:spPr>
-          <a:xfrm rot="0">
+          <a:xfrm>
             <a:off x="2794000" y="3219450"/>
             <a:ext cx="1075055" cy="342900"/>
           </a:xfrm>
-          <a:prstGeom prst="roundRect"/>
+          <a:prstGeom prst="roundRect">
+            <a:avLst/>
+          </a:prstGeom>
         </p:spPr>
         <p:style>
           <a:lnRef idx="2">
@@ -8090,12 +8255,12 @@
           </a:fontRef>
         </p:style>
         <p:txBody>
-          <a:bodyPr wrap="square" lIns="91440" tIns="45720" rIns="91440" bIns="45720" vert="horz" anchor="ctr">
+          <a:bodyPr vert="horz" wrap="square" lIns="91440" tIns="45720" rIns="91440" bIns="45720" anchor="ctr">
             <a:noAutofit/>
           </a:bodyPr>
           <a:lstStyle/>
           <a:p>
-            <a:pPr marL="0" indent="0" algn="ctr" fontAlgn="auto" defTabSz="914400" eaLnBrk="0">
+            <a:pPr marL="0" indent="0" algn="ctr" defTabSz="914400" eaLnBrk="0" fontAlgn="auto">
               <a:lnSpc>
                 <a:spcPct val="100000"/>
               </a:lnSpc>
@@ -8109,7 +8274,7 @@
               <a:buNone/>
             </a:pPr>
             <a:r>
-              <a:rPr lang="en-US" altLang="ko-KR" sz="1000" cap="none" dirty="0" smtClean="0" b="0">
+              <a:rPr lang="en-US" altLang="ko-KR" sz="1000" b="0" cap="none" dirty="0" smtClean="0">
                 <a:solidFill>
                   <a:srgbClr val="000000"/>
                 </a:solidFill>
@@ -8118,7 +8283,7 @@
               </a:rPr>
               <a:t>입력</a:t>
             </a:r>
-            <a:endParaRPr lang="ko-KR" altLang="en-US" sz="1000" cap="none" dirty="0" smtClean="0" b="0">
+            <a:endParaRPr lang="ko-KR" altLang="en-US" sz="1000" b="0" cap="none" dirty="0" smtClean="0">
               <a:solidFill>
                 <a:srgbClr val="000000"/>
               </a:solidFill>
@@ -8137,11 +8302,13 @@
           <p:nvPr/>
         </p:nvSpPr>
         <p:spPr>
-          <a:xfrm rot="0">
+          <a:xfrm>
             <a:off x="1574800" y="4127500"/>
             <a:ext cx="1075055" cy="342900"/>
           </a:xfrm>
-          <a:prstGeom prst="roundRect"/>
+          <a:prstGeom prst="roundRect">
+            <a:avLst/>
+          </a:prstGeom>
         </p:spPr>
         <p:style>
           <a:lnRef idx="2">
@@ -8158,12 +8325,12 @@
           </a:fontRef>
         </p:style>
         <p:txBody>
-          <a:bodyPr wrap="square" lIns="91440" tIns="45720" rIns="91440" bIns="45720" vert="horz" anchor="ctr">
+          <a:bodyPr vert="horz" wrap="square" lIns="91440" tIns="45720" rIns="91440" bIns="45720" anchor="ctr">
             <a:noAutofit/>
           </a:bodyPr>
           <a:lstStyle/>
           <a:p>
-            <a:pPr marL="0" indent="0" algn="ctr" fontAlgn="auto" defTabSz="914400" eaLnBrk="0">
+            <a:pPr marL="0" indent="0" algn="ctr" defTabSz="914400" eaLnBrk="0" fontAlgn="auto">
               <a:lnSpc>
                 <a:spcPct val="100000"/>
               </a:lnSpc>
@@ -8177,7 +8344,7 @@
               <a:buNone/>
             </a:pPr>
             <a:r>
-              <a:rPr lang="en-US" altLang="ko-KR" sz="1000" cap="none" dirty="0" smtClean="0" b="1">
+              <a:rPr lang="en-US" altLang="ko-KR" sz="1000" b="1" cap="none" dirty="0" smtClean="0">
                 <a:solidFill>
                   <a:srgbClr val="EE6B58"/>
                 </a:solidFill>
@@ -8186,7 +8353,7 @@
               </a:rPr>
               <a:t>취소()</a:t>
             </a:r>
-            <a:endParaRPr lang="ko-KR" altLang="en-US" sz="1000" cap="none" dirty="0" smtClean="0" b="1">
+            <a:endParaRPr lang="ko-KR" altLang="en-US" sz="1000" b="1" cap="none" dirty="0" smtClean="0">
               <a:solidFill>
                 <a:srgbClr val="EE6B58"/>
               </a:solidFill>
@@ -8205,11 +8372,13 @@
           <p:nvPr/>
         </p:nvSpPr>
         <p:spPr>
-          <a:xfrm rot="0">
+          <a:xfrm>
             <a:off x="2800350" y="4565650"/>
             <a:ext cx="1075055" cy="342900"/>
           </a:xfrm>
-          <a:prstGeom prst="roundRect"/>
+          <a:prstGeom prst="roundRect">
+            <a:avLst/>
+          </a:prstGeom>
         </p:spPr>
         <p:style>
           <a:lnRef idx="2">
@@ -8226,12 +8395,12 @@
           </a:fontRef>
         </p:style>
         <p:txBody>
-          <a:bodyPr wrap="square" lIns="91440" tIns="45720" rIns="91440" bIns="45720" vert="horz" anchor="ctr">
+          <a:bodyPr vert="horz" wrap="square" lIns="91440" tIns="45720" rIns="91440" bIns="45720" anchor="ctr">
             <a:noAutofit/>
           </a:bodyPr>
           <a:lstStyle/>
           <a:p>
-            <a:pPr marL="0" indent="0" algn="ctr" fontAlgn="auto" defTabSz="914400" eaLnBrk="0">
+            <a:pPr marL="0" indent="0" algn="ctr" defTabSz="914400" eaLnBrk="0" fontAlgn="auto">
               <a:lnSpc>
                 <a:spcPct val="100000"/>
               </a:lnSpc>
@@ -8245,7 +8414,7 @@
               <a:buNone/>
             </a:pPr>
             <a:r>
-              <a:rPr lang="en-US" altLang="ko-KR" sz="1000" cap="none" dirty="0" smtClean="0" b="0">
+              <a:rPr lang="en-US" altLang="ko-KR" sz="1000" b="0" cap="none" dirty="0" smtClean="0">
                 <a:solidFill>
                   <a:srgbClr val="000000"/>
                 </a:solidFill>
@@ -8254,7 +8423,7 @@
               </a:rPr>
               <a:t>결과출력</a:t>
             </a:r>
-            <a:endParaRPr lang="ko-KR" altLang="en-US" sz="1000" cap="none" dirty="0" smtClean="0" b="0">
+            <a:endParaRPr lang="ko-KR" altLang="en-US" sz="1000" b="0" cap="none" dirty="0" smtClean="0">
               <a:solidFill>
                 <a:srgbClr val="000000"/>
               </a:solidFill>
@@ -8273,11 +8442,13 @@
           <p:nvPr/>
         </p:nvSpPr>
         <p:spPr>
-          <a:xfrm rot="0">
+          <a:xfrm>
             <a:off x="2844800" y="723900"/>
             <a:ext cx="1075055" cy="342900"/>
           </a:xfrm>
-          <a:prstGeom prst="roundRect"/>
+          <a:prstGeom prst="roundRect">
+            <a:avLst/>
+          </a:prstGeom>
         </p:spPr>
         <p:style>
           <a:lnRef idx="2">
@@ -8294,12 +8465,12 @@
           </a:fontRef>
         </p:style>
         <p:txBody>
-          <a:bodyPr wrap="square" lIns="91440" tIns="45720" rIns="91440" bIns="45720" vert="horz" anchor="ctr">
+          <a:bodyPr vert="horz" wrap="square" lIns="91440" tIns="45720" rIns="91440" bIns="45720" anchor="ctr">
             <a:noAutofit/>
           </a:bodyPr>
           <a:lstStyle/>
           <a:p>
-            <a:pPr marL="0" indent="0" algn="ctr" fontAlgn="auto" defTabSz="914400" eaLnBrk="0">
+            <a:pPr marL="0" indent="0" algn="ctr" defTabSz="914400" eaLnBrk="0" fontAlgn="auto">
               <a:lnSpc>
                 <a:spcPct val="100000"/>
               </a:lnSpc>
@@ -8313,7 +8484,7 @@
               <a:buNone/>
             </a:pPr>
             <a:r>
-              <a:rPr lang="en-US" altLang="ko-KR" sz="1000" cap="none" dirty="0" smtClean="0" b="1">
+              <a:rPr lang="en-US" altLang="ko-KR" sz="1000" b="1" cap="none" dirty="0" smtClean="0">
                 <a:solidFill>
                   <a:srgbClr val="EE6B58"/>
                 </a:solidFill>
@@ -8322,7 +8493,7 @@
               </a:rPr>
               <a:t>회원체크()</a:t>
             </a:r>
-            <a:endParaRPr lang="ko-KR" altLang="en-US" sz="1000" cap="none" dirty="0" smtClean="0" b="1">
+            <a:endParaRPr lang="ko-KR" altLang="en-US" sz="1000" b="1" cap="none" dirty="0" smtClean="0">
               <a:solidFill>
                 <a:srgbClr val="EE6B58"/>
               </a:solidFill>
@@ -8341,11 +8512,13 @@
           <p:nvPr/>
         </p:nvSpPr>
         <p:spPr>
-          <a:xfrm rot="0">
+          <a:xfrm>
             <a:off x="8180705" y="495300"/>
             <a:ext cx="908050" cy="127635"/>
           </a:xfrm>
-          <a:prstGeom prst="leftArrow"/>
+          <a:prstGeom prst="leftArrow">
+            <a:avLst/>
+          </a:prstGeom>
           <a:solidFill>
             <a:srgbClr val="A2D1FF"/>
           </a:solidFill>
@@ -8371,12 +8544,12 @@
           </a:fontRef>
         </p:style>
         <p:txBody>
-          <a:bodyPr wrap="square" lIns="91440" tIns="45720" rIns="91440" bIns="45720" vert="horz" anchor="ctr">
+          <a:bodyPr vert="horz" wrap="square" lIns="91440" tIns="45720" rIns="91440" bIns="45720" anchor="ctr">
             <a:noAutofit/>
           </a:bodyPr>
           <a:lstStyle/>
           <a:p>
-            <a:pPr marL="0" indent="0" algn="ctr" fontAlgn="auto" defTabSz="508000">
+            <a:pPr marL="0" indent="0" algn="ctr" defTabSz="508000" fontAlgn="auto">
               <a:lnSpc>
                 <a:spcPct val="100000"/>
               </a:lnSpc>
@@ -8389,7 +8562,7 @@
               <a:buFontTx/>
               <a:buNone/>
             </a:pPr>
-            <a:endParaRPr lang="ko-KR" altLang="en-US" sz="1800" cap="none" dirty="0" smtClean="0" b="0">
+            <a:endParaRPr lang="ko-KR" altLang="en-US" sz="1800" b="0" cap="none" dirty="0" smtClean="0">
               <a:latin typeface="맑은 고딕" charset="0"/>
               <a:ea typeface="맑은 고딕" charset="0"/>
             </a:endParaRPr>
@@ -8405,11 +8578,13 @@
           <p:nvPr/>
         </p:nvSpPr>
         <p:spPr>
-          <a:xfrm rot="0">
+          <a:xfrm>
             <a:off x="7818754" y="844550"/>
             <a:ext cx="1268095" cy="127635"/>
           </a:xfrm>
-          <a:prstGeom prst="leftArrow"/>
+          <a:prstGeom prst="leftArrow">
+            <a:avLst/>
+          </a:prstGeom>
           <a:solidFill>
             <a:srgbClr val="9BBB59"/>
           </a:solidFill>
@@ -8435,12 +8610,12 @@
           </a:fontRef>
         </p:style>
         <p:txBody>
-          <a:bodyPr wrap="square" lIns="91440" tIns="45720" rIns="91440" bIns="45720" vert="horz" anchor="ctr">
+          <a:bodyPr vert="horz" wrap="square" lIns="91440" tIns="45720" rIns="91440" bIns="45720" anchor="ctr">
             <a:noAutofit/>
           </a:bodyPr>
           <a:lstStyle/>
           <a:p>
-            <a:pPr marL="0" indent="0" algn="ctr" fontAlgn="auto" defTabSz="508000">
+            <a:pPr marL="0" indent="0" algn="ctr" defTabSz="508000" fontAlgn="auto">
               <a:lnSpc>
                 <a:spcPct val="100000"/>
               </a:lnSpc>
@@ -8453,7 +8628,7 @@
               <a:buFontTx/>
               <a:buNone/>
             </a:pPr>
-            <a:endParaRPr lang="ko-KR" altLang="en-US" sz="1800" cap="none" dirty="0" smtClean="0" b="0">
+            <a:endParaRPr lang="ko-KR" altLang="en-US" sz="1800" b="0" cap="none" dirty="0" smtClean="0">
               <a:latin typeface="맑은 고딕" charset="0"/>
               <a:ea typeface="맑은 고딕" charset="0"/>
             </a:endParaRPr>
@@ -8469,11 +8644,13 @@
           <p:nvPr/>
         </p:nvSpPr>
         <p:spPr>
-          <a:xfrm rot="0">
+          <a:xfrm>
             <a:off x="7461250" y="1187450"/>
             <a:ext cx="1626235" cy="127635"/>
           </a:xfrm>
-          <a:prstGeom prst="leftArrow"/>
+          <a:prstGeom prst="leftArrow">
+            <a:avLst/>
+          </a:prstGeom>
           <a:solidFill>
             <a:srgbClr val="EE6B58"/>
           </a:solidFill>
@@ -8499,12 +8676,12 @@
           </a:fontRef>
         </p:style>
         <p:txBody>
-          <a:bodyPr wrap="square" lIns="91440" tIns="45720" rIns="91440" bIns="45720" vert="horz" anchor="ctr">
+          <a:bodyPr vert="horz" wrap="square" lIns="91440" tIns="45720" rIns="91440" bIns="45720" anchor="ctr">
             <a:noAutofit/>
           </a:bodyPr>
           <a:lstStyle/>
           <a:p>
-            <a:pPr marL="0" indent="0" algn="ctr" fontAlgn="auto" defTabSz="508000">
+            <a:pPr marL="0" indent="0" algn="ctr" defTabSz="508000" fontAlgn="auto">
               <a:lnSpc>
                 <a:spcPct val="100000"/>
               </a:lnSpc>
@@ -8517,7 +8694,7 @@
               <a:buFontTx/>
               <a:buNone/>
             </a:pPr>
-            <a:endParaRPr lang="ko-KR" altLang="en-US" sz="1800" cap="none" dirty="0" smtClean="0" b="0">
+            <a:endParaRPr lang="ko-KR" altLang="en-US" sz="1800" b="0" cap="none" dirty="0" smtClean="0">
               <a:solidFill>
                 <a:srgbClr val="EE6B58"/>
               </a:solidFill>
@@ -8531,27 +8708,29 @@
         <p:nvSpPr>
           <p:cNvPr id="64" name="텍스트 개체 틀 63"/>
           <p:cNvSpPr txBox="1">
-            <a:spLocks/>
+            <a:spLocks noGrp="1"/>
           </p:cNvSpPr>
           <p:nvPr>
             <p:ph type="title" idx="2"/>
           </p:nvPr>
         </p:nvSpPr>
         <p:spPr>
-          <a:xfrm rot="0">
+          <a:xfrm>
             <a:off x="7410450" y="203200"/>
             <a:ext cx="1677035" cy="316865"/>
           </a:xfrm>
-          <a:prstGeom prst="rect"/>
+          <a:prstGeom prst="rect">
+            <a:avLst/>
+          </a:prstGeom>
           <a:noFill/>
         </p:spPr>
         <p:txBody>
-          <a:bodyPr wrap="square" lIns="91440" tIns="45720" rIns="91440" bIns="45720" vert="horz" anchor="ctr">
-            <a:normAutofit fontScale="90000" lnSpcReduction="0"/>
+          <a:bodyPr vert="horz" wrap="square" lIns="91440" tIns="45720" rIns="91440" bIns="45720" anchor="ctr">
+            <a:normAutofit fontScale="90000"/>
           </a:bodyPr>
           <a:lstStyle/>
           <a:p>
-            <a:pPr marL="0" indent="0" algn="r" fontAlgn="auto" defTabSz="508000">
+            <a:pPr marL="0" indent="0" algn="r" defTabSz="508000" fontAlgn="auto">
               <a:lnSpc>
                 <a:spcPct val="100000"/>
               </a:lnSpc>
@@ -8565,7 +8744,7 @@
               <a:buNone/>
             </a:pPr>
             <a:r>
-              <a:rPr lang="en-US" altLang="ko-KR" sz="2000" cap="none" dirty="0" smtClean="0" b="1">
+              <a:rPr lang="en-US" altLang="ko-KR" sz="2000" b="1" cap="none" dirty="0" smtClean="0">
                 <a:solidFill>
                   <a:srgbClr val="A2D1FF"/>
                 </a:solidFill>
@@ -8574,7 +8753,7 @@
               </a:rPr>
               <a:t>View</a:t>
             </a:r>
-            <a:endParaRPr lang="ko-KR" altLang="en-US" sz="2000" cap="none" dirty="0" smtClean="0" b="1">
+            <a:endParaRPr lang="ko-KR" altLang="en-US" sz="2000" b="1" cap="none" dirty="0" smtClean="0">
               <a:solidFill>
                 <a:srgbClr val="A2D1FF"/>
               </a:solidFill>
@@ -8588,27 +8767,29 @@
         <p:nvSpPr>
           <p:cNvPr id="65" name="텍스트 개체 틀 64"/>
           <p:cNvSpPr txBox="1">
-            <a:spLocks/>
+            <a:spLocks noGrp="1"/>
           </p:cNvSpPr>
           <p:nvPr>
             <p:ph type="title" idx="3"/>
           </p:nvPr>
         </p:nvSpPr>
         <p:spPr>
-          <a:xfrm rot="0">
+          <a:xfrm>
             <a:off x="7423150" y="552450"/>
             <a:ext cx="1664335" cy="316865"/>
           </a:xfrm>
-          <a:prstGeom prst="rect"/>
+          <a:prstGeom prst="rect">
+            <a:avLst/>
+          </a:prstGeom>
           <a:noFill/>
         </p:spPr>
         <p:txBody>
-          <a:bodyPr wrap="square" lIns="91440" tIns="45720" rIns="91440" bIns="45720" vert="horz" anchor="ctr">
-            <a:normAutofit fontScale="90000" lnSpcReduction="0"/>
+          <a:bodyPr vert="horz" wrap="square" lIns="91440" tIns="45720" rIns="91440" bIns="45720" anchor="ctr">
+            <a:normAutofit fontScale="90000"/>
           </a:bodyPr>
           <a:lstStyle/>
           <a:p>
-            <a:pPr marL="0" indent="0" algn="r" fontAlgn="auto" defTabSz="508000">
+            <a:pPr marL="0" indent="0" algn="r" defTabSz="508000" fontAlgn="auto">
               <a:lnSpc>
                 <a:spcPct val="100000"/>
               </a:lnSpc>
@@ -8622,7 +8803,7 @@
               <a:buNone/>
             </a:pPr>
             <a:r>
-              <a:rPr lang="en-US" altLang="ko-KR" sz="2000" cap="none" dirty="0" smtClean="0" b="1">
+              <a:rPr lang="en-US" altLang="ko-KR" sz="2000" b="1" cap="none" dirty="0" smtClean="0">
                 <a:solidFill>
                   <a:srgbClr val="9BBB59"/>
                 </a:solidFill>
@@ -8631,7 +8812,7 @@
               </a:rPr>
               <a:t>Service</a:t>
             </a:r>
-            <a:endParaRPr lang="ko-KR" altLang="en-US" sz="2000" cap="none" dirty="0" smtClean="0" b="1">
+            <a:endParaRPr lang="ko-KR" altLang="en-US" sz="2000" b="1" cap="none" dirty="0" smtClean="0">
               <a:solidFill>
                 <a:srgbClr val="9BBB59"/>
               </a:solidFill>
@@ -8645,27 +8826,29 @@
         <p:nvSpPr>
           <p:cNvPr id="66" name="텍스트 개체 틀 65"/>
           <p:cNvSpPr txBox="1">
-            <a:spLocks/>
+            <a:spLocks noGrp="1"/>
           </p:cNvSpPr>
           <p:nvPr>
             <p:ph type="title" idx="4"/>
           </p:nvPr>
         </p:nvSpPr>
         <p:spPr>
-          <a:xfrm rot="0">
+          <a:xfrm>
             <a:off x="7410450" y="895350"/>
             <a:ext cx="1677035" cy="316865"/>
           </a:xfrm>
-          <a:prstGeom prst="rect"/>
+          <a:prstGeom prst="rect">
+            <a:avLst/>
+          </a:prstGeom>
           <a:noFill/>
         </p:spPr>
         <p:txBody>
-          <a:bodyPr wrap="square" lIns="91440" tIns="45720" rIns="91440" bIns="45720" vert="horz" anchor="ctr">
-            <a:normAutofit fontScale="90000" lnSpcReduction="0"/>
+          <a:bodyPr vert="horz" wrap="square" lIns="91440" tIns="45720" rIns="91440" bIns="45720" anchor="ctr">
+            <a:normAutofit fontScale="90000"/>
           </a:bodyPr>
           <a:lstStyle/>
           <a:p>
-            <a:pPr marL="0" indent="0" algn="r" fontAlgn="auto" defTabSz="508000">
+            <a:pPr marL="0" indent="0" algn="r" defTabSz="508000" fontAlgn="auto">
               <a:lnSpc>
                 <a:spcPct val="100000"/>
               </a:lnSpc>
@@ -8679,7 +8862,7 @@
               <a:buNone/>
             </a:pPr>
             <a:r>
-              <a:rPr lang="en-US" altLang="ko-KR" sz="2000" cap="none" dirty="0" smtClean="0" b="1">
+              <a:rPr lang="en-US" altLang="ko-KR" sz="2000" b="1" cap="none" dirty="0" smtClean="0">
                 <a:solidFill>
                   <a:srgbClr val="EE6B58"/>
                 </a:solidFill>
@@ -8688,7 +8871,7 @@
               </a:rPr>
               <a:t>Datavace</a:t>
             </a:r>
-            <a:endParaRPr lang="ko-KR" altLang="en-US" sz="2000" cap="none" dirty="0" smtClean="0" b="1">
+            <a:endParaRPr lang="ko-KR" altLang="en-US" sz="2000" b="1" cap="none" dirty="0" smtClean="0">
               <a:solidFill>
                 <a:srgbClr val="EE6B58"/>
               </a:solidFill>
@@ -8703,13 +8886,13 @@
   <p:clrMapOvr>
     <a:masterClrMapping/>
   </p:clrMapOvr>
-  <mc:AlternateContent xmlns:mc="http://schemas.openxmlformats.org/markup-compatibility/2006">
-    <mc:Choice xmlns:p14="http://schemas.microsoft.com/office/powerpoint/2010/main" Requires="p14">
-      <p:transition spd="slow" p14:dur="700">
+  <mc:AlternateContent xmlns:mc="http://schemas.openxmlformats.org/markup-compatibility/2006" xmlns:p14="http://schemas.microsoft.com/office/powerpoint/2010/main">
+    <mc:Choice Requires="p14">
+      <p:transition spd="med" p14:dur="700">
         <p:fade/>
       </p:transition>
     </mc:Choice>
-    <mc:Fallback>
+    <mc:Fallback xmlns="">
       <p:transition spd="slow">
         <p:fade/>
       </p:transition>
@@ -8759,12 +8942,12 @@
           </a:xfrm>
         </p:spPr>
         <p:txBody>
-          <a:bodyPr wrap="square" lIns="91440" tIns="45720" rIns="91440" bIns="45720" numCol="1" vert="horz" anchor="ctr">
-            <a:normAutofit fontScale="90000" lnSpcReduction="0"/>
+          <a:bodyPr vert="horz" wrap="square" lIns="91440" tIns="45720" rIns="91440" bIns="45720" numCol="1" anchor="ctr">
+            <a:normAutofit fontScale="90000"/>
           </a:bodyPr>
           <a:lstStyle/>
           <a:p>
-            <a:pPr marL="0" indent="0" algn="l" fontAlgn="auto" defTabSz="914400">
+            <a:pPr marL="0" indent="0" algn="l" defTabSz="914400" fontAlgn="auto">
               <a:lnSpc>
                 <a:spcPct val="100000"/>
               </a:lnSpc>
@@ -8778,7 +8961,7 @@
               <a:buNone/>
             </a:pPr>
             <a:r>
-              <a:rPr lang="en-US" altLang="ko-KR" sz="2000" cap="none" dirty="0" smtClean="0" b="1">
+              <a:rPr lang="en-US" altLang="ko-KR" sz="2000" b="1" cap="none" dirty="0" smtClean="0">
                 <a:solidFill>
                   <a:schemeClr val="tx2">
                     <a:lumMod val="60000"/>
@@ -8790,7 +8973,7 @@
               </a:rPr>
               <a:t>FlowChart</a:t>
             </a:r>
-            <a:endParaRPr lang="ko-KR" altLang="en-US" sz="2000" cap="none" dirty="0" smtClean="0" b="1">
+            <a:endParaRPr lang="ko-KR" altLang="en-US" sz="2000" b="1" cap="none" dirty="0" smtClean="0">
               <a:solidFill>
                 <a:schemeClr val="tx2">
                   <a:lumMod val="60000"/>
@@ -8812,11 +8995,13 @@
           <p:nvPr/>
         </p:nvSpPr>
         <p:spPr>
-          <a:xfrm rot="0">
+          <a:xfrm>
             <a:off x="387985" y="2261870"/>
             <a:ext cx="2705100" cy="2456815"/>
           </a:xfrm>
-          <a:prstGeom prst="rect"/>
+          <a:prstGeom prst="rect">
+            <a:avLst/>
+          </a:prstGeom>
           <a:noFill/>
           <a:ln w="57150" cap="flat" cmpd="sng">
             <a:solidFill>
@@ -8844,12 +9029,12 @@
           </a:fontRef>
         </p:style>
         <p:txBody>
-          <a:bodyPr wrap="square" lIns="91440" tIns="45720" rIns="91440" bIns="45720" vert="horz" anchor="ctr">
+          <a:bodyPr vert="horz" wrap="square" lIns="91440" tIns="45720" rIns="91440" bIns="45720" anchor="ctr">
             <a:noAutofit/>
           </a:bodyPr>
           <a:lstStyle/>
           <a:p>
-            <a:pPr marL="0" indent="0" algn="ctr" fontAlgn="auto" defTabSz="914400" eaLnBrk="0">
+            <a:pPr marL="0" indent="0" algn="ctr" defTabSz="914400" eaLnBrk="0" fontAlgn="auto">
               <a:lnSpc>
                 <a:spcPct val="100000"/>
               </a:lnSpc>
@@ -8862,7 +9047,7 @@
               <a:buFontTx/>
               <a:buNone/>
             </a:pPr>
-            <a:endParaRPr lang="ko-KR" altLang="en-US" sz="1800" cap="none" dirty="0" smtClean="0" b="0">
+            <a:endParaRPr lang="ko-KR" altLang="en-US" sz="1800" b="0" cap="none" dirty="0" smtClean="0">
               <a:solidFill>
                 <a:srgbClr val="FFFFFF"/>
               </a:solidFill>
@@ -8881,11 +9066,13 @@
           <p:nvPr/>
         </p:nvSpPr>
         <p:spPr>
-          <a:xfrm rot="0">
+          <a:xfrm>
             <a:off x="478155" y="2443480"/>
             <a:ext cx="2668270" cy="281305"/>
           </a:xfrm>
-          <a:prstGeom prst="rect"/>
+          <a:prstGeom prst="rect">
+            <a:avLst/>
+          </a:prstGeom>
           <a:noFill/>
           <a:ln w="0">
             <a:noFill/>
@@ -8893,12 +9080,12 @@
           </a:ln>
         </p:spPr>
         <p:txBody>
-          <a:bodyPr wrap="square" lIns="91440" tIns="45720" rIns="91440" bIns="45720" vert="horz" anchor="t">
+          <a:bodyPr vert="horz" wrap="square" lIns="91440" tIns="45720" rIns="91440" bIns="45720" anchor="t">
             <a:noAutofit/>
           </a:bodyPr>
           <a:lstStyle/>
           <a:p>
-            <a:pPr marL="109220" indent="0" algn="l" fontAlgn="auto" defTabSz="914400" eaLnBrk="0">
+            <a:pPr marL="109220" indent="0" algn="l" defTabSz="914400" eaLnBrk="0" fontAlgn="auto">
               <a:lnSpc>
                 <a:spcPct val="102000"/>
               </a:lnSpc>
@@ -8912,7 +9099,7 @@
               <a:buNone/>
             </a:pPr>
             <a:r>
-              <a:rPr lang="en-US" altLang="ko-KR" sz="1600" cap="none" dirty="0" smtClean="0" b="1">
+              <a:rPr lang="en-US" altLang="ko-KR" sz="1600" b="1" cap="none" dirty="0" smtClean="0">
                 <a:solidFill>
                   <a:srgbClr val="00B0F0"/>
                 </a:solidFill>
@@ -8921,7 +9108,7 @@
               </a:rPr>
               <a:t>View.Class</a:t>
             </a:r>
-            <a:endParaRPr lang="ko-KR" altLang="en-US" sz="1600" cap="none" dirty="0" smtClean="0" b="1">
+            <a:endParaRPr lang="ko-KR" altLang="en-US" sz="1600" b="1" cap="none" dirty="0" smtClean="0">
               <a:solidFill>
                 <a:srgbClr val="00B0F0"/>
               </a:solidFill>
@@ -8940,23 +9127,25 @@
           <p:nvPr/>
         </p:nvSpPr>
         <p:spPr>
-          <a:xfrm rot="0">
+          <a:xfrm>
             <a:off x="621665" y="2784475"/>
             <a:ext cx="2493010" cy="1518285"/>
           </a:xfrm>
-          <a:prstGeom prst="rect"/>
+          <a:prstGeom prst="rect">
+            <a:avLst/>
+          </a:prstGeom>
           <a:ln w="0">
             <a:noFill/>
             <a:prstDash/>
           </a:ln>
         </p:spPr>
         <p:txBody>
-          <a:bodyPr wrap="square" lIns="91440" tIns="45720" rIns="91440" bIns="45720" vert="horz" anchor="t">
+          <a:bodyPr vert="horz" wrap="square" lIns="91440" tIns="45720" rIns="91440" bIns="45720" anchor="t">
             <a:noAutofit/>
           </a:bodyPr>
           <a:lstStyle/>
           <a:p>
-            <a:pPr marL="0" indent="0" algn="l" fontAlgn="auto" defTabSz="914400" eaLnBrk="0">
+            <a:pPr marL="0" indent="0" algn="l" defTabSz="914400" eaLnBrk="0" fontAlgn="auto">
               <a:lnSpc>
                 <a:spcPct val="102000"/>
               </a:lnSpc>
@@ -8970,7 +9159,7 @@
               <a:buNone/>
             </a:pPr>
             <a:r>
-              <a:rPr lang="en-US" altLang="ko-KR" sz="1600" cap="none" dirty="0" smtClean="0" b="1">
+              <a:rPr lang="en-US" altLang="ko-KR" sz="1600" b="1" cap="none" dirty="0" smtClean="0">
                 <a:solidFill>
                   <a:srgbClr val="4F81BD"/>
                 </a:solidFill>
@@ -8979,7 +9168,7 @@
               </a:rPr>
               <a:t>Void calc(){</a:t>
             </a:r>
-            <a:endParaRPr lang="ko-KR" altLang="en-US" sz="1600" cap="none" dirty="0" smtClean="0" b="1">
+            <a:endParaRPr lang="ko-KR" altLang="en-US" sz="1600" b="1" cap="none" dirty="0" smtClean="0">
               <a:solidFill>
                 <a:srgbClr val="4F81BD"/>
               </a:solidFill>
@@ -8988,7 +9177,7 @@
             </a:endParaRPr>
           </a:p>
           <a:p>
-            <a:pPr marL="0" indent="0" algn="l" fontAlgn="auto" defTabSz="914400" eaLnBrk="0">
+            <a:pPr marL="0" indent="0" algn="l" defTabSz="914400" eaLnBrk="0" fontAlgn="auto">
               <a:lnSpc>
                 <a:spcPct val="102000"/>
               </a:lnSpc>
@@ -9002,7 +9191,7 @@
               <a:buNone/>
             </a:pPr>
             <a:r>
-              <a:rPr lang="en-US" altLang="ko-KR" sz="1600" cap="none" dirty="0" smtClean="0" b="1">
+              <a:rPr lang="en-US" altLang="ko-KR" sz="1600" b="1" cap="none" dirty="0" smtClean="0">
                 <a:solidFill>
                   <a:srgbClr val="4F81BD"/>
                 </a:solidFill>
@@ -9011,7 +9200,7 @@
               </a:rPr>
               <a:t>	System.out()</a:t>
             </a:r>
-            <a:endParaRPr lang="ko-KR" altLang="en-US" sz="1600" cap="none" dirty="0" smtClean="0" b="1">
+            <a:endParaRPr lang="ko-KR" altLang="en-US" sz="1600" b="1" cap="none" dirty="0" smtClean="0">
               <a:solidFill>
                 <a:srgbClr val="4F81BD"/>
               </a:solidFill>
@@ -9020,7 +9209,7 @@
             </a:endParaRPr>
           </a:p>
           <a:p>
-            <a:pPr marL="0" indent="0" algn="l" fontAlgn="auto" defTabSz="914400" eaLnBrk="0">
+            <a:pPr marL="0" indent="0" algn="l" defTabSz="914400" eaLnBrk="0" fontAlgn="auto">
               <a:lnSpc>
                 <a:spcPct val="102000"/>
               </a:lnSpc>
@@ -9034,7 +9223,7 @@
               <a:buNone/>
             </a:pPr>
             <a:r>
-              <a:rPr lang="en-US" altLang="ko-KR" sz="3200" cap="none" dirty="0" smtClean="0" b="1">
+              <a:rPr lang="en-US" altLang="ko-KR" sz="3200" b="1" cap="none" dirty="0" smtClean="0">
                 <a:solidFill>
                   <a:srgbClr val="4F81BD"/>
                 </a:solidFill>
@@ -9043,7 +9232,7 @@
               </a:rPr>
               <a:t>출력</a:t>
             </a:r>
-            <a:endParaRPr lang="ko-KR" altLang="en-US" sz="3200" cap="none" dirty="0" smtClean="0" b="1">
+            <a:endParaRPr lang="ko-KR" altLang="en-US" sz="3200" b="1" cap="none" dirty="0" smtClean="0">
               <a:solidFill>
                 <a:srgbClr val="4F81BD"/>
               </a:solidFill>
@@ -9052,7 +9241,7 @@
             </a:endParaRPr>
           </a:p>
           <a:p>
-            <a:pPr marL="0" indent="0" algn="l" fontAlgn="auto" defTabSz="914400" eaLnBrk="0">
+            <a:pPr marL="0" indent="0" algn="l" defTabSz="914400" eaLnBrk="0" fontAlgn="auto">
               <a:lnSpc>
                 <a:spcPct val="102000"/>
               </a:lnSpc>
@@ -9066,7 +9255,7 @@
               <a:buNone/>
             </a:pPr>
             <a:r>
-              <a:rPr lang="en-US" altLang="ko-KR" sz="1600" cap="none" dirty="0" smtClean="0" b="1">
+              <a:rPr lang="en-US" altLang="ko-KR" sz="1600" b="1" cap="none" dirty="0" smtClean="0">
                 <a:solidFill>
                   <a:srgbClr val="4F81BD"/>
                 </a:solidFill>
@@ -9075,7 +9264,7 @@
               </a:rPr>
               <a:t>}</a:t>
             </a:r>
-            <a:endParaRPr lang="ko-KR" altLang="en-US" sz="1600" cap="none" dirty="0" smtClean="0" b="1">
+            <a:endParaRPr lang="ko-KR" altLang="en-US" sz="1600" b="1" cap="none" dirty="0" smtClean="0">
               <a:solidFill>
                 <a:srgbClr val="4F81BD"/>
               </a:solidFill>
@@ -9094,11 +9283,13 @@
           <p:nvPr/>
         </p:nvSpPr>
         <p:spPr>
-          <a:xfrm rot="0">
+          <a:xfrm>
             <a:off x="3283585" y="2261870"/>
             <a:ext cx="2705100" cy="2456815"/>
           </a:xfrm>
-          <a:prstGeom prst="rect"/>
+          <a:prstGeom prst="rect">
+            <a:avLst/>
+          </a:prstGeom>
           <a:noFill/>
           <a:ln w="57150" cap="flat" cmpd="sng">
             <a:solidFill>
@@ -9126,12 +9317,12 @@
           </a:fontRef>
         </p:style>
         <p:txBody>
-          <a:bodyPr wrap="square" lIns="91440" tIns="45720" rIns="91440" bIns="45720" vert="horz" anchor="ctr">
+          <a:bodyPr vert="horz" wrap="square" lIns="91440" tIns="45720" rIns="91440" bIns="45720" anchor="ctr">
             <a:noAutofit/>
           </a:bodyPr>
           <a:lstStyle/>
           <a:p>
-            <a:pPr marL="0" indent="0" algn="ctr" fontAlgn="auto" defTabSz="914400" eaLnBrk="0">
+            <a:pPr marL="0" indent="0" algn="ctr" defTabSz="914400" eaLnBrk="0" fontAlgn="auto">
               <a:lnSpc>
                 <a:spcPct val="100000"/>
               </a:lnSpc>
@@ -9144,7 +9335,7 @@
               <a:buFontTx/>
               <a:buNone/>
             </a:pPr>
-            <a:endParaRPr lang="ko-KR" altLang="en-US" sz="1800" cap="none" dirty="0" smtClean="0" b="0">
+            <a:endParaRPr lang="ko-KR" altLang="en-US" sz="1800" b="0" cap="none" dirty="0" smtClean="0">
               <a:solidFill>
                 <a:srgbClr val="FFFFFF"/>
               </a:solidFill>
@@ -9163,11 +9354,13 @@
           <p:nvPr/>
         </p:nvSpPr>
         <p:spPr>
-          <a:xfrm rot="0">
+          <a:xfrm>
             <a:off x="3373755" y="2443480"/>
             <a:ext cx="2668270" cy="281305"/>
           </a:xfrm>
-          <a:prstGeom prst="rect"/>
+          <a:prstGeom prst="rect">
+            <a:avLst/>
+          </a:prstGeom>
           <a:noFill/>
           <a:ln w="0">
             <a:noFill/>
@@ -9175,12 +9368,12 @@
           </a:ln>
         </p:spPr>
         <p:txBody>
-          <a:bodyPr wrap="square" lIns="91440" tIns="45720" rIns="91440" bIns="45720" vert="horz" anchor="t">
+          <a:bodyPr vert="horz" wrap="square" lIns="91440" tIns="45720" rIns="91440" bIns="45720" anchor="t">
             <a:noAutofit/>
           </a:bodyPr>
           <a:lstStyle/>
           <a:p>
-            <a:pPr marL="109220" indent="0" algn="l" fontAlgn="auto" defTabSz="914400" eaLnBrk="0">
+            <a:pPr marL="109220" indent="0" algn="l" defTabSz="914400" eaLnBrk="0" fontAlgn="auto">
               <a:lnSpc>
                 <a:spcPct val="102000"/>
               </a:lnSpc>
@@ -9194,7 +9387,7 @@
               <a:buNone/>
             </a:pPr>
             <a:r>
-              <a:rPr lang="en-US" altLang="ko-KR" sz="1600" cap="none" dirty="0" smtClean="0" b="1">
+              <a:rPr lang="en-US" altLang="ko-KR" sz="1600" b="1" cap="none" dirty="0" smtClean="0">
                 <a:solidFill>
                   <a:srgbClr val="7DCD00"/>
                 </a:solidFill>
@@ -9203,7 +9396,7 @@
               </a:rPr>
               <a:t>Service.Class</a:t>
             </a:r>
-            <a:endParaRPr lang="ko-KR" altLang="en-US" sz="1600" cap="none" dirty="0" smtClean="0" b="1">
+            <a:endParaRPr lang="ko-KR" altLang="en-US" sz="1600" b="1" cap="none" dirty="0" smtClean="0">
               <a:solidFill>
                 <a:srgbClr val="7DCD00"/>
               </a:solidFill>
@@ -9222,23 +9415,25 @@
           <p:nvPr/>
         </p:nvSpPr>
         <p:spPr>
-          <a:xfrm rot="0">
+          <a:xfrm>
             <a:off x="3517265" y="2784475"/>
             <a:ext cx="2493010" cy="1518285"/>
           </a:xfrm>
-          <a:prstGeom prst="rect"/>
+          <a:prstGeom prst="rect">
+            <a:avLst/>
+          </a:prstGeom>
           <a:ln w="0">
             <a:noFill/>
             <a:prstDash/>
           </a:ln>
         </p:spPr>
         <p:txBody>
-          <a:bodyPr wrap="square" lIns="91440" tIns="45720" rIns="91440" bIns="45720" vert="horz" anchor="t">
+          <a:bodyPr vert="horz" wrap="square" lIns="91440" tIns="45720" rIns="91440" bIns="45720" anchor="t">
             <a:noAutofit/>
           </a:bodyPr>
           <a:lstStyle/>
           <a:p>
-            <a:pPr marL="0" indent="0" algn="l" fontAlgn="auto" defTabSz="914400" eaLnBrk="0">
+            <a:pPr marL="0" indent="0" algn="l" defTabSz="914400" eaLnBrk="0" fontAlgn="auto">
               <a:lnSpc>
                 <a:spcPct val="102000"/>
               </a:lnSpc>
@@ -9252,7 +9447,7 @@
               <a:buNone/>
             </a:pPr>
             <a:r>
-              <a:rPr lang="en-US" altLang="ko-KR" sz="1600" cap="none" dirty="0" smtClean="0" b="1">
+              <a:rPr lang="en-US" altLang="ko-KR" sz="1600" b="1" cap="none" dirty="0" smtClean="0">
                 <a:solidFill>
                   <a:srgbClr val="9BBB59"/>
                 </a:solidFill>
@@ -9261,7 +9456,7 @@
               </a:rPr>
               <a:t>ShowTotalTicketList(){</a:t>
             </a:r>
-            <a:endParaRPr lang="ko-KR" altLang="en-US" sz="1600" cap="none" dirty="0" smtClean="0" b="1">
+            <a:endParaRPr lang="ko-KR" altLang="en-US" sz="1600" b="1" cap="none" dirty="0" smtClean="0">
               <a:solidFill>
                 <a:srgbClr val="9BBB59"/>
               </a:solidFill>
@@ -9270,7 +9465,7 @@
             </a:endParaRPr>
           </a:p>
           <a:p>
-            <a:pPr marL="0" indent="0" algn="l" fontAlgn="auto" defTabSz="914400" eaLnBrk="0">
+            <a:pPr marL="0" indent="0" algn="l" defTabSz="914400" eaLnBrk="0" fontAlgn="auto">
               <a:lnSpc>
                 <a:spcPct val="102000"/>
               </a:lnSpc>
@@ -9284,7 +9479,7 @@
               <a:buNone/>
             </a:pPr>
             <a:r>
-              <a:rPr lang="en-US" altLang="ko-KR" sz="1600" cap="none" dirty="0" smtClean="0" b="1">
+              <a:rPr lang="en-US" altLang="ko-KR" sz="1600" b="1" cap="none" dirty="0" smtClean="0">
                 <a:solidFill>
                   <a:srgbClr val="9BBB59"/>
                 </a:solidFill>
@@ -9293,7 +9488,7 @@
               </a:rPr>
               <a:t>	toString;</a:t>
             </a:r>
-            <a:endParaRPr lang="ko-KR" altLang="en-US" sz="1600" cap="none" dirty="0" smtClean="0" b="1">
+            <a:endParaRPr lang="ko-KR" altLang="en-US" sz="1600" b="1" cap="none" dirty="0" smtClean="0">
               <a:solidFill>
                 <a:srgbClr val="9BBB59"/>
               </a:solidFill>
@@ -9302,7 +9497,7 @@
             </a:endParaRPr>
           </a:p>
           <a:p>
-            <a:pPr marL="0" indent="0" algn="l" fontAlgn="auto" defTabSz="914400" eaLnBrk="0">
+            <a:pPr marL="0" indent="0" algn="l" defTabSz="914400" eaLnBrk="0" fontAlgn="auto">
               <a:lnSpc>
                 <a:spcPct val="102000"/>
               </a:lnSpc>
@@ -9316,7 +9511,7 @@
               <a:buNone/>
             </a:pPr>
             <a:r>
-              <a:rPr lang="en-US" altLang="ko-KR" sz="3200" cap="none" dirty="0" smtClean="0" b="1">
+              <a:rPr lang="en-US" altLang="ko-KR" sz="3200" b="1" cap="none" dirty="0" smtClean="0">
                 <a:solidFill>
                   <a:srgbClr val="9BBB59"/>
                 </a:solidFill>
@@ -9325,7 +9520,7 @@
               </a:rPr>
               <a:t>반환</a:t>
             </a:r>
-            <a:endParaRPr lang="ko-KR" altLang="en-US" sz="3200" cap="none" dirty="0" smtClean="0" b="1">
+            <a:endParaRPr lang="ko-KR" altLang="en-US" sz="3200" b="1" cap="none" dirty="0" smtClean="0">
               <a:solidFill>
                 <a:srgbClr val="9BBB59"/>
               </a:solidFill>
@@ -9334,7 +9529,7 @@
             </a:endParaRPr>
           </a:p>
           <a:p>
-            <a:pPr marL="0" indent="0" algn="l" fontAlgn="auto" defTabSz="914400" eaLnBrk="0">
+            <a:pPr marL="0" indent="0" algn="l" defTabSz="914400" eaLnBrk="0" fontAlgn="auto">
               <a:lnSpc>
                 <a:spcPct val="102000"/>
               </a:lnSpc>
@@ -9348,7 +9543,7 @@
               <a:buNone/>
             </a:pPr>
             <a:r>
-              <a:rPr lang="en-US" altLang="ko-KR" sz="1600" cap="none" dirty="0" smtClean="0" b="1">
+              <a:rPr lang="en-US" altLang="ko-KR" sz="1600" b="1" cap="none" dirty="0" smtClean="0">
                 <a:solidFill>
                   <a:srgbClr val="9BBB59"/>
                 </a:solidFill>
@@ -9357,7 +9552,7 @@
               </a:rPr>
               <a:t>}</a:t>
             </a:r>
-            <a:endParaRPr lang="ko-KR" altLang="en-US" sz="1600" cap="none" dirty="0" smtClean="0" b="1">
+            <a:endParaRPr lang="ko-KR" altLang="en-US" sz="1600" b="1" cap="none" dirty="0" smtClean="0">
               <a:solidFill>
                 <a:srgbClr val="9BBB59"/>
               </a:solidFill>
@@ -9376,11 +9571,13 @@
           <p:nvPr/>
         </p:nvSpPr>
         <p:spPr>
-          <a:xfrm rot="0">
+          <a:xfrm>
             <a:off x="6141085" y="2261870"/>
             <a:ext cx="2705100" cy="2456815"/>
           </a:xfrm>
-          <a:prstGeom prst="rect"/>
+          <a:prstGeom prst="rect">
+            <a:avLst/>
+          </a:prstGeom>
           <a:noFill/>
           <a:ln w="57150" cap="flat" cmpd="sng">
             <a:solidFill>
@@ -9408,12 +9605,12 @@
           </a:fontRef>
         </p:style>
         <p:txBody>
-          <a:bodyPr wrap="square" lIns="91440" tIns="45720" rIns="91440" bIns="45720" vert="horz" anchor="ctr">
+          <a:bodyPr vert="horz" wrap="square" lIns="91440" tIns="45720" rIns="91440" bIns="45720" anchor="ctr">
             <a:noAutofit/>
           </a:bodyPr>
           <a:lstStyle/>
           <a:p>
-            <a:pPr marL="0" indent="0" algn="ctr" fontAlgn="auto" defTabSz="914400" eaLnBrk="0">
+            <a:pPr marL="0" indent="0" algn="ctr" defTabSz="914400" eaLnBrk="0" fontAlgn="auto">
               <a:lnSpc>
                 <a:spcPct val="100000"/>
               </a:lnSpc>
@@ -9426,7 +9623,7 @@
               <a:buFontTx/>
               <a:buNone/>
             </a:pPr>
-            <a:endParaRPr lang="ko-KR" altLang="en-US" sz="1800" cap="none" dirty="0" smtClean="0" b="0">
+            <a:endParaRPr lang="ko-KR" altLang="en-US" sz="1800" b="0" cap="none" dirty="0" smtClean="0">
               <a:solidFill>
                 <a:srgbClr val="FFFFFF"/>
               </a:solidFill>
@@ -9445,11 +9642,13 @@
           <p:nvPr/>
         </p:nvSpPr>
         <p:spPr>
-          <a:xfrm rot="0">
+          <a:xfrm>
             <a:off x="6231255" y="2443480"/>
             <a:ext cx="2668270" cy="281305"/>
           </a:xfrm>
-          <a:prstGeom prst="rect"/>
+          <a:prstGeom prst="rect">
+            <a:avLst/>
+          </a:prstGeom>
           <a:noFill/>
           <a:ln w="0">
             <a:noFill/>
@@ -9457,12 +9656,12 @@
           </a:ln>
         </p:spPr>
         <p:txBody>
-          <a:bodyPr wrap="square" lIns="91440" tIns="45720" rIns="91440" bIns="45720" vert="horz" anchor="t">
+          <a:bodyPr vert="horz" wrap="square" lIns="91440" tIns="45720" rIns="91440" bIns="45720" anchor="t">
             <a:noAutofit/>
           </a:bodyPr>
           <a:lstStyle/>
           <a:p>
-            <a:pPr marL="109220" indent="0" algn="l" fontAlgn="auto" defTabSz="914400" eaLnBrk="0">
+            <a:pPr marL="109220" indent="0" algn="l" defTabSz="914400" eaLnBrk="0" fontAlgn="auto">
               <a:lnSpc>
                 <a:spcPct val="102000"/>
               </a:lnSpc>
@@ -9476,7 +9675,7 @@
               <a:buNone/>
             </a:pPr>
             <a:r>
-              <a:rPr lang="en-US" altLang="ko-KR" sz="1600" cap="none" dirty="0" smtClean="0" b="1">
+              <a:rPr lang="en-US" altLang="ko-KR" sz="1600" b="1" cap="none" dirty="0" smtClean="0">
                 <a:solidFill>
                   <a:srgbClr val="FF0000"/>
                 </a:solidFill>
@@ -9485,7 +9684,7 @@
               </a:rPr>
               <a:t>Database.Class</a:t>
             </a:r>
-            <a:endParaRPr lang="ko-KR" altLang="en-US" sz="1600" cap="none" dirty="0" smtClean="0" b="1">
+            <a:endParaRPr lang="ko-KR" altLang="en-US" sz="1600" b="1" cap="none" dirty="0" smtClean="0">
               <a:solidFill>
                 <a:srgbClr val="FF0000"/>
               </a:solidFill>
@@ -9504,23 +9703,25 @@
           <p:nvPr/>
         </p:nvSpPr>
         <p:spPr>
-          <a:xfrm rot="0">
+          <a:xfrm>
             <a:off x="6374765" y="2784475"/>
             <a:ext cx="2493010" cy="1518285"/>
           </a:xfrm>
-          <a:prstGeom prst="rect"/>
+          <a:prstGeom prst="rect">
+            <a:avLst/>
+          </a:prstGeom>
           <a:ln w="0">
             <a:noFill/>
             <a:prstDash/>
           </a:ln>
         </p:spPr>
         <p:txBody>
-          <a:bodyPr wrap="square" lIns="91440" tIns="45720" rIns="91440" bIns="45720" vert="horz" anchor="t">
+          <a:bodyPr vert="horz" wrap="square" lIns="91440" tIns="45720" rIns="91440" bIns="45720" anchor="t">
             <a:noAutofit/>
           </a:bodyPr>
           <a:lstStyle/>
           <a:p>
-            <a:pPr marL="0" indent="0" algn="l" fontAlgn="auto" defTabSz="914400" eaLnBrk="0">
+            <a:pPr marL="0" indent="0" algn="l" defTabSz="914400" eaLnBrk="0" fontAlgn="auto">
               <a:lnSpc>
                 <a:spcPct val="102000"/>
               </a:lnSpc>
@@ -9534,7 +9735,7 @@
               <a:buNone/>
             </a:pPr>
             <a:r>
-              <a:rPr lang="en-US" altLang="ko-KR" sz="3200" cap="none" dirty="0" smtClean="0" b="1">
+              <a:rPr lang="en-US" altLang="ko-KR" sz="3200" b="1" cap="none" dirty="0" smtClean="0">
                 <a:solidFill>
                   <a:srgbClr val="EE6B58"/>
                 </a:solidFill>
@@ -9543,7 +9744,7 @@
               </a:rPr>
               <a:t>티켓리스트</a:t>
             </a:r>
-            <a:endParaRPr lang="ko-KR" altLang="en-US" sz="3200" cap="none" dirty="0" smtClean="0" b="1">
+            <a:endParaRPr lang="ko-KR" altLang="en-US" sz="3200" b="1" cap="none" dirty="0" smtClean="0">
               <a:solidFill>
                 <a:srgbClr val="EE6B58"/>
               </a:solidFill>
@@ -9552,7 +9753,7 @@
             </a:endParaRPr>
           </a:p>
           <a:p>
-            <a:pPr marL="0" indent="0" algn="l" fontAlgn="auto" defTabSz="914400" eaLnBrk="0">
+            <a:pPr marL="0" indent="0" algn="l" defTabSz="914400" eaLnBrk="0" fontAlgn="auto">
               <a:lnSpc>
                 <a:spcPct val="102000"/>
               </a:lnSpc>
@@ -9566,7 +9767,7 @@
               <a:buNone/>
             </a:pPr>
             <a:r>
-              <a:rPr lang="en-US" altLang="ko-KR" sz="3200" cap="none" dirty="0" smtClean="0" b="1">
+              <a:rPr lang="en-US" altLang="ko-KR" sz="3200" b="1" cap="none" dirty="0" smtClean="0">
                 <a:solidFill>
                   <a:srgbClr val="EE6B58"/>
                 </a:solidFill>
@@ -9575,7 +9776,7 @@
               </a:rPr>
               <a:t>버스 요금</a:t>
             </a:r>
-            <a:endParaRPr lang="ko-KR" altLang="en-US" sz="3200" cap="none" dirty="0" smtClean="0" b="1">
+            <a:endParaRPr lang="ko-KR" altLang="en-US" sz="3200" b="1" cap="none" dirty="0" smtClean="0">
               <a:solidFill>
                 <a:srgbClr val="EE6B58"/>
               </a:solidFill>
@@ -9584,7 +9785,7 @@
             </a:endParaRPr>
           </a:p>
           <a:p>
-            <a:pPr marL="0" indent="0" algn="l" fontAlgn="auto" defTabSz="914400" eaLnBrk="0">
+            <a:pPr marL="0" indent="0" algn="l" defTabSz="914400" eaLnBrk="0" fontAlgn="auto">
               <a:lnSpc>
                 <a:spcPct val="102000"/>
               </a:lnSpc>
@@ -9598,7 +9799,7 @@
               <a:buNone/>
             </a:pPr>
             <a:r>
-              <a:rPr lang="en-US" altLang="ko-KR" sz="3200" cap="none" dirty="0" smtClean="0" b="1">
+              <a:rPr lang="en-US" altLang="ko-KR" sz="3200" b="1" cap="none" dirty="0" smtClean="0">
                 <a:solidFill>
                   <a:srgbClr val="EE6B58"/>
                 </a:solidFill>
@@ -9607,7 +9808,7 @@
               </a:rPr>
               <a:t>return Map&lt;</a:t>
             </a:r>
-            <a:endParaRPr lang="ko-KR" altLang="en-US" sz="3200" cap="none" dirty="0" smtClean="0" b="1">
+            <a:endParaRPr lang="ko-KR" altLang="en-US" sz="3200" b="1" cap="none" dirty="0" smtClean="0">
               <a:solidFill>
                 <a:srgbClr val="EE6B58"/>
               </a:solidFill>
@@ -9619,14 +9820,14 @@
       </p:sp>
       <p:pic>
         <p:nvPicPr>
-          <p:cNvPr id="57" name="그림 56" descr="C:/Users/Administrator/AppData/Roaming/PolarisOffice/ETemp/18712_7958728/fImage98549496500.png"/>
+          <p:cNvPr id="57" name="그림 56"/>
           <p:cNvPicPr>
             <a:picLocks noChangeAspect="1"/>
           </p:cNvPicPr>
           <p:nvPr/>
         </p:nvPicPr>
         <p:blipFill rotWithShape="1">
-          <a:blip r:embed="rId1">
+          <a:blip r:embed="rId2">
             <a:extLst>
               <a:ext uri="{28A0092B-C50C-407E-A947-70E740481C1C}">
                 <a14:useLocalDpi xmlns:a14="http://schemas.microsoft.com/office/drawing/2010/main" val="0"/>
@@ -9639,11 +9840,13 @@
           </a:stretch>
         </p:blipFill>
         <p:spPr>
-          <a:xfrm rot="0">
+          <a:xfrm>
             <a:off x="2005965" y="241300"/>
             <a:ext cx="6960870" cy="1918335"/>
           </a:xfrm>
-          <a:prstGeom prst="rect"/>
+          <a:prstGeom prst="rect">
+            <a:avLst/>
+          </a:prstGeom>
           <a:noFill/>
           <a:ln w="0" cap="flat" cmpd="sng">
             <a:prstDash/>
@@ -9659,23 +9862,25 @@
           <p:nvPr/>
         </p:nvSpPr>
         <p:spPr>
-          <a:xfrm rot="0">
+          <a:xfrm>
             <a:off x="457200" y="565150"/>
             <a:ext cx="2493010" cy="1518285"/>
           </a:xfrm>
-          <a:prstGeom prst="rect"/>
+          <a:prstGeom prst="rect">
+            <a:avLst/>
+          </a:prstGeom>
           <a:ln w="0">
             <a:noFill/>
             <a:prstDash/>
           </a:ln>
         </p:spPr>
         <p:txBody>
-          <a:bodyPr wrap="square" lIns="91440" tIns="45720" rIns="91440" bIns="45720" vert="horz" anchor="t">
+          <a:bodyPr vert="horz" wrap="square" lIns="91440" tIns="45720" rIns="91440" bIns="45720" anchor="t">
             <a:noAutofit/>
           </a:bodyPr>
           <a:lstStyle/>
           <a:p>
-            <a:pPr marL="0" indent="0" algn="l" fontAlgn="auto" defTabSz="914400" eaLnBrk="0">
+            <a:pPr marL="0" indent="0" algn="l" defTabSz="914400" eaLnBrk="0" fontAlgn="auto">
               <a:lnSpc>
                 <a:spcPct val="102000"/>
               </a:lnSpc>
@@ -9689,7 +9894,7 @@
               <a:buNone/>
             </a:pPr>
             <a:r>
-              <a:rPr lang="en-US" altLang="ko-KR" sz="2000" cap="none" dirty="0" smtClean="0" b="1">
+              <a:rPr lang="en-US" altLang="ko-KR" sz="2000" b="1" cap="none" dirty="0" smtClean="0">
                 <a:solidFill>
                   <a:schemeClr val="tx1">
                     <a:lumMod val="50000"/>
@@ -9701,7 +9906,7 @@
               </a:rPr>
               <a:t>BusVO</a:t>
             </a:r>
-            <a:endParaRPr lang="ko-KR" altLang="en-US" sz="2000" cap="none" dirty="0" smtClean="0" b="1">
+            <a:endParaRPr lang="ko-KR" altLang="en-US" sz="2000" b="1" cap="none" dirty="0" smtClean="0">
               <a:solidFill>
                 <a:schemeClr val="tx1">
                   <a:lumMod val="50000"/>
@@ -9713,7 +9918,7 @@
             </a:endParaRPr>
           </a:p>
           <a:p>
-            <a:pPr marL="0" indent="0" algn="l" fontAlgn="auto" defTabSz="914400" eaLnBrk="0">
+            <a:pPr marL="0" indent="0" algn="l" defTabSz="914400" eaLnBrk="0" fontAlgn="auto">
               <a:lnSpc>
                 <a:spcPct val="102000"/>
               </a:lnSpc>
@@ -9727,7 +9932,7 @@
               <a:buNone/>
             </a:pPr>
             <a:r>
-              <a:rPr lang="en-US" altLang="ko-KR" sz="2000" cap="none" dirty="0" smtClean="0" b="1">
+              <a:rPr lang="en-US" altLang="ko-KR" sz="2000" b="1" cap="none" dirty="0" smtClean="0">
                 <a:solidFill>
                   <a:schemeClr val="tx1">
                     <a:lumMod val="50000"/>
@@ -9739,7 +9944,7 @@
               </a:rPr>
               <a:t>TicketVO</a:t>
             </a:r>
-            <a:endParaRPr lang="ko-KR" altLang="en-US" sz="2000" cap="none" dirty="0" smtClean="0" b="1">
+            <a:endParaRPr lang="ko-KR" altLang="en-US" sz="2000" b="1" cap="none" dirty="0" smtClean="0">
               <a:solidFill>
                 <a:schemeClr val="tx1">
                   <a:lumMod val="50000"/>
@@ -9751,7 +9956,7 @@
             </a:endParaRPr>
           </a:p>
           <a:p>
-            <a:pPr marL="0" indent="0" algn="l" fontAlgn="auto" defTabSz="914400" eaLnBrk="0">
+            <a:pPr marL="0" indent="0" algn="l" defTabSz="914400" eaLnBrk="0" fontAlgn="auto">
               <a:lnSpc>
                 <a:spcPct val="102000"/>
               </a:lnSpc>
@@ -9765,7 +9970,7 @@
               <a:buNone/>
             </a:pPr>
             <a:r>
-              <a:rPr lang="en-US" altLang="ko-KR" sz="2000" cap="none" dirty="0" smtClean="0" b="1">
+              <a:rPr lang="en-US" altLang="ko-KR" sz="2000" b="1" cap="none" dirty="0" smtClean="0">
                 <a:solidFill>
                   <a:schemeClr val="tx1">
                     <a:lumMod val="50000"/>
@@ -9777,7 +9982,7 @@
               </a:rPr>
               <a:t>MemberVO</a:t>
             </a:r>
-            <a:endParaRPr lang="ko-KR" altLang="en-US" sz="2000" cap="none" dirty="0" smtClean="0" b="1">
+            <a:endParaRPr lang="ko-KR" altLang="en-US" sz="2000" b="1" cap="none" dirty="0" smtClean="0">
               <a:solidFill>
                 <a:schemeClr val="tx1">
                   <a:lumMod val="50000"/>
@@ -9789,7 +9994,7 @@
             </a:endParaRPr>
           </a:p>
           <a:p>
-            <a:pPr marL="0" indent="0" algn="l" fontAlgn="auto" defTabSz="914400" eaLnBrk="0">
+            <a:pPr marL="0" indent="0" algn="l" defTabSz="914400" eaLnBrk="0" fontAlgn="auto">
               <a:lnSpc>
                 <a:spcPct val="102000"/>
               </a:lnSpc>
@@ -9802,7 +10007,7 @@
               <a:buFontTx/>
               <a:buNone/>
             </a:pPr>
-            <a:endParaRPr lang="ko-KR" altLang="en-US" sz="2000" cap="none" dirty="0" smtClean="0" b="1">
+            <a:endParaRPr lang="ko-KR" altLang="en-US" sz="2000" b="1" cap="none" dirty="0" smtClean="0">
               <a:solidFill>
                 <a:schemeClr val="tx1">
                   <a:lumMod val="50000"/>
@@ -9812,6 +10017,191 @@
               <a:latin typeface="돋움" charset="0"/>
               <a:ea typeface="돋움" charset="0"/>
             </a:endParaRPr>
+          </a:p>
+        </p:txBody>
+      </p:sp>
+      <p:sp>
+        <p:nvSpPr>
+          <p:cNvPr id="3" name="오른쪽 화살표 2"/>
+          <p:cNvSpPr/>
+          <p:nvPr/>
+        </p:nvSpPr>
+        <p:spPr>
+          <a:xfrm>
+            <a:off x="5868035" y="2715895"/>
+            <a:ext cx="504190" cy="288290"/>
+          </a:xfrm>
+          <a:prstGeom prst="rightArrow">
+            <a:avLst/>
+          </a:prstGeom>
+          <a:solidFill>
+            <a:srgbClr val="92D050"/>
+          </a:solidFill>
+          <a:ln>
+            <a:noFill/>
+          </a:ln>
+        </p:spPr>
+        <p:style>
+          <a:lnRef idx="2">
+            <a:schemeClr val="accent1">
+              <a:shade val="50000"/>
+            </a:schemeClr>
+          </a:lnRef>
+          <a:fillRef idx="1">
+            <a:schemeClr val="accent1"/>
+          </a:fillRef>
+          <a:effectRef idx="0">
+            <a:schemeClr val="accent1"/>
+          </a:effectRef>
+          <a:fontRef idx="minor">
+            <a:schemeClr val="lt1"/>
+          </a:fontRef>
+        </p:style>
+        <p:txBody>
+          <a:bodyPr rtlCol="0" anchor="ctr"/>
+          <a:lstStyle/>
+          <a:p>
+            <a:pPr algn="ctr"/>
+            <a:endParaRPr lang="ko-KR" altLang="en-US"/>
+          </a:p>
+        </p:txBody>
+      </p:sp>
+      <p:sp>
+        <p:nvSpPr>
+          <p:cNvPr id="15" name="오른쪽 화살표 14"/>
+          <p:cNvSpPr/>
+          <p:nvPr/>
+        </p:nvSpPr>
+        <p:spPr>
+          <a:xfrm rot="10800000">
+            <a:off x="5796280" y="3459480"/>
+            <a:ext cx="504190" cy="288290"/>
+          </a:xfrm>
+          <a:prstGeom prst="rightArrow">
+            <a:avLst/>
+          </a:prstGeom>
+          <a:solidFill>
+            <a:srgbClr val="F29386"/>
+          </a:solidFill>
+          <a:ln>
+            <a:noFill/>
+          </a:ln>
+        </p:spPr>
+        <p:style>
+          <a:lnRef idx="2">
+            <a:schemeClr val="accent1">
+              <a:shade val="50000"/>
+            </a:schemeClr>
+          </a:lnRef>
+          <a:fillRef idx="1">
+            <a:schemeClr val="accent1"/>
+          </a:fillRef>
+          <a:effectRef idx="0">
+            <a:schemeClr val="accent1"/>
+          </a:effectRef>
+          <a:fontRef idx="minor">
+            <a:schemeClr val="lt1"/>
+          </a:fontRef>
+        </p:style>
+        <p:txBody>
+          <a:bodyPr rtlCol="0" anchor="ctr"/>
+          <a:lstStyle/>
+          <a:p>
+            <a:pPr algn="ctr"/>
+            <a:endParaRPr lang="ko-KR" altLang="en-US"/>
+          </a:p>
+        </p:txBody>
+      </p:sp>
+      <p:sp>
+        <p:nvSpPr>
+          <p:cNvPr id="16" name="오른쪽 화살표 15"/>
+          <p:cNvSpPr/>
+          <p:nvPr/>
+        </p:nvSpPr>
+        <p:spPr>
+          <a:xfrm>
+            <a:off x="2915920" y="2753360"/>
+            <a:ext cx="504190" cy="288290"/>
+          </a:xfrm>
+          <a:prstGeom prst="rightArrow">
+            <a:avLst/>
+          </a:prstGeom>
+          <a:ln>
+            <a:noFill/>
+          </a:ln>
+        </p:spPr>
+        <p:style>
+          <a:lnRef idx="2">
+            <a:schemeClr val="accent1">
+              <a:shade val="50000"/>
+            </a:schemeClr>
+          </a:lnRef>
+          <a:fillRef idx="1">
+            <a:schemeClr val="accent1"/>
+          </a:fillRef>
+          <a:effectRef idx="0">
+            <a:schemeClr val="accent1"/>
+          </a:effectRef>
+          <a:fontRef idx="minor">
+            <a:schemeClr val="lt1"/>
+          </a:fontRef>
+        </p:style>
+        <p:txBody>
+          <a:bodyPr rtlCol="0" anchor="ctr"/>
+          <a:lstStyle/>
+          <a:p>
+            <a:pPr algn="ctr"/>
+            <a:endParaRPr lang="ko-KR" altLang="en-US">
+              <a:solidFill>
+                <a:srgbClr val="00B050"/>
+              </a:solidFill>
+            </a:endParaRPr>
+          </a:p>
+        </p:txBody>
+      </p:sp>
+      <p:sp>
+        <p:nvSpPr>
+          <p:cNvPr id="17" name="오른쪽 화살표 16"/>
+          <p:cNvSpPr/>
+          <p:nvPr/>
+        </p:nvSpPr>
+        <p:spPr>
+          <a:xfrm rot="10800000">
+            <a:off x="2843530" y="3449955"/>
+            <a:ext cx="504190" cy="288290"/>
+          </a:xfrm>
+          <a:prstGeom prst="rightArrow">
+            <a:avLst/>
+          </a:prstGeom>
+          <a:solidFill>
+            <a:srgbClr val="92D050"/>
+          </a:solidFill>
+          <a:ln>
+            <a:noFill/>
+          </a:ln>
+        </p:spPr>
+        <p:style>
+          <a:lnRef idx="2">
+            <a:schemeClr val="accent1">
+              <a:shade val="50000"/>
+            </a:schemeClr>
+          </a:lnRef>
+          <a:fillRef idx="1">
+            <a:schemeClr val="accent1"/>
+          </a:fillRef>
+          <a:effectRef idx="0">
+            <a:schemeClr val="accent1"/>
+          </a:effectRef>
+          <a:fontRef idx="minor">
+            <a:schemeClr val="lt1"/>
+          </a:fontRef>
+        </p:style>
+        <p:txBody>
+          <a:bodyPr rtlCol="0" anchor="ctr"/>
+          <a:lstStyle/>
+          <a:p>
+            <a:pPr algn="ctr"/>
+            <a:endParaRPr lang="ko-KR" altLang="en-US"/>
           </a:p>
         </p:txBody>
       </p:sp>
@@ -9827,10 +10217,14 @@
   </p:clrMapOvr>
   <mc:AlternateContent xmlns:mc="http://schemas.openxmlformats.org/markup-compatibility/2006">
     <mc:Choice xmlns:p14="http://schemas.microsoft.com/office/powerpoint/2010/main" Requires="p14">
-      <p:transition spd="slow" p14:dur="2000"/>
+      <p:transition spd="slow" p14:dur="700">
+        <p:fade/>
+      </p:transition>
     </mc:Choice>
     <mc:Fallback>
-      <p:transition spd="slow"/>
+      <p:transition spd="slow">
+        <p:fade/>
+      </p:transition>
     </mc:Fallback>
   </mc:AlternateContent>
   <p:timing>
@@ -9869,11 +10263,13 @@
           <p:nvPr/>
         </p:nvSpPr>
         <p:spPr>
-          <a:xfrm rot="0">
+          <a:xfrm>
             <a:off x="-6350" y="-6350"/>
             <a:ext cx="9163685" cy="5163185"/>
           </a:xfrm>
-          <a:prstGeom prst="rect"/>
+          <a:prstGeom prst="rect">
+            <a:avLst/>
+          </a:prstGeom>
           <a:solidFill>
             <a:srgbClr val="4F81BD"/>
           </a:solidFill>
@@ -9899,12 +10295,12 @@
           </a:fontRef>
         </p:style>
         <p:txBody>
-          <a:bodyPr wrap="square" lIns="91440" tIns="45720" rIns="91440" bIns="45720" vert="horz" anchor="ctr">
+          <a:bodyPr vert="horz" wrap="square" lIns="91440" tIns="45720" rIns="91440" bIns="45720" anchor="ctr">
             <a:noAutofit/>
           </a:bodyPr>
           <a:lstStyle/>
           <a:p>
-            <a:pPr marL="0" indent="0" algn="ctr" fontAlgn="auto" defTabSz="508000">
+            <a:pPr marL="0" indent="0" algn="ctr" defTabSz="508000" fontAlgn="auto">
               <a:lnSpc>
                 <a:spcPct val="100000"/>
               </a:lnSpc>
@@ -9917,7 +10313,7 @@
               <a:buFontTx/>
               <a:buNone/>
             </a:pPr>
-            <a:endParaRPr lang="ko-KR" altLang="en-US" sz="1800" cap="none" dirty="0" smtClean="0" b="0">
+            <a:endParaRPr lang="ko-KR" altLang="en-US" sz="1800" b="0" cap="none" dirty="0" smtClean="0">
               <a:solidFill>
                 <a:srgbClr val="4F81BD"/>
               </a:solidFill>
@@ -9936,11 +10332,13 @@
           <p:nvPr/>
         </p:nvSpPr>
         <p:spPr>
-          <a:xfrm rot="0">
+          <a:xfrm>
             <a:off x="82550" y="114300"/>
             <a:ext cx="8992235" cy="4972685"/>
           </a:xfrm>
-          <a:prstGeom prst="rect"/>
+          <a:prstGeom prst="rect">
+            <a:avLst/>
+          </a:prstGeom>
           <a:solidFill>
             <a:srgbClr val="FFEEB2"/>
           </a:solidFill>
@@ -9966,12 +10364,12 @@
           </a:fontRef>
         </p:style>
         <p:txBody>
-          <a:bodyPr wrap="square" lIns="91440" tIns="45720" rIns="91440" bIns="45720" vert="horz" anchor="ctr">
+          <a:bodyPr vert="horz" wrap="square" lIns="91440" tIns="45720" rIns="91440" bIns="45720" anchor="ctr">
             <a:noAutofit/>
           </a:bodyPr>
           <a:lstStyle/>
           <a:p>
-            <a:pPr marL="0" indent="0" algn="ctr" fontAlgn="auto" defTabSz="508000">
+            <a:pPr marL="0" indent="0" algn="ctr" defTabSz="508000" fontAlgn="auto">
               <a:lnSpc>
                 <a:spcPct val="100000"/>
               </a:lnSpc>
@@ -9984,7 +10382,7 @@
               <a:buFontTx/>
               <a:buNone/>
             </a:pPr>
-            <a:endParaRPr lang="ko-KR" altLang="en-US" sz="1800" cap="none" dirty="0" smtClean="0" b="0">
+            <a:endParaRPr lang="ko-KR" altLang="en-US" sz="1800" b="0" cap="none" dirty="0" smtClean="0">
               <a:latin typeface="맑은 고딕" charset="0"/>
               <a:ea typeface="맑은 고딕" charset="0"/>
             </a:endParaRPr>
@@ -10000,11 +10398,13 @@
           <p:nvPr/>
         </p:nvSpPr>
         <p:spPr bwMode="auto">
-          <a:xfrm rot="0">
+          <a:xfrm>
             <a:off x="2809240" y="2317115"/>
             <a:ext cx="3529965" cy="516890"/>
           </a:xfrm>
-          <a:prstGeom prst="rect"/>
+          <a:prstGeom prst="rect">
+            <a:avLst/>
+          </a:prstGeom>
           <a:noFill/>
           <a:ln w="0">
             <a:noFill/>
@@ -10012,12 +10412,12 @@
           </a:ln>
         </p:spPr>
         <p:txBody>
-          <a:bodyPr wrap="none" lIns="91440" tIns="45720" rIns="91440" bIns="45720" vert="horz" anchor="ctr">
+          <a:bodyPr vert="horz" wrap="none" lIns="91440" tIns="45720" rIns="91440" bIns="45720" anchor="ctr">
             <a:noAutofit/>
           </a:bodyPr>
           <a:lstStyle/>
           <a:p>
-            <a:pPr marL="0" indent="0" algn="ctr" fontAlgn="auto" defTabSz="914400" eaLnBrk="0">
+            <a:pPr marL="0" indent="0" algn="ctr" defTabSz="914400" eaLnBrk="0" fontAlgn="auto">
               <a:lnSpc>
                 <a:spcPct val="100000"/>
               </a:lnSpc>
@@ -10031,7 +10431,7 @@
               <a:buNone/>
             </a:pPr>
             <a:r>
-              <a:rPr lang="en-US" altLang="ko-KR" sz="3200" cap="none" dirty="0" smtClean="0" b="1">
+              <a:rPr lang="en-US" altLang="ko-KR" sz="3200" b="1" cap="none" dirty="0" smtClean="0">
                 <a:solidFill>
                   <a:srgbClr val="4F81BD"/>
                 </a:solidFill>
@@ -10040,7 +10440,7 @@
               </a:rPr>
               <a:t>Thank You.</a:t>
             </a:r>
-            <a:endParaRPr lang="ko-KR" altLang="en-US" sz="3200" cap="none" dirty="0" smtClean="0" b="1">
+            <a:endParaRPr lang="ko-KR" altLang="en-US" sz="3200" b="1" cap="none" dirty="0" smtClean="0">
               <a:solidFill>
                 <a:srgbClr val="4F81BD"/>
               </a:solidFill>
@@ -10062,10 +10462,14 @@
   </p:clrMapOvr>
   <mc:AlternateContent xmlns:mc="http://schemas.openxmlformats.org/markup-compatibility/2006">
     <mc:Choice xmlns:p14="http://schemas.microsoft.com/office/powerpoint/2010/main" Requires="p14">
-      <p:transition spd="slow" p14:dur="2000"/>
+      <p:transition spd="slow" p14:dur="700">
+        <p:fade/>
+      </p:transition>
     </mc:Choice>
     <mc:Fallback>
-      <p:transition spd="slow"/>
+      <p:transition spd="slow">
+        <p:fade/>
+      </p:transition>
     </mc:Fallback>
   </mc:AlternateContent>
   <p:timing>
